--- a/Ressources/Soutenance projet 04.pptx
+++ b/Ressources/Soutenance projet 04.pptx
@@ -6,14 +6,29 @@
   </p:sldMasterIdLst>
   <p:sldIdLst>
     <p:sldId id="256" r:id="rId2"/>
-    <p:sldId id="259" r:id="rId3"/>
-    <p:sldId id="261" r:id="rId4"/>
-    <p:sldId id="262" r:id="rId5"/>
-    <p:sldId id="264" r:id="rId6"/>
-    <p:sldId id="265" r:id="rId7"/>
-    <p:sldId id="266" r:id="rId8"/>
-    <p:sldId id="257" r:id="rId9"/>
-    <p:sldId id="258" r:id="rId10"/>
+    <p:sldId id="267" r:id="rId3"/>
+    <p:sldId id="257" r:id="rId4"/>
+    <p:sldId id="259" r:id="rId5"/>
+    <p:sldId id="275" r:id="rId6"/>
+    <p:sldId id="277" r:id="rId7"/>
+    <p:sldId id="276" r:id="rId8"/>
+    <p:sldId id="278" r:id="rId9"/>
+    <p:sldId id="265" r:id="rId10"/>
+    <p:sldId id="279" r:id="rId11"/>
+    <p:sldId id="280" r:id="rId12"/>
+    <p:sldId id="261" r:id="rId13"/>
+    <p:sldId id="264" r:id="rId14"/>
+    <p:sldId id="281" r:id="rId15"/>
+    <p:sldId id="268" r:id="rId16"/>
+    <p:sldId id="282" r:id="rId17"/>
+    <p:sldId id="270" r:id="rId18"/>
+    <p:sldId id="283" r:id="rId19"/>
+    <p:sldId id="284" r:id="rId20"/>
+    <p:sldId id="258" r:id="rId21"/>
+    <p:sldId id="274" r:id="rId22"/>
+    <p:sldId id="271" r:id="rId23"/>
+    <p:sldId id="272" r:id="rId24"/>
+    <p:sldId id="273" r:id="rId25"/>
   </p:sldIdLst>
   <p:sldSz cx="12192000" cy="6858000"/>
   <p:notesSz cx="6858000" cy="9144000"/>
@@ -267,7 +282,7 @@
           <a:p>
             <a:fld id="{AC657B9D-6975-40B9-BC30-AB9F6FC22A40}" type="datetimeFigureOut">
               <a:rPr lang="fr-FR" smtClean="0"/>
-              <a:t>15/03/2022</a:t>
+              <a:t>19/04/2022</a:t>
             </a:fld>
             <a:endParaRPr lang="fr-FR"/>
           </a:p>
@@ -465,7 +480,7 @@
           <a:p>
             <a:fld id="{AC657B9D-6975-40B9-BC30-AB9F6FC22A40}" type="datetimeFigureOut">
               <a:rPr lang="fr-FR" smtClean="0"/>
-              <a:t>15/03/2022</a:t>
+              <a:t>19/04/2022</a:t>
             </a:fld>
             <a:endParaRPr lang="fr-FR"/>
           </a:p>
@@ -673,7 +688,7 @@
           <a:p>
             <a:fld id="{AC657B9D-6975-40B9-BC30-AB9F6FC22A40}" type="datetimeFigureOut">
               <a:rPr lang="fr-FR" smtClean="0"/>
-              <a:t>15/03/2022</a:t>
+              <a:t>19/04/2022</a:t>
             </a:fld>
             <a:endParaRPr lang="fr-FR"/>
           </a:p>
@@ -871,7 +886,7 @@
           <a:p>
             <a:fld id="{AC657B9D-6975-40B9-BC30-AB9F6FC22A40}" type="datetimeFigureOut">
               <a:rPr lang="fr-FR" smtClean="0"/>
-              <a:t>15/03/2022</a:t>
+              <a:t>19/04/2022</a:t>
             </a:fld>
             <a:endParaRPr lang="fr-FR"/>
           </a:p>
@@ -1146,7 +1161,7 @@
           <a:p>
             <a:fld id="{AC657B9D-6975-40B9-BC30-AB9F6FC22A40}" type="datetimeFigureOut">
               <a:rPr lang="fr-FR" smtClean="0"/>
-              <a:t>15/03/2022</a:t>
+              <a:t>19/04/2022</a:t>
             </a:fld>
             <a:endParaRPr lang="fr-FR"/>
           </a:p>
@@ -1411,7 +1426,7 @@
           <a:p>
             <a:fld id="{AC657B9D-6975-40B9-BC30-AB9F6FC22A40}" type="datetimeFigureOut">
               <a:rPr lang="fr-FR" smtClean="0"/>
-              <a:t>15/03/2022</a:t>
+              <a:t>19/04/2022</a:t>
             </a:fld>
             <a:endParaRPr lang="fr-FR"/>
           </a:p>
@@ -1823,7 +1838,7 @@
           <a:p>
             <a:fld id="{AC657B9D-6975-40B9-BC30-AB9F6FC22A40}" type="datetimeFigureOut">
               <a:rPr lang="fr-FR" smtClean="0"/>
-              <a:t>15/03/2022</a:t>
+              <a:t>19/04/2022</a:t>
             </a:fld>
             <a:endParaRPr lang="fr-FR"/>
           </a:p>
@@ -1964,7 +1979,7 @@
           <a:p>
             <a:fld id="{AC657B9D-6975-40B9-BC30-AB9F6FC22A40}" type="datetimeFigureOut">
               <a:rPr lang="fr-FR" smtClean="0"/>
-              <a:t>15/03/2022</a:t>
+              <a:t>19/04/2022</a:t>
             </a:fld>
             <a:endParaRPr lang="fr-FR"/>
           </a:p>
@@ -2077,7 +2092,7 @@
           <a:p>
             <a:fld id="{AC657B9D-6975-40B9-BC30-AB9F6FC22A40}" type="datetimeFigureOut">
               <a:rPr lang="fr-FR" smtClean="0"/>
-              <a:t>15/03/2022</a:t>
+              <a:t>19/04/2022</a:t>
             </a:fld>
             <a:endParaRPr lang="fr-FR"/>
           </a:p>
@@ -2388,7 +2403,7 @@
           <a:p>
             <a:fld id="{AC657B9D-6975-40B9-BC30-AB9F6FC22A40}" type="datetimeFigureOut">
               <a:rPr lang="fr-FR" smtClean="0"/>
-              <a:t>15/03/2022</a:t>
+              <a:t>19/04/2022</a:t>
             </a:fld>
             <a:endParaRPr lang="fr-FR"/>
           </a:p>
@@ -2676,7 +2691,7 @@
           <a:p>
             <a:fld id="{AC657B9D-6975-40B9-BC30-AB9F6FC22A40}" type="datetimeFigureOut">
               <a:rPr lang="fr-FR" smtClean="0"/>
-              <a:t>15/03/2022</a:t>
+              <a:t>19/04/2022</a:t>
             </a:fld>
             <a:endParaRPr lang="fr-FR"/>
           </a:p>
@@ -2917,7 +2932,7 @@
           <a:p>
             <a:fld id="{AC657B9D-6975-40B9-BC30-AB9F6FC22A40}" type="datetimeFigureOut">
               <a:rPr lang="fr-FR" smtClean="0"/>
-              <a:t>15/03/2022</a:t>
+              <a:t>19/04/2022</a:t>
             </a:fld>
             <a:endParaRPr lang="fr-FR"/>
           </a:p>
@@ -3357,40 +3372,1659 @@
           <a:p>
             <a:r>
               <a:rPr lang="fr-FR" dirty="0"/>
-              <a:t>Soutenance projet 04</a:t>
-            </a:r>
-          </a:p>
-        </p:txBody>
-      </p:sp>
-      <p:sp>
-        <p:nvSpPr>
-          <p:cNvPr id="3" name="Sous-titre 2">
-            <a:extLst>
-              <a:ext uri="{FF2B5EF4-FFF2-40B4-BE49-F238E27FC236}">
-                <a16:creationId xmlns:a16="http://schemas.microsoft.com/office/drawing/2014/main" id="{54F02069-5871-4040-9C99-DFE07935BEC1}"/>
-              </a:ext>
-            </a:extLst>
-          </p:cNvPr>
-          <p:cNvSpPr>
-            <a:spLocks noGrp="1"/>
-          </p:cNvSpPr>
-          <p:nvPr>
-            <p:ph type="subTitle" idx="1"/>
-          </p:nvPr>
-        </p:nvSpPr>
-        <p:spPr/>
-        <p:txBody>
-          <a:bodyPr/>
-          <a:lstStyle/>
-          <a:p>
-            <a:endParaRPr lang="fr-FR"/>
-          </a:p>
-        </p:txBody>
-      </p:sp>
+              <a:t>Rapport d’optimisation</a:t>
+            </a:r>
+            <a:br>
+              <a:rPr lang="fr-FR" dirty="0"/>
+            </a:br>
+            <a:endParaRPr lang="fr-FR" dirty="0"/>
+          </a:p>
+        </p:txBody>
+      </p:sp>
+      <p:pic>
+        <p:nvPicPr>
+          <p:cNvPr id="11" name="Image 10">
+            <a:extLst>
+              <a:ext uri="{FF2B5EF4-FFF2-40B4-BE49-F238E27FC236}">
+                <a16:creationId xmlns:a16="http://schemas.microsoft.com/office/drawing/2014/main" id="{B5B40019-B2DC-41AA-BDC0-9E50D703B760}"/>
+              </a:ext>
+            </a:extLst>
+          </p:cNvPr>
+          <p:cNvPicPr>
+            <a:picLocks noChangeAspect="1"/>
+          </p:cNvPicPr>
+          <p:nvPr/>
+        </p:nvPicPr>
+        <p:blipFill>
+          <a:blip r:embed="rId2"/>
+          <a:stretch>
+            <a:fillRect/>
+          </a:stretch>
+        </p:blipFill>
+        <p:spPr>
+          <a:xfrm>
+            <a:off x="3821220" y="3084945"/>
+            <a:ext cx="4549559" cy="1330758"/>
+          </a:xfrm>
+          <a:prstGeom prst="rect">
+            <a:avLst/>
+          </a:prstGeom>
+        </p:spPr>
+      </p:pic>
     </p:spTree>
     <p:extLst>
       <p:ext uri="{BB962C8B-B14F-4D97-AF65-F5344CB8AC3E}">
         <p14:creationId xmlns:p14="http://schemas.microsoft.com/office/powerpoint/2010/main" val="1961125125"/>
+      </p:ext>
+    </p:extLst>
+  </p:cSld>
+  <p:clrMapOvr>
+    <a:masterClrMapping/>
+  </p:clrMapOvr>
+</p:sld>
+</file>
+
+<file path=ppt/slides/slide10.xml><?xml version="1.0" encoding="utf-8"?>
+<p:sld xmlns:a="http://schemas.openxmlformats.org/drawingml/2006/main" xmlns:r="http://schemas.openxmlformats.org/officeDocument/2006/relationships" xmlns:p="http://schemas.openxmlformats.org/presentationml/2006/main">
+  <p:cSld>
+    <p:spTree>
+      <p:nvGrpSpPr>
+        <p:cNvPr id="1" name=""/>
+        <p:cNvGrpSpPr/>
+        <p:nvPr/>
+      </p:nvGrpSpPr>
+      <p:grpSpPr>
+        <a:xfrm>
+          <a:off x="0" y="0"/>
+          <a:ext cx="0" cy="0"/>
+          <a:chOff x="0" y="0"/>
+          <a:chExt cx="0" cy="0"/>
+        </a:xfrm>
+      </p:grpSpPr>
+      <p:sp>
+        <p:nvSpPr>
+          <p:cNvPr id="6" name="Titre 1">
+            <a:extLst>
+              <a:ext uri="{FF2B5EF4-FFF2-40B4-BE49-F238E27FC236}">
+                <a16:creationId xmlns:a16="http://schemas.microsoft.com/office/drawing/2014/main" id="{0A078A5B-32A2-4F9D-99D6-E222307D3C91}"/>
+              </a:ext>
+            </a:extLst>
+          </p:cNvPr>
+          <p:cNvSpPr>
+            <a:spLocks noGrp="1"/>
+          </p:cNvSpPr>
+          <p:nvPr>
+            <p:ph type="title"/>
+          </p:nvPr>
+        </p:nvSpPr>
+        <p:spPr>
+          <a:xfrm>
+            <a:off x="838200" y="374362"/>
+            <a:ext cx="10515600" cy="1325563"/>
+          </a:xfrm>
+        </p:spPr>
+        <p:txBody>
+          <a:bodyPr/>
+          <a:lstStyle/>
+          <a:p>
+            <a:pPr algn="ctr"/>
+            <a:r>
+              <a:rPr lang="fr-FR" dirty="0"/>
+              <a:t>Recommandation 6 :</a:t>
+            </a:r>
+          </a:p>
+        </p:txBody>
+      </p:sp>
+      <p:sp>
+        <p:nvSpPr>
+          <p:cNvPr id="7" name="ZoneTexte 6">
+            <a:extLst>
+              <a:ext uri="{FF2B5EF4-FFF2-40B4-BE49-F238E27FC236}">
+                <a16:creationId xmlns:a16="http://schemas.microsoft.com/office/drawing/2014/main" id="{65F7178E-16D2-46D8-BF6C-15E0C462F102}"/>
+              </a:ext>
+            </a:extLst>
+          </p:cNvPr>
+          <p:cNvSpPr txBox="1"/>
+          <p:nvPr/>
+        </p:nvSpPr>
+        <p:spPr>
+          <a:xfrm>
+            <a:off x="612476" y="2287369"/>
+            <a:ext cx="11467381" cy="2031325"/>
+          </a:xfrm>
+          <a:prstGeom prst="rect">
+            <a:avLst/>
+          </a:prstGeom>
+          <a:noFill/>
+        </p:spPr>
+        <p:txBody>
+          <a:bodyPr wrap="square">
+            <a:spAutoFit/>
+          </a:bodyPr>
+          <a:lstStyle/>
+          <a:p>
+            <a:r>
+              <a:rPr lang="fr-FR" dirty="0"/>
+              <a:t>Problème : Les images sont trop grandes par rapport a leur conteneur, cela augmente considérablement le temps de chargement</a:t>
+            </a:r>
+          </a:p>
+          <a:p>
+            <a:endParaRPr lang="fr-FR" dirty="0"/>
+          </a:p>
+          <a:p>
+            <a:r>
+              <a:rPr lang="fr-FR" dirty="0"/>
+              <a:t>Recommandation : Les images doivent être légèrement plus grande que le conteneur, elle doivent être compressées et au bon format si cela est possible.</a:t>
+            </a:r>
+          </a:p>
+          <a:p>
+            <a:endParaRPr lang="fr-FR" dirty="0"/>
+          </a:p>
+          <a:p>
+            <a:r>
+              <a:rPr lang="fr-FR" dirty="0"/>
+              <a:t>Solution :Redimensionner les images et compresser les fichiers</a:t>
+            </a:r>
+          </a:p>
+        </p:txBody>
+      </p:sp>
+      <p:pic>
+        <p:nvPicPr>
+          <p:cNvPr id="8" name="Image 7">
+            <a:extLst>
+              <a:ext uri="{FF2B5EF4-FFF2-40B4-BE49-F238E27FC236}">
+                <a16:creationId xmlns:a16="http://schemas.microsoft.com/office/drawing/2014/main" id="{D0379BB8-E6F6-4AA0-AA80-C04E95ABF187}"/>
+              </a:ext>
+            </a:extLst>
+          </p:cNvPr>
+          <p:cNvPicPr>
+            <a:picLocks noChangeAspect="1"/>
+          </p:cNvPicPr>
+          <p:nvPr/>
+        </p:nvPicPr>
+        <p:blipFill>
+          <a:blip r:embed="rId2"/>
+          <a:stretch>
+            <a:fillRect/>
+          </a:stretch>
+        </p:blipFill>
+        <p:spPr>
+          <a:xfrm>
+            <a:off x="1549545" y="4303970"/>
+            <a:ext cx="1162050" cy="1352550"/>
+          </a:xfrm>
+          <a:prstGeom prst="rect">
+            <a:avLst/>
+          </a:prstGeom>
+        </p:spPr>
+      </p:pic>
+      <p:pic>
+        <p:nvPicPr>
+          <p:cNvPr id="9" name="Image 8">
+            <a:extLst>
+              <a:ext uri="{FF2B5EF4-FFF2-40B4-BE49-F238E27FC236}">
+                <a16:creationId xmlns:a16="http://schemas.microsoft.com/office/drawing/2014/main" id="{FFD46767-1123-4B0B-AF39-548CD2C32559}"/>
+              </a:ext>
+            </a:extLst>
+          </p:cNvPr>
+          <p:cNvPicPr>
+            <a:picLocks noChangeAspect="1"/>
+          </p:cNvPicPr>
+          <p:nvPr/>
+        </p:nvPicPr>
+        <p:blipFill>
+          <a:blip r:embed="rId3"/>
+          <a:stretch>
+            <a:fillRect/>
+          </a:stretch>
+        </p:blipFill>
+        <p:spPr>
+          <a:xfrm>
+            <a:off x="927028" y="5932616"/>
+            <a:ext cx="2419350" cy="266700"/>
+          </a:xfrm>
+          <a:prstGeom prst="rect">
+            <a:avLst/>
+          </a:prstGeom>
+        </p:spPr>
+      </p:pic>
+      <p:pic>
+        <p:nvPicPr>
+          <p:cNvPr id="10" name="Image 9">
+            <a:extLst>
+              <a:ext uri="{FF2B5EF4-FFF2-40B4-BE49-F238E27FC236}">
+                <a16:creationId xmlns:a16="http://schemas.microsoft.com/office/drawing/2014/main" id="{3CF39AD8-D49C-48FE-A9B6-5AF62FE152EA}"/>
+              </a:ext>
+            </a:extLst>
+          </p:cNvPr>
+          <p:cNvPicPr>
+            <a:picLocks noChangeAspect="1"/>
+          </p:cNvPicPr>
+          <p:nvPr/>
+        </p:nvPicPr>
+        <p:blipFill>
+          <a:blip r:embed="rId4"/>
+          <a:stretch>
+            <a:fillRect/>
+          </a:stretch>
+        </p:blipFill>
+        <p:spPr>
+          <a:xfrm>
+            <a:off x="8467725" y="4180016"/>
+            <a:ext cx="2886075" cy="2019300"/>
+          </a:xfrm>
+          <a:prstGeom prst="rect">
+            <a:avLst/>
+          </a:prstGeom>
+        </p:spPr>
+      </p:pic>
+    </p:spTree>
+    <p:extLst>
+      <p:ext uri="{BB962C8B-B14F-4D97-AF65-F5344CB8AC3E}">
+        <p14:creationId xmlns:p14="http://schemas.microsoft.com/office/powerpoint/2010/main" val="3374483598"/>
+      </p:ext>
+    </p:extLst>
+  </p:cSld>
+  <p:clrMapOvr>
+    <a:masterClrMapping/>
+  </p:clrMapOvr>
+</p:sld>
+</file>
+
+<file path=ppt/slides/slide11.xml><?xml version="1.0" encoding="utf-8"?>
+<p:sld xmlns:a="http://schemas.openxmlformats.org/drawingml/2006/main" xmlns:r="http://schemas.openxmlformats.org/officeDocument/2006/relationships" xmlns:p="http://schemas.openxmlformats.org/presentationml/2006/main">
+  <p:cSld>
+    <p:spTree>
+      <p:nvGrpSpPr>
+        <p:cNvPr id="1" name=""/>
+        <p:cNvGrpSpPr/>
+        <p:nvPr/>
+      </p:nvGrpSpPr>
+      <p:grpSpPr>
+        <a:xfrm>
+          <a:off x="0" y="0"/>
+          <a:ext cx="0" cy="0"/>
+          <a:chOff x="0" y="0"/>
+          <a:chExt cx="0" cy="0"/>
+        </a:xfrm>
+      </p:grpSpPr>
+      <p:pic>
+        <p:nvPicPr>
+          <p:cNvPr id="5" name="Image 4">
+            <a:extLst>
+              <a:ext uri="{FF2B5EF4-FFF2-40B4-BE49-F238E27FC236}">
+                <a16:creationId xmlns:a16="http://schemas.microsoft.com/office/drawing/2014/main" id="{BD977C42-ACF3-463A-8E2F-ADFF22456263}"/>
+              </a:ext>
+            </a:extLst>
+          </p:cNvPr>
+          <p:cNvPicPr>
+            <a:picLocks noChangeAspect="1"/>
+          </p:cNvPicPr>
+          <p:nvPr/>
+        </p:nvPicPr>
+        <p:blipFill>
+          <a:blip r:embed="rId2"/>
+          <a:stretch>
+            <a:fillRect/>
+          </a:stretch>
+        </p:blipFill>
+        <p:spPr>
+          <a:xfrm>
+            <a:off x="631825" y="721591"/>
+            <a:ext cx="10725150" cy="1295400"/>
+          </a:xfrm>
+          <a:prstGeom prst="rect">
+            <a:avLst/>
+          </a:prstGeom>
+        </p:spPr>
+      </p:pic>
+      <p:pic>
+        <p:nvPicPr>
+          <p:cNvPr id="7" name="Image 6">
+            <a:extLst>
+              <a:ext uri="{FF2B5EF4-FFF2-40B4-BE49-F238E27FC236}">
+                <a16:creationId xmlns:a16="http://schemas.microsoft.com/office/drawing/2014/main" id="{E40A0ECF-E050-46B5-B064-83AAC8E89A14}"/>
+              </a:ext>
+            </a:extLst>
+          </p:cNvPr>
+          <p:cNvPicPr>
+            <a:picLocks noChangeAspect="1"/>
+          </p:cNvPicPr>
+          <p:nvPr/>
+        </p:nvPicPr>
+        <p:blipFill>
+          <a:blip r:embed="rId3"/>
+          <a:stretch>
+            <a:fillRect/>
+          </a:stretch>
+        </p:blipFill>
+        <p:spPr>
+          <a:xfrm>
+            <a:off x="2327418" y="2401454"/>
+            <a:ext cx="7019925" cy="3810000"/>
+          </a:xfrm>
+          <a:prstGeom prst="rect">
+            <a:avLst/>
+          </a:prstGeom>
+        </p:spPr>
+      </p:pic>
+    </p:spTree>
+    <p:extLst>
+      <p:ext uri="{BB962C8B-B14F-4D97-AF65-F5344CB8AC3E}">
+        <p14:creationId xmlns:p14="http://schemas.microsoft.com/office/powerpoint/2010/main" val="2258929556"/>
+      </p:ext>
+    </p:extLst>
+  </p:cSld>
+  <p:clrMapOvr>
+    <a:masterClrMapping/>
+  </p:clrMapOvr>
+</p:sld>
+</file>
+
+<file path=ppt/slides/slide12.xml><?xml version="1.0" encoding="utf-8"?>
+<p:sld xmlns:a="http://schemas.openxmlformats.org/drawingml/2006/main" xmlns:r="http://schemas.openxmlformats.org/officeDocument/2006/relationships" xmlns:p="http://schemas.openxmlformats.org/presentationml/2006/main">
+  <p:cSld>
+    <p:spTree>
+      <p:nvGrpSpPr>
+        <p:cNvPr id="1" name=""/>
+        <p:cNvGrpSpPr/>
+        <p:nvPr/>
+      </p:nvGrpSpPr>
+      <p:grpSpPr>
+        <a:xfrm>
+          <a:off x="0" y="0"/>
+          <a:ext cx="0" cy="0"/>
+          <a:chOff x="0" y="0"/>
+          <a:chExt cx="0" cy="0"/>
+        </a:xfrm>
+      </p:grpSpPr>
+      <p:sp>
+        <p:nvSpPr>
+          <p:cNvPr id="6" name="Titre 1">
+            <a:extLst>
+              <a:ext uri="{FF2B5EF4-FFF2-40B4-BE49-F238E27FC236}">
+                <a16:creationId xmlns:a16="http://schemas.microsoft.com/office/drawing/2014/main" id="{92703E0A-BBE9-4087-855B-0FC91A18AFC5}"/>
+              </a:ext>
+            </a:extLst>
+          </p:cNvPr>
+          <p:cNvSpPr>
+            <a:spLocks noGrp="1"/>
+          </p:cNvSpPr>
+          <p:nvPr>
+            <p:ph type="title"/>
+          </p:nvPr>
+        </p:nvSpPr>
+        <p:spPr>
+          <a:xfrm>
+            <a:off x="777815" y="149464"/>
+            <a:ext cx="10515600" cy="1325563"/>
+          </a:xfrm>
+        </p:spPr>
+        <p:txBody>
+          <a:bodyPr/>
+          <a:lstStyle/>
+          <a:p>
+            <a:r>
+              <a:rPr lang="fr-FR" dirty="0"/>
+              <a:t>Recommandation  7:</a:t>
+            </a:r>
+          </a:p>
+        </p:txBody>
+      </p:sp>
+      <p:sp>
+        <p:nvSpPr>
+          <p:cNvPr id="10" name="Espace réservé du contenu 2">
+            <a:extLst>
+              <a:ext uri="{FF2B5EF4-FFF2-40B4-BE49-F238E27FC236}">
+                <a16:creationId xmlns:a16="http://schemas.microsoft.com/office/drawing/2014/main" id="{1DC54CD6-7AC3-49F8-BA9B-3046A81D7BE8}"/>
+              </a:ext>
+            </a:extLst>
+          </p:cNvPr>
+          <p:cNvSpPr>
+            <a:spLocks noGrp="1"/>
+          </p:cNvSpPr>
+          <p:nvPr>
+            <p:ph idx="1"/>
+          </p:nvPr>
+        </p:nvSpPr>
+        <p:spPr>
+          <a:xfrm>
+            <a:off x="777815" y="1516302"/>
+            <a:ext cx="10515600" cy="4351338"/>
+          </a:xfrm>
+        </p:spPr>
+        <p:txBody>
+          <a:bodyPr/>
+          <a:lstStyle/>
+          <a:p>
+            <a:r>
+              <a:rPr lang="fr-FR" dirty="0"/>
+              <a:t>Problème : Les attributs ‘’</a:t>
+            </a:r>
+            <a:r>
+              <a:rPr lang="fr-FR" dirty="0" err="1"/>
+              <a:t>alts</a:t>
+            </a:r>
+            <a:r>
+              <a:rPr lang="fr-FR" dirty="0"/>
+              <a:t>’’ des images contiennent des mots clés</a:t>
+            </a:r>
+          </a:p>
+          <a:p>
+            <a:endParaRPr lang="fr-FR" dirty="0"/>
+          </a:p>
+          <a:p>
+            <a:r>
+              <a:rPr lang="fr-FR" dirty="0"/>
+              <a:t>Recommandation : Les attributs ‘’</a:t>
+            </a:r>
+            <a:r>
+              <a:rPr lang="fr-FR" dirty="0" err="1"/>
+              <a:t>alts</a:t>
+            </a:r>
+            <a:r>
+              <a:rPr lang="fr-FR" dirty="0"/>
+              <a:t>’’ doivent contenir une description du contenu de l’image.</a:t>
+            </a:r>
+          </a:p>
+          <a:p>
+            <a:endParaRPr lang="fr-FR" dirty="0"/>
+          </a:p>
+          <a:p>
+            <a:r>
+              <a:rPr lang="fr-FR" dirty="0"/>
+              <a:t>Solution : Renseigner correctement les attributs ‘’</a:t>
+            </a:r>
+            <a:r>
+              <a:rPr lang="fr-FR" dirty="0" err="1"/>
+              <a:t>alts</a:t>
+            </a:r>
+            <a:r>
+              <a:rPr lang="fr-FR" dirty="0"/>
+              <a:t>’’ de chaque image</a:t>
+            </a:r>
+          </a:p>
+        </p:txBody>
+      </p:sp>
+      <p:pic>
+        <p:nvPicPr>
+          <p:cNvPr id="3" name="Image 2">
+            <a:extLst>
+              <a:ext uri="{FF2B5EF4-FFF2-40B4-BE49-F238E27FC236}">
+                <a16:creationId xmlns:a16="http://schemas.microsoft.com/office/drawing/2014/main" id="{3200FE58-3475-4616-9F05-5B227BC789A6}"/>
+              </a:ext>
+            </a:extLst>
+          </p:cNvPr>
+          <p:cNvPicPr>
+            <a:picLocks noChangeAspect="1"/>
+          </p:cNvPicPr>
+          <p:nvPr/>
+        </p:nvPicPr>
+        <p:blipFill>
+          <a:blip r:embed="rId2"/>
+          <a:stretch>
+            <a:fillRect/>
+          </a:stretch>
+        </p:blipFill>
+        <p:spPr>
+          <a:xfrm>
+            <a:off x="2044640" y="6403855"/>
+            <a:ext cx="7981950" cy="209550"/>
+          </a:xfrm>
+          <a:prstGeom prst="rect">
+            <a:avLst/>
+          </a:prstGeom>
+        </p:spPr>
+      </p:pic>
+      <p:pic>
+        <p:nvPicPr>
+          <p:cNvPr id="11" name="Image 10">
+            <a:extLst>
+              <a:ext uri="{FF2B5EF4-FFF2-40B4-BE49-F238E27FC236}">
+                <a16:creationId xmlns:a16="http://schemas.microsoft.com/office/drawing/2014/main" id="{2532A866-725A-4F5C-9A14-92AA1A8E075C}"/>
+              </a:ext>
+            </a:extLst>
+          </p:cNvPr>
+          <p:cNvPicPr>
+            <a:picLocks noChangeAspect="1"/>
+          </p:cNvPicPr>
+          <p:nvPr/>
+        </p:nvPicPr>
+        <p:blipFill>
+          <a:blip r:embed="rId3"/>
+          <a:stretch>
+            <a:fillRect/>
+          </a:stretch>
+        </p:blipFill>
+        <p:spPr>
+          <a:xfrm>
+            <a:off x="515159" y="5696190"/>
+            <a:ext cx="11420475" cy="342900"/>
+          </a:xfrm>
+          <a:prstGeom prst="rect">
+            <a:avLst/>
+          </a:prstGeom>
+        </p:spPr>
+      </p:pic>
+    </p:spTree>
+    <p:extLst>
+      <p:ext uri="{BB962C8B-B14F-4D97-AF65-F5344CB8AC3E}">
+        <p14:creationId xmlns:p14="http://schemas.microsoft.com/office/powerpoint/2010/main" val="2864112030"/>
+      </p:ext>
+    </p:extLst>
+  </p:cSld>
+  <p:clrMapOvr>
+    <a:masterClrMapping/>
+  </p:clrMapOvr>
+</p:sld>
+</file>
+
+<file path=ppt/slides/slide13.xml><?xml version="1.0" encoding="utf-8"?>
+<p:sld xmlns:a="http://schemas.openxmlformats.org/drawingml/2006/main" xmlns:r="http://schemas.openxmlformats.org/officeDocument/2006/relationships" xmlns:p="http://schemas.openxmlformats.org/presentationml/2006/main">
+  <p:cSld>
+    <p:spTree>
+      <p:nvGrpSpPr>
+        <p:cNvPr id="1" name=""/>
+        <p:cNvGrpSpPr/>
+        <p:nvPr/>
+      </p:nvGrpSpPr>
+      <p:grpSpPr>
+        <a:xfrm>
+          <a:off x="0" y="0"/>
+          <a:ext cx="0" cy="0"/>
+          <a:chOff x="0" y="0"/>
+          <a:chExt cx="0" cy="0"/>
+        </a:xfrm>
+      </p:grpSpPr>
+      <p:pic>
+        <p:nvPicPr>
+          <p:cNvPr id="5" name="Image 4">
+            <a:extLst>
+              <a:ext uri="{FF2B5EF4-FFF2-40B4-BE49-F238E27FC236}">
+                <a16:creationId xmlns:a16="http://schemas.microsoft.com/office/drawing/2014/main" id="{8EF9AF0C-2A5F-4E9E-BCBE-3B79B84725C8}"/>
+              </a:ext>
+            </a:extLst>
+          </p:cNvPr>
+          <p:cNvPicPr>
+            <a:picLocks noChangeAspect="1"/>
+          </p:cNvPicPr>
+          <p:nvPr/>
+        </p:nvPicPr>
+        <p:blipFill>
+          <a:blip r:embed="rId2"/>
+          <a:stretch>
+            <a:fillRect/>
+          </a:stretch>
+        </p:blipFill>
+        <p:spPr>
+          <a:xfrm>
+            <a:off x="239118" y="245044"/>
+            <a:ext cx="6883425" cy="6367911"/>
+          </a:xfrm>
+          <a:prstGeom prst="rect">
+            <a:avLst/>
+          </a:prstGeom>
+        </p:spPr>
+      </p:pic>
+      <p:sp>
+        <p:nvSpPr>
+          <p:cNvPr id="4" name="Titre 1">
+            <a:extLst>
+              <a:ext uri="{FF2B5EF4-FFF2-40B4-BE49-F238E27FC236}">
+                <a16:creationId xmlns:a16="http://schemas.microsoft.com/office/drawing/2014/main" id="{A7903753-2AFF-4590-A28D-A27ED1AA2952}"/>
+              </a:ext>
+            </a:extLst>
+          </p:cNvPr>
+          <p:cNvSpPr>
+            <a:spLocks noGrp="1"/>
+          </p:cNvSpPr>
+          <p:nvPr>
+            <p:ph type="title"/>
+          </p:nvPr>
+        </p:nvSpPr>
+        <p:spPr>
+          <a:xfrm>
+            <a:off x="7221495" y="-64934"/>
+            <a:ext cx="10515600" cy="1325563"/>
+          </a:xfrm>
+        </p:spPr>
+        <p:txBody>
+          <a:bodyPr/>
+          <a:lstStyle/>
+          <a:p>
+            <a:r>
+              <a:rPr lang="fr-FR" dirty="0"/>
+              <a:t>Recommandation 8 :</a:t>
+            </a:r>
+          </a:p>
+        </p:txBody>
+      </p:sp>
+      <p:sp>
+        <p:nvSpPr>
+          <p:cNvPr id="7" name="Espace réservé du contenu 2">
+            <a:extLst>
+              <a:ext uri="{FF2B5EF4-FFF2-40B4-BE49-F238E27FC236}">
+                <a16:creationId xmlns:a16="http://schemas.microsoft.com/office/drawing/2014/main" id="{14F8A555-8AD3-4774-B1F6-6CD6C4245F92}"/>
+              </a:ext>
+            </a:extLst>
+          </p:cNvPr>
+          <p:cNvSpPr>
+            <a:spLocks noGrp="1"/>
+          </p:cNvSpPr>
+          <p:nvPr>
+            <p:ph idx="1"/>
+          </p:nvPr>
+        </p:nvSpPr>
+        <p:spPr>
+          <a:xfrm>
+            <a:off x="7297445" y="1260629"/>
+            <a:ext cx="4731798" cy="5352326"/>
+          </a:xfrm>
+        </p:spPr>
+        <p:txBody>
+          <a:bodyPr>
+            <a:normAutofit lnSpcReduction="10000"/>
+          </a:bodyPr>
+          <a:lstStyle/>
+          <a:p>
+            <a:r>
+              <a:rPr lang="fr-FR" dirty="0"/>
+              <a:t>Problème : Liens non pertinents ou non accessible présent dans le </a:t>
+            </a:r>
+            <a:r>
+              <a:rPr lang="fr-FR" dirty="0" err="1"/>
+              <a:t>footer</a:t>
+            </a:r>
+            <a:endParaRPr lang="fr-FR" dirty="0"/>
+          </a:p>
+          <a:p>
+            <a:endParaRPr lang="fr-FR" dirty="0"/>
+          </a:p>
+          <a:p>
+            <a:r>
+              <a:rPr lang="fr-FR" dirty="0"/>
+              <a:t>Recommandation : privilégier des liens pertinents et de qualité, cette pratique présente un risque de se faire déréférencer </a:t>
+            </a:r>
+          </a:p>
+          <a:p>
+            <a:endParaRPr lang="fr-FR" dirty="0"/>
+          </a:p>
+          <a:p>
+            <a:r>
+              <a:rPr lang="fr-FR" dirty="0"/>
+              <a:t>Solution : Remplacer les liens par des liens de meilleur qualité</a:t>
+            </a:r>
+          </a:p>
+        </p:txBody>
+      </p:sp>
+    </p:spTree>
+    <p:extLst>
+      <p:ext uri="{BB962C8B-B14F-4D97-AF65-F5344CB8AC3E}">
+        <p14:creationId xmlns:p14="http://schemas.microsoft.com/office/powerpoint/2010/main" val="148446277"/>
+      </p:ext>
+    </p:extLst>
+  </p:cSld>
+  <p:clrMapOvr>
+    <a:masterClrMapping/>
+  </p:clrMapOvr>
+</p:sld>
+</file>
+
+<file path=ppt/slides/slide14.xml><?xml version="1.0" encoding="utf-8"?>
+<p:sld xmlns:a="http://schemas.openxmlformats.org/drawingml/2006/main" xmlns:r="http://schemas.openxmlformats.org/officeDocument/2006/relationships" xmlns:p="http://schemas.openxmlformats.org/presentationml/2006/main">
+  <p:cSld>
+    <p:spTree>
+      <p:nvGrpSpPr>
+        <p:cNvPr id="1" name=""/>
+        <p:cNvGrpSpPr/>
+        <p:nvPr/>
+      </p:nvGrpSpPr>
+      <p:grpSpPr>
+        <a:xfrm>
+          <a:off x="0" y="0"/>
+          <a:ext cx="0" cy="0"/>
+          <a:chOff x="0" y="0"/>
+          <a:chExt cx="0" cy="0"/>
+        </a:xfrm>
+      </p:grpSpPr>
+      <p:sp>
+        <p:nvSpPr>
+          <p:cNvPr id="4" name="Titre 1">
+            <a:extLst>
+              <a:ext uri="{FF2B5EF4-FFF2-40B4-BE49-F238E27FC236}">
+                <a16:creationId xmlns:a16="http://schemas.microsoft.com/office/drawing/2014/main" id="{5B278751-CB78-43D3-B4A8-C3A74745B5AD}"/>
+              </a:ext>
+            </a:extLst>
+          </p:cNvPr>
+          <p:cNvSpPr>
+            <a:spLocks noGrp="1"/>
+          </p:cNvSpPr>
+          <p:nvPr>
+            <p:ph type="title"/>
+          </p:nvPr>
+        </p:nvSpPr>
+        <p:spPr>
+          <a:xfrm>
+            <a:off x="769189" y="425509"/>
+            <a:ext cx="10515600" cy="1325563"/>
+          </a:xfrm>
+        </p:spPr>
+        <p:txBody>
+          <a:bodyPr/>
+          <a:lstStyle/>
+          <a:p>
+            <a:r>
+              <a:rPr lang="fr-FR" dirty="0"/>
+              <a:t>Recommandation  9:</a:t>
+            </a:r>
+          </a:p>
+        </p:txBody>
+      </p:sp>
+      <p:sp>
+        <p:nvSpPr>
+          <p:cNvPr id="5" name="Espace réservé du contenu 2">
+            <a:extLst>
+              <a:ext uri="{FF2B5EF4-FFF2-40B4-BE49-F238E27FC236}">
+                <a16:creationId xmlns:a16="http://schemas.microsoft.com/office/drawing/2014/main" id="{122CB898-A4E7-4E10-9FDB-1B735751DBCD}"/>
+              </a:ext>
+            </a:extLst>
+          </p:cNvPr>
+          <p:cNvSpPr>
+            <a:spLocks noGrp="1"/>
+          </p:cNvSpPr>
+          <p:nvPr>
+            <p:ph idx="1"/>
+          </p:nvPr>
+        </p:nvSpPr>
+        <p:spPr>
+          <a:xfrm>
+            <a:off x="769189" y="1792347"/>
+            <a:ext cx="10515600" cy="4351338"/>
+          </a:xfrm>
+        </p:spPr>
+        <p:txBody>
+          <a:bodyPr/>
+          <a:lstStyle/>
+          <a:p>
+            <a:r>
+              <a:rPr lang="fr-FR" dirty="0"/>
+              <a:t>Problème :  Le contraste ne respecte pas le minimum recommandé par WCAG</a:t>
+            </a:r>
+          </a:p>
+          <a:p>
+            <a:endParaRPr lang="fr-FR" dirty="0"/>
+          </a:p>
+          <a:p>
+            <a:r>
+              <a:rPr lang="fr-FR" dirty="0"/>
+              <a:t>Recommandation : Il faut que le contraste soit plus important entre les éléments au premier plan et a l’arrière plan pour faciliter la lecture par les personnes mal voyantes</a:t>
+            </a:r>
+          </a:p>
+          <a:p>
+            <a:endParaRPr lang="fr-FR" dirty="0"/>
+          </a:p>
+          <a:p>
+            <a:r>
+              <a:rPr lang="fr-FR" dirty="0"/>
+              <a:t>Solution : Trouver des couleurs qui respectent les bonnes pratique WCAG (voir photo pages suivantes)</a:t>
+            </a:r>
+          </a:p>
+        </p:txBody>
+      </p:sp>
+    </p:spTree>
+    <p:extLst>
+      <p:ext uri="{BB962C8B-B14F-4D97-AF65-F5344CB8AC3E}">
+        <p14:creationId xmlns:p14="http://schemas.microsoft.com/office/powerpoint/2010/main" val="4106781661"/>
+      </p:ext>
+    </p:extLst>
+  </p:cSld>
+  <p:clrMapOvr>
+    <a:masterClrMapping/>
+  </p:clrMapOvr>
+</p:sld>
+</file>
+
+<file path=ppt/slides/slide15.xml><?xml version="1.0" encoding="utf-8"?>
+<p:sld xmlns:a="http://schemas.openxmlformats.org/drawingml/2006/main" xmlns:r="http://schemas.openxmlformats.org/officeDocument/2006/relationships" xmlns:p="http://schemas.openxmlformats.org/presentationml/2006/main">
+  <p:cSld>
+    <p:spTree>
+      <p:nvGrpSpPr>
+        <p:cNvPr id="1" name=""/>
+        <p:cNvGrpSpPr/>
+        <p:nvPr/>
+      </p:nvGrpSpPr>
+      <p:grpSpPr>
+        <a:xfrm>
+          <a:off x="0" y="0"/>
+          <a:ext cx="0" cy="0"/>
+          <a:chOff x="0" y="0"/>
+          <a:chExt cx="0" cy="0"/>
+        </a:xfrm>
+      </p:grpSpPr>
+      <p:pic>
+        <p:nvPicPr>
+          <p:cNvPr id="6" name="Image 5">
+            <a:extLst>
+              <a:ext uri="{FF2B5EF4-FFF2-40B4-BE49-F238E27FC236}">
+                <a16:creationId xmlns:a16="http://schemas.microsoft.com/office/drawing/2014/main" id="{EDFA759D-6178-43D8-B5DA-A1039E176777}"/>
+              </a:ext>
+            </a:extLst>
+          </p:cNvPr>
+          <p:cNvPicPr>
+            <a:picLocks noChangeAspect="1"/>
+          </p:cNvPicPr>
+          <p:nvPr/>
+        </p:nvPicPr>
+        <p:blipFill>
+          <a:blip r:embed="rId2"/>
+          <a:stretch>
+            <a:fillRect/>
+          </a:stretch>
+        </p:blipFill>
+        <p:spPr>
+          <a:xfrm>
+            <a:off x="258920" y="623184"/>
+            <a:ext cx="4572000" cy="6162675"/>
+          </a:xfrm>
+          <a:prstGeom prst="rect">
+            <a:avLst/>
+          </a:prstGeom>
+        </p:spPr>
+      </p:pic>
+      <p:pic>
+        <p:nvPicPr>
+          <p:cNvPr id="8" name="Image 7">
+            <a:extLst>
+              <a:ext uri="{FF2B5EF4-FFF2-40B4-BE49-F238E27FC236}">
+                <a16:creationId xmlns:a16="http://schemas.microsoft.com/office/drawing/2014/main" id="{11CEEC33-1987-460C-8DEE-62AEE9C799FE}"/>
+              </a:ext>
+            </a:extLst>
+          </p:cNvPr>
+          <p:cNvPicPr>
+            <a:picLocks noChangeAspect="1"/>
+          </p:cNvPicPr>
+          <p:nvPr/>
+        </p:nvPicPr>
+        <p:blipFill>
+          <a:blip r:embed="rId3"/>
+          <a:stretch>
+            <a:fillRect/>
+          </a:stretch>
+        </p:blipFill>
+        <p:spPr>
+          <a:xfrm>
+            <a:off x="7417378" y="805872"/>
+            <a:ext cx="4505325" cy="6181725"/>
+          </a:xfrm>
+          <a:prstGeom prst="rect">
+            <a:avLst/>
+          </a:prstGeom>
+        </p:spPr>
+      </p:pic>
+      <p:pic>
+        <p:nvPicPr>
+          <p:cNvPr id="10" name="Image 9">
+            <a:extLst>
+              <a:ext uri="{FF2B5EF4-FFF2-40B4-BE49-F238E27FC236}">
+                <a16:creationId xmlns:a16="http://schemas.microsoft.com/office/drawing/2014/main" id="{DDA7B2E5-8E27-496B-B110-3A815B3A299E}"/>
+              </a:ext>
+            </a:extLst>
+          </p:cNvPr>
+          <p:cNvPicPr>
+            <a:picLocks noChangeAspect="1"/>
+          </p:cNvPicPr>
+          <p:nvPr/>
+        </p:nvPicPr>
+        <p:blipFill>
+          <a:blip r:embed="rId4"/>
+          <a:stretch>
+            <a:fillRect/>
+          </a:stretch>
+        </p:blipFill>
+        <p:spPr>
+          <a:xfrm>
+            <a:off x="1039970" y="35237"/>
+            <a:ext cx="3009900" cy="523875"/>
+          </a:xfrm>
+          <a:prstGeom prst="rect">
+            <a:avLst/>
+          </a:prstGeom>
+        </p:spPr>
+      </p:pic>
+      <p:pic>
+        <p:nvPicPr>
+          <p:cNvPr id="12" name="Image 11">
+            <a:extLst>
+              <a:ext uri="{FF2B5EF4-FFF2-40B4-BE49-F238E27FC236}">
+                <a16:creationId xmlns:a16="http://schemas.microsoft.com/office/drawing/2014/main" id="{3B67E70E-0239-4C5D-867E-CD84D72E9563}"/>
+              </a:ext>
+            </a:extLst>
+          </p:cNvPr>
+          <p:cNvPicPr>
+            <a:picLocks noChangeAspect="1"/>
+          </p:cNvPicPr>
+          <p:nvPr/>
+        </p:nvPicPr>
+        <p:blipFill>
+          <a:blip r:embed="rId5"/>
+          <a:stretch>
+            <a:fillRect/>
+          </a:stretch>
+        </p:blipFill>
+        <p:spPr>
+          <a:xfrm>
+            <a:off x="9273276" y="74682"/>
+            <a:ext cx="1457325" cy="457200"/>
+          </a:xfrm>
+          <a:prstGeom prst="rect">
+            <a:avLst/>
+          </a:prstGeom>
+        </p:spPr>
+      </p:pic>
+      <p:sp>
+        <p:nvSpPr>
+          <p:cNvPr id="2" name="ZoneTexte 1">
+            <a:extLst>
+              <a:ext uri="{FF2B5EF4-FFF2-40B4-BE49-F238E27FC236}">
+                <a16:creationId xmlns:a16="http://schemas.microsoft.com/office/drawing/2014/main" id="{6BB822FE-DCCE-4CF3-81AB-30BF664F275E}"/>
+              </a:ext>
+            </a:extLst>
+          </p:cNvPr>
+          <p:cNvSpPr txBox="1"/>
+          <p:nvPr/>
+        </p:nvSpPr>
+        <p:spPr>
+          <a:xfrm>
+            <a:off x="5846779" y="189780"/>
+            <a:ext cx="822661" cy="369332"/>
+          </a:xfrm>
+          <a:prstGeom prst="rect">
+            <a:avLst/>
+          </a:prstGeom>
+          <a:noFill/>
+        </p:spPr>
+        <p:txBody>
+          <a:bodyPr wrap="none" rtlCol="0">
+            <a:spAutoFit/>
+          </a:bodyPr>
+          <a:lstStyle/>
+          <a:p>
+            <a:r>
+              <a:rPr lang="fr-FR" dirty="0"/>
+              <a:t>AVANT</a:t>
+            </a:r>
+          </a:p>
+        </p:txBody>
+      </p:sp>
+    </p:spTree>
+    <p:extLst>
+      <p:ext uri="{BB962C8B-B14F-4D97-AF65-F5344CB8AC3E}">
+        <p14:creationId xmlns:p14="http://schemas.microsoft.com/office/powerpoint/2010/main" val="801091230"/>
+      </p:ext>
+    </p:extLst>
+  </p:cSld>
+  <p:clrMapOvr>
+    <a:masterClrMapping/>
+  </p:clrMapOvr>
+</p:sld>
+</file>
+
+<file path=ppt/slides/slide16.xml><?xml version="1.0" encoding="utf-8"?>
+<p:sld xmlns:a="http://schemas.openxmlformats.org/drawingml/2006/main" xmlns:r="http://schemas.openxmlformats.org/officeDocument/2006/relationships" xmlns:p="http://schemas.openxmlformats.org/presentationml/2006/main">
+  <p:cSld>
+    <p:spTree>
+      <p:nvGrpSpPr>
+        <p:cNvPr id="1" name=""/>
+        <p:cNvGrpSpPr/>
+        <p:nvPr/>
+      </p:nvGrpSpPr>
+      <p:grpSpPr>
+        <a:xfrm>
+          <a:off x="0" y="0"/>
+          <a:ext cx="0" cy="0"/>
+          <a:chOff x="0" y="0"/>
+          <a:chExt cx="0" cy="0"/>
+        </a:xfrm>
+      </p:grpSpPr>
+      <p:pic>
+        <p:nvPicPr>
+          <p:cNvPr id="6" name="Image 5">
+            <a:extLst>
+              <a:ext uri="{FF2B5EF4-FFF2-40B4-BE49-F238E27FC236}">
+                <a16:creationId xmlns:a16="http://schemas.microsoft.com/office/drawing/2014/main" id="{EDFA759D-6178-43D8-B5DA-A1039E176777}"/>
+              </a:ext>
+            </a:extLst>
+          </p:cNvPr>
+          <p:cNvPicPr>
+            <a:picLocks noChangeAspect="1"/>
+          </p:cNvPicPr>
+          <p:nvPr/>
+        </p:nvPicPr>
+        <p:blipFill>
+          <a:blip r:embed="rId2"/>
+          <a:stretch>
+            <a:fillRect/>
+          </a:stretch>
+        </p:blipFill>
+        <p:spPr>
+          <a:xfrm>
+            <a:off x="258920" y="623184"/>
+            <a:ext cx="4572000" cy="6162675"/>
+          </a:xfrm>
+          <a:prstGeom prst="rect">
+            <a:avLst/>
+          </a:prstGeom>
+        </p:spPr>
+      </p:pic>
+      <p:pic>
+        <p:nvPicPr>
+          <p:cNvPr id="8" name="Image 7">
+            <a:extLst>
+              <a:ext uri="{FF2B5EF4-FFF2-40B4-BE49-F238E27FC236}">
+                <a16:creationId xmlns:a16="http://schemas.microsoft.com/office/drawing/2014/main" id="{11CEEC33-1987-460C-8DEE-62AEE9C799FE}"/>
+              </a:ext>
+            </a:extLst>
+          </p:cNvPr>
+          <p:cNvPicPr>
+            <a:picLocks noChangeAspect="1"/>
+          </p:cNvPicPr>
+          <p:nvPr/>
+        </p:nvPicPr>
+        <p:blipFill>
+          <a:blip r:embed="rId3"/>
+          <a:stretch>
+            <a:fillRect/>
+          </a:stretch>
+        </p:blipFill>
+        <p:spPr>
+          <a:xfrm>
+            <a:off x="7417378" y="805872"/>
+            <a:ext cx="4505325" cy="6181725"/>
+          </a:xfrm>
+          <a:prstGeom prst="rect">
+            <a:avLst/>
+          </a:prstGeom>
+        </p:spPr>
+      </p:pic>
+      <p:pic>
+        <p:nvPicPr>
+          <p:cNvPr id="10" name="Image 9">
+            <a:extLst>
+              <a:ext uri="{FF2B5EF4-FFF2-40B4-BE49-F238E27FC236}">
+                <a16:creationId xmlns:a16="http://schemas.microsoft.com/office/drawing/2014/main" id="{DDA7B2E5-8E27-496B-B110-3A815B3A299E}"/>
+              </a:ext>
+            </a:extLst>
+          </p:cNvPr>
+          <p:cNvPicPr>
+            <a:picLocks noChangeAspect="1"/>
+          </p:cNvPicPr>
+          <p:nvPr/>
+        </p:nvPicPr>
+        <p:blipFill>
+          <a:blip r:embed="rId4"/>
+          <a:stretch>
+            <a:fillRect/>
+          </a:stretch>
+        </p:blipFill>
+        <p:spPr>
+          <a:xfrm>
+            <a:off x="1039970" y="35237"/>
+            <a:ext cx="3009900" cy="523875"/>
+          </a:xfrm>
+          <a:prstGeom prst="rect">
+            <a:avLst/>
+          </a:prstGeom>
+        </p:spPr>
+      </p:pic>
+      <p:pic>
+        <p:nvPicPr>
+          <p:cNvPr id="12" name="Image 11">
+            <a:extLst>
+              <a:ext uri="{FF2B5EF4-FFF2-40B4-BE49-F238E27FC236}">
+                <a16:creationId xmlns:a16="http://schemas.microsoft.com/office/drawing/2014/main" id="{3B67E70E-0239-4C5D-867E-CD84D72E9563}"/>
+              </a:ext>
+            </a:extLst>
+          </p:cNvPr>
+          <p:cNvPicPr>
+            <a:picLocks noChangeAspect="1"/>
+          </p:cNvPicPr>
+          <p:nvPr/>
+        </p:nvPicPr>
+        <p:blipFill>
+          <a:blip r:embed="rId5"/>
+          <a:stretch>
+            <a:fillRect/>
+          </a:stretch>
+        </p:blipFill>
+        <p:spPr>
+          <a:xfrm>
+            <a:off x="9273276" y="74682"/>
+            <a:ext cx="1457325" cy="457200"/>
+          </a:xfrm>
+          <a:prstGeom prst="rect">
+            <a:avLst/>
+          </a:prstGeom>
+        </p:spPr>
+      </p:pic>
+      <p:sp>
+        <p:nvSpPr>
+          <p:cNvPr id="2" name="ZoneTexte 1">
+            <a:extLst>
+              <a:ext uri="{FF2B5EF4-FFF2-40B4-BE49-F238E27FC236}">
+                <a16:creationId xmlns:a16="http://schemas.microsoft.com/office/drawing/2014/main" id="{6BB822FE-DCCE-4CF3-81AB-30BF664F275E}"/>
+              </a:ext>
+            </a:extLst>
+          </p:cNvPr>
+          <p:cNvSpPr txBox="1"/>
+          <p:nvPr/>
+        </p:nvSpPr>
+        <p:spPr>
+          <a:xfrm>
+            <a:off x="5846779" y="189780"/>
+            <a:ext cx="822661" cy="369332"/>
+          </a:xfrm>
+          <a:prstGeom prst="rect">
+            <a:avLst/>
+          </a:prstGeom>
+          <a:noFill/>
+        </p:spPr>
+        <p:txBody>
+          <a:bodyPr wrap="none" rtlCol="0">
+            <a:spAutoFit/>
+          </a:bodyPr>
+          <a:lstStyle/>
+          <a:p>
+            <a:r>
+              <a:rPr lang="fr-FR" dirty="0"/>
+              <a:t>AVANT</a:t>
+            </a:r>
+          </a:p>
+        </p:txBody>
+      </p:sp>
+    </p:spTree>
+    <p:extLst>
+      <p:ext uri="{BB962C8B-B14F-4D97-AF65-F5344CB8AC3E}">
+        <p14:creationId xmlns:p14="http://schemas.microsoft.com/office/powerpoint/2010/main" val="289942783"/>
+      </p:ext>
+    </p:extLst>
+  </p:cSld>
+  <p:clrMapOvr>
+    <a:masterClrMapping/>
+  </p:clrMapOvr>
+</p:sld>
+</file>
+
+<file path=ppt/slides/slide17.xml><?xml version="1.0" encoding="utf-8"?>
+<p:sld xmlns:a="http://schemas.openxmlformats.org/drawingml/2006/main" xmlns:r="http://schemas.openxmlformats.org/officeDocument/2006/relationships" xmlns:p="http://schemas.openxmlformats.org/presentationml/2006/main">
+  <p:cSld>
+    <p:spTree>
+      <p:nvGrpSpPr>
+        <p:cNvPr id="1" name=""/>
+        <p:cNvGrpSpPr/>
+        <p:nvPr/>
+      </p:nvGrpSpPr>
+      <p:grpSpPr>
+        <a:xfrm>
+          <a:off x="0" y="0"/>
+          <a:ext cx="0" cy="0"/>
+          <a:chOff x="0" y="0"/>
+          <a:chExt cx="0" cy="0"/>
+        </a:xfrm>
+      </p:grpSpPr>
+      <p:pic>
+        <p:nvPicPr>
+          <p:cNvPr id="6" name="Image 5">
+            <a:extLst>
+              <a:ext uri="{FF2B5EF4-FFF2-40B4-BE49-F238E27FC236}">
+                <a16:creationId xmlns:a16="http://schemas.microsoft.com/office/drawing/2014/main" id="{1E7ABC18-8F87-4111-9A60-4A2EE0FB6EE9}"/>
+              </a:ext>
+            </a:extLst>
+          </p:cNvPr>
+          <p:cNvPicPr>
+            <a:picLocks noChangeAspect="1"/>
+          </p:cNvPicPr>
+          <p:nvPr/>
+        </p:nvPicPr>
+        <p:blipFill>
+          <a:blip r:embed="rId2"/>
+          <a:stretch>
+            <a:fillRect/>
+          </a:stretch>
+        </p:blipFill>
+        <p:spPr>
+          <a:xfrm>
+            <a:off x="275938" y="0"/>
+            <a:ext cx="3479533" cy="6858000"/>
+          </a:xfrm>
+          <a:prstGeom prst="rect">
+            <a:avLst/>
+          </a:prstGeom>
+        </p:spPr>
+      </p:pic>
+      <p:pic>
+        <p:nvPicPr>
+          <p:cNvPr id="9" name="Image 8">
+            <a:extLst>
+              <a:ext uri="{FF2B5EF4-FFF2-40B4-BE49-F238E27FC236}">
+                <a16:creationId xmlns:a16="http://schemas.microsoft.com/office/drawing/2014/main" id="{F3270B55-DD7B-4EC6-8983-1B9F784C9186}"/>
+              </a:ext>
+            </a:extLst>
+          </p:cNvPr>
+          <p:cNvPicPr>
+            <a:picLocks noChangeAspect="1"/>
+          </p:cNvPicPr>
+          <p:nvPr/>
+        </p:nvPicPr>
+        <p:blipFill>
+          <a:blip r:embed="rId3"/>
+          <a:stretch>
+            <a:fillRect/>
+          </a:stretch>
+        </p:blipFill>
+        <p:spPr>
+          <a:xfrm>
+            <a:off x="8569668" y="0"/>
+            <a:ext cx="3457755" cy="6858000"/>
+          </a:xfrm>
+          <a:prstGeom prst="rect">
+            <a:avLst/>
+          </a:prstGeom>
+        </p:spPr>
+      </p:pic>
+      <p:sp>
+        <p:nvSpPr>
+          <p:cNvPr id="10" name="ZoneTexte 9">
+            <a:extLst>
+              <a:ext uri="{FF2B5EF4-FFF2-40B4-BE49-F238E27FC236}">
+                <a16:creationId xmlns:a16="http://schemas.microsoft.com/office/drawing/2014/main" id="{42A4287E-BF40-4474-89BE-4DE94F71DE6D}"/>
+              </a:ext>
+            </a:extLst>
+          </p:cNvPr>
+          <p:cNvSpPr txBox="1"/>
+          <p:nvPr/>
+        </p:nvSpPr>
+        <p:spPr>
+          <a:xfrm>
+            <a:off x="5846779" y="189780"/>
+            <a:ext cx="777136" cy="369332"/>
+          </a:xfrm>
+          <a:prstGeom prst="rect">
+            <a:avLst/>
+          </a:prstGeom>
+          <a:noFill/>
+        </p:spPr>
+        <p:txBody>
+          <a:bodyPr wrap="none" rtlCol="0">
+            <a:spAutoFit/>
+          </a:bodyPr>
+          <a:lstStyle/>
+          <a:p>
+            <a:r>
+              <a:rPr lang="fr-FR" dirty="0"/>
+              <a:t>APRES</a:t>
+            </a:r>
+          </a:p>
+        </p:txBody>
+      </p:sp>
+    </p:spTree>
+    <p:extLst>
+      <p:ext uri="{BB962C8B-B14F-4D97-AF65-F5344CB8AC3E}">
+        <p14:creationId xmlns:p14="http://schemas.microsoft.com/office/powerpoint/2010/main" val="3542042008"/>
+      </p:ext>
+    </p:extLst>
+  </p:cSld>
+  <p:clrMapOvr>
+    <a:masterClrMapping/>
+  </p:clrMapOvr>
+</p:sld>
+</file>
+
+<file path=ppt/slides/slide18.xml><?xml version="1.0" encoding="utf-8"?>
+<p:sld xmlns:a="http://schemas.openxmlformats.org/drawingml/2006/main" xmlns:r="http://schemas.openxmlformats.org/officeDocument/2006/relationships" xmlns:p="http://schemas.openxmlformats.org/presentationml/2006/main">
+  <p:cSld>
+    <p:spTree>
+      <p:nvGrpSpPr>
+        <p:cNvPr id="1" name=""/>
+        <p:cNvGrpSpPr/>
+        <p:nvPr/>
+      </p:nvGrpSpPr>
+      <p:grpSpPr>
+        <a:xfrm>
+          <a:off x="0" y="0"/>
+          <a:ext cx="0" cy="0"/>
+          <a:chOff x="0" y="0"/>
+          <a:chExt cx="0" cy="0"/>
+        </a:xfrm>
+      </p:grpSpPr>
+      <p:sp>
+        <p:nvSpPr>
+          <p:cNvPr id="4" name="Titre 1">
+            <a:extLst>
+              <a:ext uri="{FF2B5EF4-FFF2-40B4-BE49-F238E27FC236}">
+                <a16:creationId xmlns:a16="http://schemas.microsoft.com/office/drawing/2014/main" id="{3390C204-E638-47D4-8283-DA37D167EEA9}"/>
+              </a:ext>
+            </a:extLst>
+          </p:cNvPr>
+          <p:cNvSpPr>
+            <a:spLocks noGrp="1"/>
+          </p:cNvSpPr>
+          <p:nvPr>
+            <p:ph type="title"/>
+          </p:nvPr>
+        </p:nvSpPr>
+        <p:spPr>
+          <a:xfrm>
+            <a:off x="769189" y="425509"/>
+            <a:ext cx="10515600" cy="1325563"/>
+          </a:xfrm>
+        </p:spPr>
+        <p:txBody>
+          <a:bodyPr/>
+          <a:lstStyle/>
+          <a:p>
+            <a:r>
+              <a:rPr lang="fr-FR" dirty="0"/>
+              <a:t>Recommandation  10:</a:t>
+            </a:r>
+          </a:p>
+        </p:txBody>
+      </p:sp>
+      <p:sp>
+        <p:nvSpPr>
+          <p:cNvPr id="5" name="Espace réservé du contenu 2">
+            <a:extLst>
+              <a:ext uri="{FF2B5EF4-FFF2-40B4-BE49-F238E27FC236}">
+                <a16:creationId xmlns:a16="http://schemas.microsoft.com/office/drawing/2014/main" id="{63CBD3E4-676B-4245-980A-BE557E1F885C}"/>
+              </a:ext>
+            </a:extLst>
+          </p:cNvPr>
+          <p:cNvSpPr>
+            <a:spLocks noGrp="1"/>
+          </p:cNvSpPr>
+          <p:nvPr>
+            <p:ph idx="1"/>
+          </p:nvPr>
+        </p:nvSpPr>
+        <p:spPr>
+          <a:xfrm>
+            <a:off x="769189" y="1792347"/>
+            <a:ext cx="10515600" cy="4351338"/>
+          </a:xfrm>
+        </p:spPr>
+        <p:txBody>
+          <a:bodyPr/>
+          <a:lstStyle/>
+          <a:p>
+            <a:r>
+              <a:rPr lang="fr-FR" dirty="0"/>
+              <a:t>Problème :  Le formulaire </a:t>
+            </a:r>
+            <a:r>
+              <a:rPr lang="fr-FR" dirty="0" err="1"/>
+              <a:t>contien</a:t>
+            </a:r>
+            <a:r>
+              <a:rPr lang="fr-FR" dirty="0"/>
+              <a:t> une balise &lt;label&gt; sans attributs ‘’for’’</a:t>
+            </a:r>
+          </a:p>
+          <a:p>
+            <a:endParaRPr lang="fr-FR" dirty="0"/>
+          </a:p>
+          <a:p>
+            <a:r>
+              <a:rPr lang="fr-FR" dirty="0"/>
+              <a:t>Recommandation :</a:t>
+            </a:r>
+          </a:p>
+          <a:p>
+            <a:endParaRPr lang="fr-FR" dirty="0"/>
+          </a:p>
+          <a:p>
+            <a:r>
+              <a:rPr lang="fr-FR" dirty="0"/>
+              <a:t>Solution : ajouter l’attribut for ainsi qu’une valeur pour l’identifier</a:t>
+            </a:r>
+          </a:p>
+        </p:txBody>
+      </p:sp>
+    </p:spTree>
+    <p:extLst>
+      <p:ext uri="{BB962C8B-B14F-4D97-AF65-F5344CB8AC3E}">
+        <p14:creationId xmlns:p14="http://schemas.microsoft.com/office/powerpoint/2010/main" val="2536558519"/>
+      </p:ext>
+    </p:extLst>
+  </p:cSld>
+  <p:clrMapOvr>
+    <a:masterClrMapping/>
+  </p:clrMapOvr>
+</p:sld>
+</file>
+
+<file path=ppt/slides/slide19.xml><?xml version="1.0" encoding="utf-8"?>
+<p:sld xmlns:a="http://schemas.openxmlformats.org/drawingml/2006/main" xmlns:r="http://schemas.openxmlformats.org/officeDocument/2006/relationships" xmlns:p="http://schemas.openxmlformats.org/presentationml/2006/main">
+  <p:cSld>
+    <p:spTree>
+      <p:nvGrpSpPr>
+        <p:cNvPr id="1" name=""/>
+        <p:cNvGrpSpPr/>
+        <p:nvPr/>
+      </p:nvGrpSpPr>
+      <p:grpSpPr>
+        <a:xfrm>
+          <a:off x="0" y="0"/>
+          <a:ext cx="0" cy="0"/>
+          <a:chOff x="0" y="0"/>
+          <a:chExt cx="0" cy="0"/>
+        </a:xfrm>
+      </p:grpSpPr>
+      <p:pic>
+        <p:nvPicPr>
+          <p:cNvPr id="5" name="Image 4">
+            <a:extLst>
+              <a:ext uri="{FF2B5EF4-FFF2-40B4-BE49-F238E27FC236}">
+                <a16:creationId xmlns:a16="http://schemas.microsoft.com/office/drawing/2014/main" id="{E6020D95-1B5F-4E0B-B542-91E3ADB3E97D}"/>
+              </a:ext>
+            </a:extLst>
+          </p:cNvPr>
+          <p:cNvPicPr>
+            <a:picLocks noChangeAspect="1"/>
+          </p:cNvPicPr>
+          <p:nvPr/>
+        </p:nvPicPr>
+        <p:blipFill>
+          <a:blip r:embed="rId2"/>
+          <a:stretch>
+            <a:fillRect/>
+          </a:stretch>
+        </p:blipFill>
+        <p:spPr>
+          <a:xfrm>
+            <a:off x="1884074" y="561110"/>
+            <a:ext cx="8848725" cy="1524000"/>
+          </a:xfrm>
+          <a:prstGeom prst="rect">
+            <a:avLst/>
+          </a:prstGeom>
+        </p:spPr>
+      </p:pic>
+      <p:pic>
+        <p:nvPicPr>
+          <p:cNvPr id="7" name="Image 6">
+            <a:extLst>
+              <a:ext uri="{FF2B5EF4-FFF2-40B4-BE49-F238E27FC236}">
+                <a16:creationId xmlns:a16="http://schemas.microsoft.com/office/drawing/2014/main" id="{218D7E3E-EE53-40AB-B440-B1229896746E}"/>
+              </a:ext>
+            </a:extLst>
+          </p:cNvPr>
+          <p:cNvPicPr>
+            <a:picLocks noChangeAspect="1"/>
+          </p:cNvPicPr>
+          <p:nvPr/>
+        </p:nvPicPr>
+        <p:blipFill>
+          <a:blip r:embed="rId3"/>
+          <a:stretch>
+            <a:fillRect/>
+          </a:stretch>
+        </p:blipFill>
+        <p:spPr>
+          <a:xfrm>
+            <a:off x="1884074" y="4394777"/>
+            <a:ext cx="8858250" cy="1485900"/>
+          </a:xfrm>
+          <a:prstGeom prst="rect">
+            <a:avLst/>
+          </a:prstGeom>
+        </p:spPr>
+      </p:pic>
+      <p:cxnSp>
+        <p:nvCxnSpPr>
+          <p:cNvPr id="9" name="Connecteur droit avec flèche 8">
+            <a:extLst>
+              <a:ext uri="{FF2B5EF4-FFF2-40B4-BE49-F238E27FC236}">
+                <a16:creationId xmlns:a16="http://schemas.microsoft.com/office/drawing/2014/main" id="{921BD0F9-6CD8-482E-81D8-0208E889D46F}"/>
+              </a:ext>
+            </a:extLst>
+          </p:cNvPr>
+          <p:cNvCxnSpPr/>
+          <p:nvPr/>
+        </p:nvCxnSpPr>
+        <p:spPr>
+          <a:xfrm>
+            <a:off x="6308436" y="2410691"/>
+            <a:ext cx="0" cy="1708727"/>
+          </a:xfrm>
+          <a:prstGeom prst="straightConnector1">
+            <a:avLst/>
+          </a:prstGeom>
+          <a:ln>
+            <a:tailEnd type="triangle"/>
+          </a:ln>
+        </p:spPr>
+        <p:style>
+          <a:lnRef idx="1">
+            <a:schemeClr val="accent1"/>
+          </a:lnRef>
+          <a:fillRef idx="0">
+            <a:schemeClr val="accent1"/>
+          </a:fillRef>
+          <a:effectRef idx="0">
+            <a:schemeClr val="accent1"/>
+          </a:effectRef>
+          <a:fontRef idx="minor">
+            <a:schemeClr val="tx1"/>
+          </a:fontRef>
+        </p:style>
+      </p:cxnSp>
+      <p:sp>
+        <p:nvSpPr>
+          <p:cNvPr id="10" name="Rectangle 9">
+            <a:extLst>
+              <a:ext uri="{FF2B5EF4-FFF2-40B4-BE49-F238E27FC236}">
+                <a16:creationId xmlns:a16="http://schemas.microsoft.com/office/drawing/2014/main" id="{327EDE14-9D48-4279-885D-66F01ADB61B9}"/>
+              </a:ext>
+            </a:extLst>
+          </p:cNvPr>
+          <p:cNvSpPr/>
+          <p:nvPr/>
+        </p:nvSpPr>
+        <p:spPr>
+          <a:xfrm>
+            <a:off x="2277374" y="750498"/>
+            <a:ext cx="810883" cy="293298"/>
+          </a:xfrm>
+          <a:prstGeom prst="rect">
+            <a:avLst/>
+          </a:prstGeom>
+          <a:noFill/>
+          <a:ln>
+            <a:solidFill>
+              <a:srgbClr val="FF0000"/>
+            </a:solidFill>
+          </a:ln>
+        </p:spPr>
+        <p:style>
+          <a:lnRef idx="2">
+            <a:schemeClr val="accent1">
+              <a:shade val="50000"/>
+            </a:schemeClr>
+          </a:lnRef>
+          <a:fillRef idx="1">
+            <a:schemeClr val="accent1"/>
+          </a:fillRef>
+          <a:effectRef idx="0">
+            <a:schemeClr val="accent1"/>
+          </a:effectRef>
+          <a:fontRef idx="minor">
+            <a:schemeClr val="lt1"/>
+          </a:fontRef>
+        </p:style>
+        <p:txBody>
+          <a:bodyPr rtlCol="0" anchor="ctr"/>
+          <a:lstStyle/>
+          <a:p>
+            <a:pPr algn="ctr"/>
+            <a:endParaRPr lang="fr-FR" dirty="0"/>
+          </a:p>
+        </p:txBody>
+      </p:sp>
+      <p:sp>
+        <p:nvSpPr>
+          <p:cNvPr id="13" name="Rectangle 12">
+            <a:extLst>
+              <a:ext uri="{FF2B5EF4-FFF2-40B4-BE49-F238E27FC236}">
+                <a16:creationId xmlns:a16="http://schemas.microsoft.com/office/drawing/2014/main" id="{9337C11A-61E0-447C-8401-0F9D70713358}"/>
+              </a:ext>
+            </a:extLst>
+          </p:cNvPr>
+          <p:cNvSpPr/>
+          <p:nvPr/>
+        </p:nvSpPr>
+        <p:spPr>
+          <a:xfrm>
+            <a:off x="2277374" y="4586377"/>
+            <a:ext cx="2725947" cy="293298"/>
+          </a:xfrm>
+          <a:prstGeom prst="rect">
+            <a:avLst/>
+          </a:prstGeom>
+          <a:noFill/>
+          <a:ln>
+            <a:solidFill>
+              <a:srgbClr val="FF0000"/>
+            </a:solidFill>
+          </a:ln>
+        </p:spPr>
+        <p:style>
+          <a:lnRef idx="2">
+            <a:schemeClr val="accent1">
+              <a:shade val="50000"/>
+            </a:schemeClr>
+          </a:lnRef>
+          <a:fillRef idx="1">
+            <a:schemeClr val="accent1"/>
+          </a:fillRef>
+          <a:effectRef idx="0">
+            <a:schemeClr val="accent1"/>
+          </a:effectRef>
+          <a:fontRef idx="minor">
+            <a:schemeClr val="lt1"/>
+          </a:fontRef>
+        </p:style>
+        <p:txBody>
+          <a:bodyPr rtlCol="0" anchor="ctr"/>
+          <a:lstStyle/>
+          <a:p>
+            <a:pPr algn="ctr"/>
+            <a:endParaRPr lang="fr-FR" dirty="0"/>
+          </a:p>
+        </p:txBody>
+      </p:sp>
+    </p:spTree>
+    <p:extLst>
+      <p:ext uri="{BB962C8B-B14F-4D97-AF65-F5344CB8AC3E}">
+        <p14:creationId xmlns:p14="http://schemas.microsoft.com/office/powerpoint/2010/main" val="1084305092"/>
       </p:ext>
     </p:extLst>
   </p:cSld>
@@ -3422,7 +5056,7 @@
           <p:cNvPr id="2" name="Titre 1">
             <a:extLst>
               <a:ext uri="{FF2B5EF4-FFF2-40B4-BE49-F238E27FC236}">
-                <a16:creationId xmlns:a16="http://schemas.microsoft.com/office/drawing/2014/main" id="{2F8F732A-BCE4-477C-8CF0-221CF63F70E2}"/>
+                <a16:creationId xmlns:a16="http://schemas.microsoft.com/office/drawing/2014/main" id="{0ED9A6EA-1C0E-4009-9D1D-BCB570A96F45}"/>
               </a:ext>
             </a:extLst>
           </p:cNvPr>
@@ -3433,12 +5067,7 @@
             <p:ph type="title"/>
           </p:nvPr>
         </p:nvSpPr>
-        <p:spPr>
-          <a:xfrm>
-            <a:off x="838200" y="78265"/>
-            <a:ext cx="10515600" cy="1325563"/>
-          </a:xfrm>
-        </p:spPr>
+        <p:spPr/>
         <p:txBody>
           <a:bodyPr/>
           <a:lstStyle/>
@@ -3446,26 +5075,182 @@
             <a:pPr algn="ctr"/>
             <a:r>
               <a:rPr lang="fr-FR" dirty="0"/>
-              <a:t>Améliorations au niveau du code : </a:t>
-            </a:r>
+              <a:t>Outils utilisés : </a:t>
+            </a:r>
+          </a:p>
+        </p:txBody>
+      </p:sp>
+      <p:sp>
+        <p:nvSpPr>
+          <p:cNvPr id="4" name="ZoneTexte 3">
+            <a:extLst>
+              <a:ext uri="{FF2B5EF4-FFF2-40B4-BE49-F238E27FC236}">
+                <a16:creationId xmlns:a16="http://schemas.microsoft.com/office/drawing/2014/main" id="{A43E3C24-9DE1-401D-8E5C-9943957903AB}"/>
+              </a:ext>
+            </a:extLst>
+          </p:cNvPr>
+          <p:cNvSpPr txBox="1"/>
+          <p:nvPr/>
+        </p:nvSpPr>
+        <p:spPr>
+          <a:xfrm>
+            <a:off x="838200" y="1889185"/>
+            <a:ext cx="4068486" cy="1231106"/>
+          </a:xfrm>
+          <a:prstGeom prst="rect">
+            <a:avLst/>
+          </a:prstGeom>
+          <a:noFill/>
+        </p:spPr>
+        <p:txBody>
+          <a:bodyPr wrap="none" rtlCol="0">
+            <a:spAutoFit/>
+          </a:bodyPr>
+          <a:lstStyle/>
+          <a:p>
+            <a:r>
+              <a:rPr lang="fr-FR" sz="2000" u="sng" dirty="0"/>
+              <a:t>Tests de performances et score SEO : </a:t>
+            </a:r>
+          </a:p>
+          <a:p>
+            <a:endParaRPr lang="fr-FR" dirty="0"/>
+          </a:p>
+          <a:p>
+            <a:r>
+              <a:rPr lang="fr-FR" sz="1600" dirty="0" err="1"/>
+              <a:t>Gtmetrix</a:t>
+            </a:r>
+            <a:r>
+              <a:rPr lang="fr-FR" sz="1600" dirty="0"/>
+              <a:t> :</a:t>
+            </a:r>
+          </a:p>
+          <a:p>
+            <a:endParaRPr lang="fr-FR" dirty="0"/>
+          </a:p>
+        </p:txBody>
+      </p:sp>
+      <p:sp>
+        <p:nvSpPr>
+          <p:cNvPr id="5" name="ZoneTexte 4">
+            <a:extLst>
+              <a:ext uri="{FF2B5EF4-FFF2-40B4-BE49-F238E27FC236}">
+                <a16:creationId xmlns:a16="http://schemas.microsoft.com/office/drawing/2014/main" id="{C89A8F05-642B-4994-94D6-69547700CB7E}"/>
+              </a:ext>
+            </a:extLst>
+          </p:cNvPr>
+          <p:cNvSpPr txBox="1"/>
+          <p:nvPr/>
+        </p:nvSpPr>
+        <p:spPr>
+          <a:xfrm>
+            <a:off x="838200" y="3577730"/>
+            <a:ext cx="1376852" cy="954107"/>
+          </a:xfrm>
+          <a:prstGeom prst="rect">
+            <a:avLst/>
+          </a:prstGeom>
+          <a:noFill/>
+        </p:spPr>
+        <p:txBody>
+          <a:bodyPr wrap="none" rtlCol="0">
+            <a:spAutoFit/>
+          </a:bodyPr>
+          <a:lstStyle/>
+          <a:p>
+            <a:r>
+              <a:rPr lang="fr-FR" sz="2000" u="sng" dirty="0"/>
+              <a:t>Contraste : </a:t>
+            </a:r>
+          </a:p>
+          <a:p>
+            <a:endParaRPr lang="fr-FR" dirty="0"/>
+          </a:p>
+          <a:p>
+            <a:r>
+              <a:rPr lang="fr-FR" sz="1600" dirty="0"/>
+              <a:t>Colorable : </a:t>
+            </a:r>
+          </a:p>
+        </p:txBody>
+      </p:sp>
+      <p:sp>
+        <p:nvSpPr>
+          <p:cNvPr id="6" name="ZoneTexte 5">
+            <a:extLst>
+              <a:ext uri="{FF2B5EF4-FFF2-40B4-BE49-F238E27FC236}">
+                <a16:creationId xmlns:a16="http://schemas.microsoft.com/office/drawing/2014/main" id="{19566CC8-0DEC-473B-80DE-4E7E28282DCF}"/>
+              </a:ext>
+            </a:extLst>
+          </p:cNvPr>
+          <p:cNvSpPr txBox="1"/>
+          <p:nvPr/>
+        </p:nvSpPr>
+        <p:spPr>
+          <a:xfrm>
+            <a:off x="838200" y="5106839"/>
+            <a:ext cx="1474186" cy="1908215"/>
+          </a:xfrm>
+          <a:prstGeom prst="rect">
+            <a:avLst/>
+          </a:prstGeom>
+          <a:noFill/>
+        </p:spPr>
+        <p:txBody>
+          <a:bodyPr wrap="none" rtlCol="0">
+            <a:spAutoFit/>
+          </a:bodyPr>
+          <a:lstStyle/>
+          <a:p>
+            <a:r>
+              <a:rPr lang="fr-FR" sz="2000" u="sng" dirty="0"/>
+              <a:t>images :</a:t>
+            </a:r>
+          </a:p>
+          <a:p>
+            <a:endParaRPr lang="fr-FR" dirty="0"/>
+          </a:p>
+          <a:p>
+            <a:r>
+              <a:rPr lang="fr-FR" sz="1600" dirty="0"/>
+              <a:t>Compressor.io :</a:t>
+            </a:r>
+          </a:p>
+          <a:p>
+            <a:endParaRPr lang="fr-FR" sz="1600" dirty="0"/>
+          </a:p>
+          <a:p>
+            <a:r>
+              <a:rPr lang="fr-FR" sz="1600" dirty="0" err="1"/>
+              <a:t>ResizeImage</a:t>
+            </a:r>
+            <a:r>
+              <a:rPr lang="fr-FR" sz="1600" dirty="0"/>
+              <a:t> :</a:t>
+            </a:r>
+          </a:p>
+          <a:p>
+            <a:endParaRPr lang="fr-FR" sz="1600" dirty="0"/>
+          </a:p>
+          <a:p>
+            <a:endParaRPr lang="fr-FR" sz="1600" dirty="0"/>
           </a:p>
         </p:txBody>
       </p:sp>
       <p:pic>
         <p:nvPicPr>
-          <p:cNvPr id="5" name="Espace réservé du contenu 4">
-            <a:extLst>
-              <a:ext uri="{FF2B5EF4-FFF2-40B4-BE49-F238E27FC236}">
-                <a16:creationId xmlns:a16="http://schemas.microsoft.com/office/drawing/2014/main" id="{5D261054-F954-483E-A013-B8235CA3C1CC}"/>
+          <p:cNvPr id="8" name="Image 7">
+            <a:extLst>
+              <a:ext uri="{FF2B5EF4-FFF2-40B4-BE49-F238E27FC236}">
+                <a16:creationId xmlns:a16="http://schemas.microsoft.com/office/drawing/2014/main" id="{5800F74E-35E0-49EF-9701-4EBB1276BCD0}"/>
               </a:ext>
             </a:extLst>
           </p:cNvPr>
           <p:cNvPicPr>
-            <a:picLocks noGrp="1" noChangeAspect="1"/>
+            <a:picLocks noChangeAspect="1"/>
           </p:cNvPicPr>
-          <p:nvPr>
-            <p:ph idx="1"/>
-          </p:nvPr>
+          <p:nvPr/>
         </p:nvPicPr>
         <p:blipFill>
           <a:blip r:embed="rId2"/>
@@ -3475,17 +5260,20 @@
         </p:blipFill>
         <p:spPr>
           <a:xfrm>
-            <a:off x="1304800" y="1619633"/>
-            <a:ext cx="1866900" cy="400050"/>
-          </a:xfrm>
+            <a:off x="1967550" y="2348719"/>
+            <a:ext cx="1752600" cy="590550"/>
+          </a:xfrm>
+          <a:prstGeom prst="rect">
+            <a:avLst/>
+          </a:prstGeom>
         </p:spPr>
       </p:pic>
       <p:pic>
         <p:nvPicPr>
-          <p:cNvPr id="7" name="Image 6">
-            <a:extLst>
-              <a:ext uri="{FF2B5EF4-FFF2-40B4-BE49-F238E27FC236}">
-                <a16:creationId xmlns:a16="http://schemas.microsoft.com/office/drawing/2014/main" id="{77CCC1C5-5A56-4CD2-A5E5-3D324E755273}"/>
+          <p:cNvPr id="10" name="Image 9">
+            <a:extLst>
+              <a:ext uri="{FF2B5EF4-FFF2-40B4-BE49-F238E27FC236}">
+                <a16:creationId xmlns:a16="http://schemas.microsoft.com/office/drawing/2014/main" id="{F303E144-C189-402D-9E5A-535690DAF816}"/>
               </a:ext>
             </a:extLst>
           </p:cNvPr>
@@ -3502,110 +5290,20 @@
         </p:blipFill>
         <p:spPr>
           <a:xfrm>
-            <a:off x="7398126" y="1638683"/>
-            <a:ext cx="4048125" cy="381000"/>
+            <a:off x="2116539" y="4043685"/>
+            <a:ext cx="1368545" cy="576106"/>
           </a:xfrm>
           <a:prstGeom prst="rect">
             <a:avLst/>
           </a:prstGeom>
         </p:spPr>
       </p:pic>
-      <p:cxnSp>
-        <p:nvCxnSpPr>
-          <p:cNvPr id="9" name="Connecteur droit avec flèche 8">
-            <a:extLst>
-              <a:ext uri="{FF2B5EF4-FFF2-40B4-BE49-F238E27FC236}">
-                <a16:creationId xmlns:a16="http://schemas.microsoft.com/office/drawing/2014/main" id="{3C8A8292-F01D-4DC1-9683-8F67162AA4DE}"/>
-              </a:ext>
-            </a:extLst>
-          </p:cNvPr>
-          <p:cNvCxnSpPr>
-            <a:cxnSpLocks/>
-          </p:cNvCxnSpPr>
-          <p:nvPr/>
-        </p:nvCxnSpPr>
-        <p:spPr>
-          <a:xfrm>
-            <a:off x="3329187" y="1846258"/>
-            <a:ext cx="3838232" cy="0"/>
-          </a:xfrm>
-          <a:prstGeom prst="straightConnector1">
-            <a:avLst/>
-          </a:prstGeom>
-          <a:ln w="28575">
-            <a:tailEnd type="triangle"/>
-          </a:ln>
-        </p:spPr>
-        <p:style>
-          <a:lnRef idx="1">
-            <a:schemeClr val="accent1"/>
-          </a:lnRef>
-          <a:fillRef idx="0">
-            <a:schemeClr val="accent1"/>
-          </a:fillRef>
-          <a:effectRef idx="0">
-            <a:schemeClr val="accent1"/>
-          </a:effectRef>
-          <a:fontRef idx="minor">
-            <a:schemeClr val="tx1"/>
-          </a:fontRef>
-        </p:style>
-      </p:cxnSp>
-      <p:sp>
-        <p:nvSpPr>
-          <p:cNvPr id="10" name="ZoneTexte 9">
-            <a:extLst>
-              <a:ext uri="{FF2B5EF4-FFF2-40B4-BE49-F238E27FC236}">
-                <a16:creationId xmlns:a16="http://schemas.microsoft.com/office/drawing/2014/main" id="{C20C6F47-282F-4215-9B47-A49316B5CAF0}"/>
-              </a:ext>
-            </a:extLst>
-          </p:cNvPr>
-          <p:cNvSpPr txBox="1"/>
-          <p:nvPr/>
-        </p:nvSpPr>
-        <p:spPr>
-          <a:xfrm>
-            <a:off x="3064339" y="2254538"/>
-            <a:ext cx="6313716" cy="646331"/>
-          </a:xfrm>
-          <a:prstGeom prst="rect">
-            <a:avLst/>
-          </a:prstGeom>
-          <a:noFill/>
-        </p:spPr>
-        <p:txBody>
-          <a:bodyPr wrap="none" rtlCol="0">
-            <a:spAutoFit/>
-          </a:bodyPr>
-          <a:lstStyle/>
-          <a:p>
-            <a:r>
-              <a:rPr lang="fr-FR" dirty="0"/>
-              <a:t>La balise </a:t>
-            </a:r>
-            <a:r>
-              <a:rPr lang="fr-FR" dirty="0" err="1"/>
-              <a:t>title</a:t>
-            </a:r>
-            <a:r>
-              <a:rPr lang="fr-FR" dirty="0"/>
-              <a:t> aide au référencement sur le moteur de recherche, </a:t>
-            </a:r>
-          </a:p>
-          <a:p>
-            <a:r>
-              <a:rPr lang="fr-FR" dirty="0"/>
-              <a:t>il peu contenir le nom de l’agence et un mot clé par exemple</a:t>
-            </a:r>
-          </a:p>
-        </p:txBody>
-      </p:sp>
       <p:pic>
         <p:nvPicPr>
           <p:cNvPr id="12" name="Image 11">
             <a:extLst>
               <a:ext uri="{FF2B5EF4-FFF2-40B4-BE49-F238E27FC236}">
-                <a16:creationId xmlns:a16="http://schemas.microsoft.com/office/drawing/2014/main" id="{C5F82E34-ECF4-4C09-8509-AA947D6EAE44}"/>
+                <a16:creationId xmlns:a16="http://schemas.microsoft.com/office/drawing/2014/main" id="{6771F4C4-46F7-4432-8078-FC0494A3221B}"/>
               </a:ext>
             </a:extLst>
           </p:cNvPr>
@@ -3622,20 +5320,113 @@
         </p:blipFill>
         <p:spPr>
           <a:xfrm>
-            <a:off x="1229175" y="3446460"/>
-            <a:ext cx="10344150" cy="400050"/>
+            <a:off x="2371825" y="5591211"/>
+            <a:ext cx="2295525" cy="523875"/>
           </a:xfrm>
           <a:prstGeom prst="rect">
             <a:avLst/>
           </a:prstGeom>
         </p:spPr>
       </p:pic>
-      <p:sp>
-        <p:nvSpPr>
-          <p:cNvPr id="15" name="Rectangle 14">
-            <a:extLst>
-              <a:ext uri="{FF2B5EF4-FFF2-40B4-BE49-F238E27FC236}">
-                <a16:creationId xmlns:a16="http://schemas.microsoft.com/office/drawing/2014/main" id="{3A80AD4A-5989-4006-B637-D1815F4F18FE}"/>
+      <p:pic>
+        <p:nvPicPr>
+          <p:cNvPr id="7" name="Image 6">
+            <a:extLst>
+              <a:ext uri="{FF2B5EF4-FFF2-40B4-BE49-F238E27FC236}">
+                <a16:creationId xmlns:a16="http://schemas.microsoft.com/office/drawing/2014/main" id="{42EC987D-EC43-48CA-8CAE-4597FD74195C}"/>
+              </a:ext>
+            </a:extLst>
+          </p:cNvPr>
+          <p:cNvPicPr>
+            <a:picLocks noChangeAspect="1"/>
+          </p:cNvPicPr>
+          <p:nvPr/>
+        </p:nvPicPr>
+        <p:blipFill>
+          <a:blip r:embed="rId5"/>
+          <a:stretch>
+            <a:fillRect/>
+          </a:stretch>
+        </p:blipFill>
+        <p:spPr>
+          <a:xfrm>
+            <a:off x="2432210" y="6177378"/>
+            <a:ext cx="1846494" cy="404138"/>
+          </a:xfrm>
+          <a:prstGeom prst="rect">
+            <a:avLst/>
+          </a:prstGeom>
+        </p:spPr>
+      </p:pic>
+    </p:spTree>
+    <p:extLst>
+      <p:ext uri="{BB962C8B-B14F-4D97-AF65-F5344CB8AC3E}">
+        <p14:creationId xmlns:p14="http://schemas.microsoft.com/office/powerpoint/2010/main" val="370495285"/>
+      </p:ext>
+    </p:extLst>
+  </p:cSld>
+  <p:clrMapOvr>
+    <a:masterClrMapping/>
+  </p:clrMapOvr>
+</p:sld>
+</file>
+
+<file path=ppt/slides/slide20.xml><?xml version="1.0" encoding="utf-8"?>
+<p:sld xmlns:a="http://schemas.openxmlformats.org/drawingml/2006/main" xmlns:r="http://schemas.openxmlformats.org/officeDocument/2006/relationships" xmlns:p="http://schemas.openxmlformats.org/presentationml/2006/main">
+  <p:cSld>
+    <p:spTree>
+      <p:nvGrpSpPr>
+        <p:cNvPr id="1" name=""/>
+        <p:cNvGrpSpPr/>
+        <p:nvPr/>
+      </p:nvGrpSpPr>
+      <p:grpSpPr>
+        <a:xfrm>
+          <a:off x="0" y="0"/>
+          <a:ext cx="0" cy="0"/>
+          <a:chOff x="0" y="0"/>
+          <a:chExt cx="0" cy="0"/>
+        </a:xfrm>
+      </p:grpSpPr>
+      <p:sp>
+        <p:nvSpPr>
+          <p:cNvPr id="2" name="Titre 1">
+            <a:extLst>
+              <a:ext uri="{FF2B5EF4-FFF2-40B4-BE49-F238E27FC236}">
+                <a16:creationId xmlns:a16="http://schemas.microsoft.com/office/drawing/2014/main" id="{E973E640-4E76-47D0-9DB9-2BD9223636CD}"/>
+              </a:ext>
+            </a:extLst>
+          </p:cNvPr>
+          <p:cNvSpPr>
+            <a:spLocks noGrp="1"/>
+          </p:cNvSpPr>
+          <p:nvPr>
+            <p:ph type="title"/>
+          </p:nvPr>
+        </p:nvSpPr>
+        <p:spPr/>
+        <p:txBody>
+          <a:bodyPr/>
+          <a:lstStyle/>
+          <a:p>
+            <a:pPr algn="ctr"/>
+            <a:r>
+              <a:rPr lang="fr-FR" dirty="0"/>
+              <a:t>Analyses après modifications : </a:t>
+            </a:r>
+            <a:br>
+              <a:rPr lang="fr-FR" dirty="0"/>
+            </a:br>
+            <a:endParaRPr lang="fr-FR" dirty="0"/>
+          </a:p>
+        </p:txBody>
+      </p:sp>
+      <p:sp>
+        <p:nvSpPr>
+          <p:cNvPr id="6" name="Rectangle 5">
+            <a:extLst>
+              <a:ext uri="{FF2B5EF4-FFF2-40B4-BE49-F238E27FC236}">
+                <a16:creationId xmlns:a16="http://schemas.microsoft.com/office/drawing/2014/main" id="{1DA05EB7-37E7-4A04-97AF-F1D69B68B7B0}"/>
               </a:ext>
             </a:extLst>
           </p:cNvPr>
@@ -3644,16 +5435,16 @@
         </p:nvSpPr>
         <p:spPr>
           <a:xfrm>
-            <a:off x="1147313" y="1431983"/>
-            <a:ext cx="10515600" cy="1708381"/>
+            <a:off x="9445925" y="5193103"/>
+            <a:ext cx="1475117" cy="258792"/>
           </a:xfrm>
           <a:prstGeom prst="rect">
             <a:avLst/>
           </a:prstGeom>
           <a:noFill/>
-          <a:ln w="19050">
+          <a:ln w="38100">
             <a:solidFill>
-              <a:schemeClr val="tx1"/>
+              <a:srgbClr val="FF0000"/>
             </a:solidFill>
           </a:ln>
         </p:spPr>
@@ -3684,28 +5475,64 @@
       </p:sp>
       <p:sp>
         <p:nvSpPr>
-          <p:cNvPr id="16" name="Rectangle 15">
-            <a:extLst>
-              <a:ext uri="{FF2B5EF4-FFF2-40B4-BE49-F238E27FC236}">
-                <a16:creationId xmlns:a16="http://schemas.microsoft.com/office/drawing/2014/main" id="{302125C0-F610-4482-A6F1-E0868FAD63BE}"/>
-              </a:ext>
-            </a:extLst>
-          </p:cNvPr>
-          <p:cNvSpPr/>
+          <p:cNvPr id="7" name="ZoneTexte 6">
+            <a:extLst>
+              <a:ext uri="{FF2B5EF4-FFF2-40B4-BE49-F238E27FC236}">
+                <a16:creationId xmlns:a16="http://schemas.microsoft.com/office/drawing/2014/main" id="{75FFDE10-EC93-4F17-98D9-DAF425BD2BAC}"/>
+              </a:ext>
+            </a:extLst>
+          </p:cNvPr>
+          <p:cNvSpPr txBox="1"/>
           <p:nvPr/>
         </p:nvSpPr>
         <p:spPr>
           <a:xfrm>
-            <a:off x="1143450" y="3328013"/>
-            <a:ext cx="10515600" cy="3253941"/>
+            <a:off x="838200" y="5894141"/>
+            <a:ext cx="10515600" cy="646331"/>
           </a:xfrm>
           <a:prstGeom prst="rect">
             <a:avLst/>
           </a:prstGeom>
           <a:noFill/>
-          <a:ln w="19050">
+        </p:spPr>
+        <p:txBody>
+          <a:bodyPr wrap="square" rtlCol="0">
+            <a:spAutoFit/>
+          </a:bodyPr>
+          <a:lstStyle/>
+          <a:p>
+            <a:pPr algn="ctr"/>
+            <a:r>
+              <a:rPr lang="fr-FR" dirty="0"/>
+              <a:t>Le temps de chargement complet de la page après les optimisations est de 286ms, la structure a aussi été améliorée (98%)</a:t>
+            </a:r>
+          </a:p>
+        </p:txBody>
+      </p:sp>
+      <p:sp>
+        <p:nvSpPr>
+          <p:cNvPr id="10" name="Rectangle 9">
+            <a:extLst>
+              <a:ext uri="{FF2B5EF4-FFF2-40B4-BE49-F238E27FC236}">
+                <a16:creationId xmlns:a16="http://schemas.microsoft.com/office/drawing/2014/main" id="{A29BE46F-596B-450D-A034-54A7655D60E2}"/>
+              </a:ext>
+            </a:extLst>
+          </p:cNvPr>
+          <p:cNvSpPr/>
+          <p:nvPr/>
+        </p:nvSpPr>
+        <p:spPr>
+          <a:xfrm>
+            <a:off x="9471803" y="5339751"/>
+            <a:ext cx="1475117" cy="258792"/>
+          </a:xfrm>
+          <a:prstGeom prst="rect">
+            <a:avLst/>
+          </a:prstGeom>
+          <a:noFill/>
+          <a:ln w="38100">
             <a:solidFill>
-              <a:schemeClr val="tx1"/>
+              <a:srgbClr val="FF0000"/>
             </a:solidFill>
           </a:ln>
         </p:spPr>
@@ -3734,88 +5561,12 @@
           </a:p>
         </p:txBody>
       </p:sp>
-      <p:cxnSp>
-        <p:nvCxnSpPr>
-          <p:cNvPr id="20" name="Connecteur droit avec flèche 19">
-            <a:extLst>
-              <a:ext uri="{FF2B5EF4-FFF2-40B4-BE49-F238E27FC236}">
-                <a16:creationId xmlns:a16="http://schemas.microsoft.com/office/drawing/2014/main" id="{27B7EA78-D949-48D3-9016-7B8F58F4EE16}"/>
-              </a:ext>
-            </a:extLst>
-          </p:cNvPr>
-          <p:cNvCxnSpPr>
-            <a:cxnSpLocks/>
-          </p:cNvCxnSpPr>
-          <p:nvPr/>
-        </p:nvCxnSpPr>
-        <p:spPr>
-          <a:xfrm>
-            <a:off x="6479703" y="3943869"/>
-            <a:ext cx="0" cy="574865"/>
-          </a:xfrm>
-          <a:prstGeom prst="straightConnector1">
-            <a:avLst/>
-          </a:prstGeom>
-          <a:ln w="38100">
-            <a:tailEnd type="triangle"/>
-          </a:ln>
-        </p:spPr>
-        <p:style>
-          <a:lnRef idx="1">
-            <a:schemeClr val="accent1"/>
-          </a:lnRef>
-          <a:fillRef idx="0">
-            <a:schemeClr val="accent1"/>
-          </a:fillRef>
-          <a:effectRef idx="0">
-            <a:schemeClr val="accent1"/>
-          </a:effectRef>
-          <a:fontRef idx="minor">
-            <a:schemeClr val="tx1"/>
-          </a:fontRef>
-        </p:style>
-      </p:cxnSp>
-      <p:sp>
-        <p:nvSpPr>
-          <p:cNvPr id="21" name="ZoneTexte 20">
-            <a:extLst>
-              <a:ext uri="{FF2B5EF4-FFF2-40B4-BE49-F238E27FC236}">
-                <a16:creationId xmlns:a16="http://schemas.microsoft.com/office/drawing/2014/main" id="{F265E323-DCED-455B-8690-A5A11ABF642F}"/>
-              </a:ext>
-            </a:extLst>
-          </p:cNvPr>
-          <p:cNvSpPr txBox="1"/>
-          <p:nvPr/>
-        </p:nvSpPr>
-        <p:spPr>
-          <a:xfrm>
-            <a:off x="1542290" y="5680285"/>
-            <a:ext cx="9717917" cy="369332"/>
-          </a:xfrm>
-          <a:prstGeom prst="rect">
-            <a:avLst/>
-          </a:prstGeom>
-          <a:noFill/>
-        </p:spPr>
-        <p:txBody>
-          <a:bodyPr wrap="none" rtlCol="0">
-            <a:spAutoFit/>
-          </a:bodyPr>
-          <a:lstStyle/>
-          <a:p>
-            <a:r>
-              <a:rPr lang="fr-FR" dirty="0"/>
-              <a:t>Modifications des mots clés pour être plus dans le thème rechercher (« Entreprise web design Lyon »)</a:t>
-            </a:r>
-          </a:p>
-        </p:txBody>
-      </p:sp>
       <p:pic>
         <p:nvPicPr>
-          <p:cNvPr id="26" name="Image 25">
-            <a:extLst>
-              <a:ext uri="{FF2B5EF4-FFF2-40B4-BE49-F238E27FC236}">
-                <a16:creationId xmlns:a16="http://schemas.microsoft.com/office/drawing/2014/main" id="{4633F673-C866-4DD2-BC72-E85BEE7AD828}"/>
+          <p:cNvPr id="4" name="Image 3">
+            <a:extLst>
+              <a:ext uri="{FF2B5EF4-FFF2-40B4-BE49-F238E27FC236}">
+                <a16:creationId xmlns:a16="http://schemas.microsoft.com/office/drawing/2014/main" id="{E19BC068-7019-4145-A1A9-EBF6132A37F7}"/>
               </a:ext>
             </a:extLst>
           </p:cNvPr>
@@ -3825,15 +5576,15 @@
           <p:nvPr/>
         </p:nvPicPr>
         <p:blipFill>
-          <a:blip r:embed="rId5"/>
+          <a:blip r:embed="rId2"/>
           <a:stretch>
             <a:fillRect/>
           </a:stretch>
         </p:blipFill>
         <p:spPr>
           <a:xfrm>
-            <a:off x="1176787" y="4585582"/>
-            <a:ext cx="10448925" cy="419100"/>
+            <a:off x="422698" y="977998"/>
+            <a:ext cx="11353800" cy="4919255"/>
           </a:xfrm>
           <a:prstGeom prst="rect">
             <a:avLst/>
@@ -3843,7 +5594,379 @@
     </p:spTree>
     <p:extLst>
       <p:ext uri="{BB962C8B-B14F-4D97-AF65-F5344CB8AC3E}">
-        <p14:creationId xmlns:p14="http://schemas.microsoft.com/office/powerpoint/2010/main" val="3208824687"/>
+        <p14:creationId xmlns:p14="http://schemas.microsoft.com/office/powerpoint/2010/main" val="3312711371"/>
+      </p:ext>
+    </p:extLst>
+  </p:cSld>
+  <p:clrMapOvr>
+    <a:masterClrMapping/>
+  </p:clrMapOvr>
+</p:sld>
+</file>
+
+<file path=ppt/slides/slide21.xml><?xml version="1.0" encoding="utf-8"?>
+<p:sld xmlns:a="http://schemas.openxmlformats.org/drawingml/2006/main" xmlns:r="http://schemas.openxmlformats.org/officeDocument/2006/relationships" xmlns:p="http://schemas.openxmlformats.org/presentationml/2006/main">
+  <p:cSld>
+    <p:spTree>
+      <p:nvGrpSpPr>
+        <p:cNvPr id="1" name=""/>
+        <p:cNvGrpSpPr/>
+        <p:nvPr/>
+      </p:nvGrpSpPr>
+      <p:grpSpPr>
+        <a:xfrm>
+          <a:off x="0" y="0"/>
+          <a:ext cx="0" cy="0"/>
+          <a:chOff x="0" y="0"/>
+          <a:chExt cx="0" cy="0"/>
+        </a:xfrm>
+      </p:grpSpPr>
+      <p:pic>
+        <p:nvPicPr>
+          <p:cNvPr id="5" name="Image 4" descr="Une image contenant texte&#10;&#10;Description générée automatiquement">
+            <a:extLst>
+              <a:ext uri="{FF2B5EF4-FFF2-40B4-BE49-F238E27FC236}">
+                <a16:creationId xmlns:a16="http://schemas.microsoft.com/office/drawing/2014/main" id="{73DA31A4-E803-42D9-806D-E310016BDA7D}"/>
+              </a:ext>
+            </a:extLst>
+          </p:cNvPr>
+          <p:cNvPicPr>
+            <a:picLocks noChangeAspect="1"/>
+          </p:cNvPicPr>
+          <p:nvPr/>
+        </p:nvPicPr>
+        <p:blipFill>
+          <a:blip r:embed="rId2">
+            <a:extLst>
+              <a:ext uri="{28A0092B-C50C-407E-A947-70E740481C1C}">
+                <a14:useLocalDpi xmlns:a14="http://schemas.microsoft.com/office/drawing/2010/main" val="0"/>
+              </a:ext>
+            </a:extLst>
+          </a:blip>
+          <a:stretch>
+            <a:fillRect/>
+          </a:stretch>
+        </p:blipFill>
+        <p:spPr>
+          <a:xfrm>
+            <a:off x="392352" y="648811"/>
+            <a:ext cx="2743583" cy="1543265"/>
+          </a:xfrm>
+          <a:prstGeom prst="rect">
+            <a:avLst/>
+          </a:prstGeom>
+        </p:spPr>
+      </p:pic>
+      <p:pic>
+        <p:nvPicPr>
+          <p:cNvPr id="7" name="Image 6">
+            <a:extLst>
+              <a:ext uri="{FF2B5EF4-FFF2-40B4-BE49-F238E27FC236}">
+                <a16:creationId xmlns:a16="http://schemas.microsoft.com/office/drawing/2014/main" id="{2114A5BB-24DC-47FB-9CE6-9C4433B699C4}"/>
+              </a:ext>
+            </a:extLst>
+          </p:cNvPr>
+          <p:cNvPicPr>
+            <a:picLocks noChangeAspect="1"/>
+          </p:cNvPicPr>
+          <p:nvPr/>
+        </p:nvPicPr>
+        <p:blipFill>
+          <a:blip r:embed="rId3">
+            <a:extLst>
+              <a:ext uri="{28A0092B-C50C-407E-A947-70E740481C1C}">
+                <a14:useLocalDpi xmlns:a14="http://schemas.microsoft.com/office/drawing/2010/main" val="0"/>
+              </a:ext>
+            </a:extLst>
+          </a:blip>
+          <a:stretch>
+            <a:fillRect/>
+          </a:stretch>
+        </p:blipFill>
+        <p:spPr>
+          <a:xfrm>
+            <a:off x="9431320" y="416944"/>
+            <a:ext cx="2068750" cy="2006997"/>
+          </a:xfrm>
+          <a:prstGeom prst="rect">
+            <a:avLst/>
+          </a:prstGeom>
+        </p:spPr>
+      </p:pic>
+      <p:pic>
+        <p:nvPicPr>
+          <p:cNvPr id="11" name="Image 10">
+            <a:extLst>
+              <a:ext uri="{FF2B5EF4-FFF2-40B4-BE49-F238E27FC236}">
+                <a16:creationId xmlns:a16="http://schemas.microsoft.com/office/drawing/2014/main" id="{5F09C648-B483-4B61-BB18-86371E0EE04B}"/>
+              </a:ext>
+            </a:extLst>
+          </p:cNvPr>
+          <p:cNvPicPr>
+            <a:picLocks noChangeAspect="1"/>
+          </p:cNvPicPr>
+          <p:nvPr/>
+        </p:nvPicPr>
+        <p:blipFill>
+          <a:blip r:embed="rId4">
+            <a:extLst>
+              <a:ext uri="{28A0092B-C50C-407E-A947-70E740481C1C}">
+                <a14:useLocalDpi xmlns:a14="http://schemas.microsoft.com/office/drawing/2010/main" val="0"/>
+              </a:ext>
+            </a:extLst>
+          </a:blip>
+          <a:stretch>
+            <a:fillRect/>
+          </a:stretch>
+        </p:blipFill>
+        <p:spPr>
+          <a:xfrm flipH="1">
+            <a:off x="0" y="2747710"/>
+            <a:ext cx="3736303" cy="3836430"/>
+          </a:xfrm>
+          <a:prstGeom prst="rect">
+            <a:avLst/>
+          </a:prstGeom>
+        </p:spPr>
+      </p:pic>
+      <p:pic>
+        <p:nvPicPr>
+          <p:cNvPr id="13" name="Image 12">
+            <a:extLst>
+              <a:ext uri="{FF2B5EF4-FFF2-40B4-BE49-F238E27FC236}">
+                <a16:creationId xmlns:a16="http://schemas.microsoft.com/office/drawing/2014/main" id="{A852F9D4-96C4-4458-8473-C7E51AB974ED}"/>
+              </a:ext>
+            </a:extLst>
+          </p:cNvPr>
+          <p:cNvPicPr>
+            <a:picLocks noChangeAspect="1"/>
+          </p:cNvPicPr>
+          <p:nvPr/>
+        </p:nvPicPr>
+        <p:blipFill>
+          <a:blip r:embed="rId5">
+            <a:extLst>
+              <a:ext uri="{28A0092B-C50C-407E-A947-70E740481C1C}">
+                <a14:useLocalDpi xmlns:a14="http://schemas.microsoft.com/office/drawing/2010/main" val="0"/>
+              </a:ext>
+            </a:extLst>
+          </a:blip>
+          <a:stretch>
+            <a:fillRect/>
+          </a:stretch>
+        </p:blipFill>
+        <p:spPr>
+          <a:xfrm>
+            <a:off x="8455699" y="2747710"/>
+            <a:ext cx="3650139" cy="3836430"/>
+          </a:xfrm>
+          <a:prstGeom prst="rect">
+            <a:avLst/>
+          </a:prstGeom>
+        </p:spPr>
+      </p:pic>
+    </p:spTree>
+    <p:extLst>
+      <p:ext uri="{BB962C8B-B14F-4D97-AF65-F5344CB8AC3E}">
+        <p14:creationId xmlns:p14="http://schemas.microsoft.com/office/powerpoint/2010/main" val="4198412497"/>
+      </p:ext>
+    </p:extLst>
+  </p:cSld>
+  <p:clrMapOvr>
+    <a:masterClrMapping/>
+  </p:clrMapOvr>
+</p:sld>
+</file>
+
+<file path=ppt/slides/slide22.xml><?xml version="1.0" encoding="utf-8"?>
+<p:sld xmlns:a="http://schemas.openxmlformats.org/drawingml/2006/main" xmlns:r="http://schemas.openxmlformats.org/officeDocument/2006/relationships" xmlns:p="http://schemas.openxmlformats.org/presentationml/2006/main">
+  <p:cSld>
+    <p:spTree>
+      <p:nvGrpSpPr>
+        <p:cNvPr id="1" name=""/>
+        <p:cNvGrpSpPr/>
+        <p:nvPr/>
+      </p:nvGrpSpPr>
+      <p:grpSpPr>
+        <a:xfrm>
+          <a:off x="0" y="0"/>
+          <a:ext cx="0" cy="0"/>
+          <a:chOff x="0" y="0"/>
+          <a:chExt cx="0" cy="0"/>
+        </a:xfrm>
+      </p:grpSpPr>
+      <p:pic>
+        <p:nvPicPr>
+          <p:cNvPr id="5" name="Image 4" descr="Une image contenant texte&#10;&#10;Description générée automatiquement">
+            <a:extLst>
+              <a:ext uri="{FF2B5EF4-FFF2-40B4-BE49-F238E27FC236}">
+                <a16:creationId xmlns:a16="http://schemas.microsoft.com/office/drawing/2014/main" id="{D57F37D6-7A6A-427F-BDC8-8BE6FEECD34E}"/>
+              </a:ext>
+            </a:extLst>
+          </p:cNvPr>
+          <p:cNvPicPr>
+            <a:picLocks noChangeAspect="1"/>
+          </p:cNvPicPr>
+          <p:nvPr/>
+        </p:nvPicPr>
+        <p:blipFill>
+          <a:blip r:embed="rId2">
+            <a:extLst>
+              <a:ext uri="{28A0092B-C50C-407E-A947-70E740481C1C}">
+                <a14:useLocalDpi xmlns:a14="http://schemas.microsoft.com/office/drawing/2010/main" val="0"/>
+              </a:ext>
+            </a:extLst>
+          </a:blip>
+          <a:stretch>
+            <a:fillRect/>
+          </a:stretch>
+        </p:blipFill>
+        <p:spPr>
+          <a:xfrm>
+            <a:off x="0" y="0"/>
+            <a:ext cx="12192000" cy="4336435"/>
+          </a:xfrm>
+          <a:prstGeom prst="rect">
+            <a:avLst/>
+          </a:prstGeom>
+        </p:spPr>
+      </p:pic>
+    </p:spTree>
+    <p:extLst>
+      <p:ext uri="{BB962C8B-B14F-4D97-AF65-F5344CB8AC3E}">
+        <p14:creationId xmlns:p14="http://schemas.microsoft.com/office/powerpoint/2010/main" val="1248169004"/>
+      </p:ext>
+    </p:extLst>
+  </p:cSld>
+  <p:clrMapOvr>
+    <a:masterClrMapping/>
+  </p:clrMapOvr>
+</p:sld>
+</file>
+
+<file path=ppt/slides/slide23.xml><?xml version="1.0" encoding="utf-8"?>
+<p:sld xmlns:a="http://schemas.openxmlformats.org/drawingml/2006/main" xmlns:r="http://schemas.openxmlformats.org/officeDocument/2006/relationships" xmlns:p="http://schemas.openxmlformats.org/presentationml/2006/main">
+  <p:cSld>
+    <p:spTree>
+      <p:nvGrpSpPr>
+        <p:cNvPr id="1" name=""/>
+        <p:cNvGrpSpPr/>
+        <p:nvPr/>
+      </p:nvGrpSpPr>
+      <p:grpSpPr>
+        <a:xfrm>
+          <a:off x="0" y="0"/>
+          <a:ext cx="0" cy="0"/>
+          <a:chOff x="0" y="0"/>
+          <a:chExt cx="0" cy="0"/>
+        </a:xfrm>
+      </p:grpSpPr>
+      <p:pic>
+        <p:nvPicPr>
+          <p:cNvPr id="5" name="Image 4" descr="Une image contenant texte&#10;&#10;Description générée automatiquement">
+            <a:extLst>
+              <a:ext uri="{FF2B5EF4-FFF2-40B4-BE49-F238E27FC236}">
+                <a16:creationId xmlns:a16="http://schemas.microsoft.com/office/drawing/2014/main" id="{40679545-6F6E-4F96-A5FF-864B79CBCF7A}"/>
+              </a:ext>
+            </a:extLst>
+          </p:cNvPr>
+          <p:cNvPicPr>
+            <a:picLocks noChangeAspect="1"/>
+          </p:cNvPicPr>
+          <p:nvPr/>
+        </p:nvPicPr>
+        <p:blipFill>
+          <a:blip r:embed="rId2">
+            <a:extLst>
+              <a:ext uri="{28A0092B-C50C-407E-A947-70E740481C1C}">
+                <a14:useLocalDpi xmlns:a14="http://schemas.microsoft.com/office/drawing/2010/main" val="0"/>
+              </a:ext>
+            </a:extLst>
+          </a:blip>
+          <a:stretch>
+            <a:fillRect/>
+          </a:stretch>
+        </p:blipFill>
+        <p:spPr>
+          <a:xfrm>
+            <a:off x="0" y="0"/>
+            <a:ext cx="12192000" cy="5712625"/>
+          </a:xfrm>
+          <a:prstGeom prst="rect">
+            <a:avLst/>
+          </a:prstGeom>
+        </p:spPr>
+      </p:pic>
+    </p:spTree>
+    <p:extLst>
+      <p:ext uri="{BB962C8B-B14F-4D97-AF65-F5344CB8AC3E}">
+        <p14:creationId xmlns:p14="http://schemas.microsoft.com/office/powerpoint/2010/main" val="1178771066"/>
+      </p:ext>
+    </p:extLst>
+  </p:cSld>
+  <p:clrMapOvr>
+    <a:masterClrMapping/>
+  </p:clrMapOvr>
+</p:sld>
+</file>
+
+<file path=ppt/slides/slide24.xml><?xml version="1.0" encoding="utf-8"?>
+<p:sld xmlns:a="http://schemas.openxmlformats.org/drawingml/2006/main" xmlns:r="http://schemas.openxmlformats.org/officeDocument/2006/relationships" xmlns:p="http://schemas.openxmlformats.org/presentationml/2006/main">
+  <p:cSld>
+    <p:spTree>
+      <p:nvGrpSpPr>
+        <p:cNvPr id="1" name=""/>
+        <p:cNvGrpSpPr/>
+        <p:nvPr/>
+      </p:nvGrpSpPr>
+      <p:grpSpPr>
+        <a:xfrm>
+          <a:off x="0" y="0"/>
+          <a:ext cx="0" cy="0"/>
+          <a:chOff x="0" y="0"/>
+          <a:chExt cx="0" cy="0"/>
+        </a:xfrm>
+      </p:grpSpPr>
+      <p:pic>
+        <p:nvPicPr>
+          <p:cNvPr id="5" name="Image 4" descr="Une image contenant texte&#10;&#10;Description générée automatiquement">
+            <a:extLst>
+              <a:ext uri="{FF2B5EF4-FFF2-40B4-BE49-F238E27FC236}">
+                <a16:creationId xmlns:a16="http://schemas.microsoft.com/office/drawing/2014/main" id="{18CA716D-E42E-40AD-A6CE-38015CE49072}"/>
+              </a:ext>
+            </a:extLst>
+          </p:cNvPr>
+          <p:cNvPicPr>
+            <a:picLocks noChangeAspect="1"/>
+          </p:cNvPicPr>
+          <p:nvPr/>
+        </p:nvPicPr>
+        <p:blipFill>
+          <a:blip r:embed="rId2">
+            <a:extLst>
+              <a:ext uri="{28A0092B-C50C-407E-A947-70E740481C1C}">
+                <a14:useLocalDpi xmlns:a14="http://schemas.microsoft.com/office/drawing/2010/main" val="0"/>
+              </a:ext>
+            </a:extLst>
+          </a:blip>
+          <a:stretch>
+            <a:fillRect/>
+          </a:stretch>
+        </p:blipFill>
+        <p:spPr>
+          <a:xfrm>
+            <a:off x="0" y="0"/>
+            <a:ext cx="12192000" cy="2203611"/>
+          </a:xfrm>
+          <a:prstGeom prst="rect">
+            <a:avLst/>
+          </a:prstGeom>
+        </p:spPr>
+      </p:pic>
+    </p:spTree>
+    <p:extLst>
+      <p:ext uri="{BB962C8B-B14F-4D97-AF65-F5344CB8AC3E}">
+        <p14:creationId xmlns:p14="http://schemas.microsoft.com/office/powerpoint/2010/main" val="3580081520"/>
       </p:ext>
     </p:extLst>
   </p:cSld>
@@ -3870,19 +5993,54 @@
           <a:chExt cx="0" cy="0"/>
         </a:xfrm>
       </p:grpSpPr>
+      <p:sp>
+        <p:nvSpPr>
+          <p:cNvPr id="2" name="Titre 1">
+            <a:extLst>
+              <a:ext uri="{FF2B5EF4-FFF2-40B4-BE49-F238E27FC236}">
+                <a16:creationId xmlns:a16="http://schemas.microsoft.com/office/drawing/2014/main" id="{E973E640-4E76-47D0-9DB9-2BD9223636CD}"/>
+              </a:ext>
+            </a:extLst>
+          </p:cNvPr>
+          <p:cNvSpPr>
+            <a:spLocks noGrp="1"/>
+          </p:cNvSpPr>
+          <p:nvPr>
+            <p:ph type="title"/>
+          </p:nvPr>
+        </p:nvSpPr>
+        <p:spPr/>
+        <p:txBody>
+          <a:bodyPr/>
+          <a:lstStyle/>
+          <a:p>
+            <a:pPr algn="ctr"/>
+            <a:r>
+              <a:rPr lang="fr-FR" dirty="0"/>
+              <a:t>Analyses avant modifications : </a:t>
+            </a:r>
+            <a:br>
+              <a:rPr lang="fr-FR" dirty="0"/>
+            </a:br>
+            <a:endParaRPr lang="fr-FR" dirty="0"/>
+          </a:p>
+        </p:txBody>
+      </p:sp>
       <p:pic>
         <p:nvPicPr>
-          <p:cNvPr id="5" name="Image 4">
-            <a:extLst>
-              <a:ext uri="{FF2B5EF4-FFF2-40B4-BE49-F238E27FC236}">
-                <a16:creationId xmlns:a16="http://schemas.microsoft.com/office/drawing/2014/main" id="{5C3FDAF9-30AA-4A94-8901-AEC1C28BD678}"/>
+          <p:cNvPr id="5" name="Espace réservé du contenu 4">
+            <a:extLst>
+              <a:ext uri="{FF2B5EF4-FFF2-40B4-BE49-F238E27FC236}">
+                <a16:creationId xmlns:a16="http://schemas.microsoft.com/office/drawing/2014/main" id="{8B230A3D-91BF-4C9F-A467-FB13022D0FEA}"/>
               </a:ext>
             </a:extLst>
           </p:cNvPr>
           <p:cNvPicPr>
-            <a:picLocks noChangeAspect="1"/>
+            <a:picLocks noGrp="1" noChangeAspect="1"/>
           </p:cNvPicPr>
-          <p:nvPr/>
+          <p:nvPr>
+            <p:ph idx="1"/>
+          </p:nvPr>
         </p:nvPicPr>
         <p:blipFill>
           <a:blip r:embed="rId2"/>
@@ -3892,244 +6050,35 @@
         </p:blipFill>
         <p:spPr>
           <a:xfrm>
-            <a:off x="312079" y="536008"/>
-            <a:ext cx="3302389" cy="253280"/>
-          </a:xfrm>
-          <a:prstGeom prst="rect">
-            <a:avLst/>
-          </a:prstGeom>
+            <a:off x="838200" y="1364709"/>
+            <a:ext cx="10515600" cy="4128581"/>
+          </a:xfrm>
         </p:spPr>
       </p:pic>
-      <p:pic>
-        <p:nvPicPr>
-          <p:cNvPr id="7" name="Image 6">
-            <a:extLst>
-              <a:ext uri="{FF2B5EF4-FFF2-40B4-BE49-F238E27FC236}">
-                <a16:creationId xmlns:a16="http://schemas.microsoft.com/office/drawing/2014/main" id="{0D0B3E04-119A-475F-9235-0AE7F1E9CD37}"/>
-              </a:ext>
-            </a:extLst>
-          </p:cNvPr>
-          <p:cNvPicPr>
-            <a:picLocks noChangeAspect="1"/>
-          </p:cNvPicPr>
+      <p:sp>
+        <p:nvSpPr>
+          <p:cNvPr id="6" name="Rectangle 5">
+            <a:extLst>
+              <a:ext uri="{FF2B5EF4-FFF2-40B4-BE49-F238E27FC236}">
+                <a16:creationId xmlns:a16="http://schemas.microsoft.com/office/drawing/2014/main" id="{1DA05EB7-37E7-4A04-97AF-F1D69B68B7B0}"/>
+              </a:ext>
+            </a:extLst>
+          </p:cNvPr>
+          <p:cNvSpPr/>
           <p:nvPr/>
-        </p:nvPicPr>
-        <p:blipFill>
-          <a:blip r:embed="rId3"/>
-          <a:stretch>
-            <a:fillRect/>
-          </a:stretch>
-        </p:blipFill>
-        <p:spPr>
-          <a:xfrm>
-            <a:off x="312079" y="1259546"/>
-            <a:ext cx="11366753" cy="198318"/>
-          </a:xfrm>
-          <a:prstGeom prst="rect">
-            <a:avLst/>
-          </a:prstGeom>
-        </p:spPr>
-      </p:pic>
-      <p:sp>
-        <p:nvSpPr>
-          <p:cNvPr id="8" name="ZoneTexte 7">
-            <a:extLst>
-              <a:ext uri="{FF2B5EF4-FFF2-40B4-BE49-F238E27FC236}">
-                <a16:creationId xmlns:a16="http://schemas.microsoft.com/office/drawing/2014/main" id="{3E5DDD7B-DB57-46D7-A5BC-B01C466239EA}"/>
-              </a:ext>
-            </a:extLst>
-          </p:cNvPr>
-          <p:cNvSpPr txBox="1"/>
-          <p:nvPr/>
-        </p:nvSpPr>
-        <p:spPr>
-          <a:xfrm>
-            <a:off x="4205091" y="339482"/>
-            <a:ext cx="7473741" cy="646331"/>
+        </p:nvSpPr>
+        <p:spPr>
+          <a:xfrm>
+            <a:off x="9445925" y="5201729"/>
+            <a:ext cx="1475117" cy="258792"/>
           </a:xfrm>
           <a:prstGeom prst="rect">
             <a:avLst/>
           </a:prstGeom>
           <a:noFill/>
-        </p:spPr>
-        <p:txBody>
-          <a:bodyPr wrap="square" rtlCol="0">
-            <a:spAutoFit/>
-          </a:bodyPr>
-          <a:lstStyle/>
-          <a:p>
-            <a:r>
-              <a:rPr lang="fr-FR" dirty="0"/>
-              <a:t>Ajout d’une description pour que le moteur de recherche arrive a avoir un meilleur contexte du site</a:t>
-            </a:r>
-          </a:p>
-        </p:txBody>
-      </p:sp>
-      <p:pic>
-        <p:nvPicPr>
-          <p:cNvPr id="10" name="Image 9">
-            <a:extLst>
-              <a:ext uri="{FF2B5EF4-FFF2-40B4-BE49-F238E27FC236}">
-                <a16:creationId xmlns:a16="http://schemas.microsoft.com/office/drawing/2014/main" id="{42C5FBB7-1B8A-411E-890D-8BDAB09DF7D3}"/>
-              </a:ext>
-            </a:extLst>
-          </p:cNvPr>
-          <p:cNvPicPr>
-            <a:picLocks noChangeAspect="1"/>
-          </p:cNvPicPr>
-          <p:nvPr/>
-        </p:nvPicPr>
-        <p:blipFill>
-          <a:blip r:embed="rId4"/>
-          <a:stretch>
-            <a:fillRect/>
-          </a:stretch>
-        </p:blipFill>
-        <p:spPr>
-          <a:xfrm>
-            <a:off x="312079" y="3057247"/>
-            <a:ext cx="3724275" cy="228600"/>
-          </a:xfrm>
-          <a:prstGeom prst="rect">
-            <a:avLst/>
-          </a:prstGeom>
-        </p:spPr>
-      </p:pic>
-      <p:pic>
-        <p:nvPicPr>
-          <p:cNvPr id="12" name="Image 11">
-            <a:extLst>
-              <a:ext uri="{FF2B5EF4-FFF2-40B4-BE49-F238E27FC236}">
-                <a16:creationId xmlns:a16="http://schemas.microsoft.com/office/drawing/2014/main" id="{26EDE5E1-416C-4EE3-97BD-0C5AF09598EC}"/>
-              </a:ext>
-            </a:extLst>
-          </p:cNvPr>
-          <p:cNvPicPr>
-            <a:picLocks noChangeAspect="1"/>
-          </p:cNvPicPr>
-          <p:nvPr/>
-        </p:nvPicPr>
-        <p:blipFill>
-          <a:blip r:embed="rId5"/>
-          <a:stretch>
-            <a:fillRect/>
-          </a:stretch>
-        </p:blipFill>
-        <p:spPr>
-          <a:xfrm>
-            <a:off x="312079" y="3788704"/>
-            <a:ext cx="6829425" cy="1809750"/>
-          </a:xfrm>
-          <a:prstGeom prst="rect">
-            <a:avLst/>
-          </a:prstGeom>
-        </p:spPr>
-      </p:pic>
-      <p:sp>
-        <p:nvSpPr>
-          <p:cNvPr id="13" name="ZoneTexte 12">
-            <a:extLst>
-              <a:ext uri="{FF2B5EF4-FFF2-40B4-BE49-F238E27FC236}">
-                <a16:creationId xmlns:a16="http://schemas.microsoft.com/office/drawing/2014/main" id="{6A033362-40C0-41F0-B2A0-408108C50A42}"/>
-              </a:ext>
-            </a:extLst>
-          </p:cNvPr>
-          <p:cNvSpPr txBox="1"/>
-          <p:nvPr/>
-        </p:nvSpPr>
-        <p:spPr>
-          <a:xfrm>
-            <a:off x="4492101" y="2947321"/>
-            <a:ext cx="6366102" cy="369332"/>
-          </a:xfrm>
-          <a:prstGeom prst="rect">
-            <a:avLst/>
-          </a:prstGeom>
-          <a:noFill/>
-        </p:spPr>
-        <p:txBody>
-          <a:bodyPr wrap="none" rtlCol="0">
-            <a:spAutoFit/>
-          </a:bodyPr>
-          <a:lstStyle/>
-          <a:p>
-            <a:r>
-              <a:rPr lang="fr-FR" dirty="0"/>
-              <a:t>Ajout des balises  ’’</a:t>
-            </a:r>
-            <a:r>
-              <a:rPr lang="fr-FR" dirty="0" err="1"/>
-              <a:t>meta</a:t>
-            </a:r>
-            <a:r>
-              <a:rPr lang="fr-FR" dirty="0"/>
-              <a:t> robots’’ pour améliorer le référencement</a:t>
-            </a:r>
-          </a:p>
-        </p:txBody>
-      </p:sp>
-      <p:sp>
-        <p:nvSpPr>
-          <p:cNvPr id="14" name="ZoneTexte 13">
-            <a:extLst>
-              <a:ext uri="{FF2B5EF4-FFF2-40B4-BE49-F238E27FC236}">
-                <a16:creationId xmlns:a16="http://schemas.microsoft.com/office/drawing/2014/main" id="{08317F00-C5E6-42A1-B259-D6C35443EE38}"/>
-              </a:ext>
-            </a:extLst>
-          </p:cNvPr>
-          <p:cNvSpPr txBox="1"/>
-          <p:nvPr/>
-        </p:nvSpPr>
-        <p:spPr>
-          <a:xfrm>
-            <a:off x="7386768" y="4482944"/>
-            <a:ext cx="4493153" cy="646331"/>
-          </a:xfrm>
-          <a:prstGeom prst="rect">
-            <a:avLst/>
-          </a:prstGeom>
-          <a:noFill/>
-        </p:spPr>
-        <p:txBody>
-          <a:bodyPr wrap="none" rtlCol="0">
-            <a:spAutoFit/>
-          </a:bodyPr>
-          <a:lstStyle/>
-          <a:p>
-            <a:r>
-              <a:rPr lang="fr-FR" dirty="0"/>
-              <a:t>Connexion avec google Analytics pour le suivis</a:t>
-            </a:r>
-          </a:p>
-          <a:p>
-            <a:endParaRPr lang="fr-FR" dirty="0"/>
-          </a:p>
-        </p:txBody>
-      </p:sp>
-      <p:sp>
-        <p:nvSpPr>
-          <p:cNvPr id="9" name="Rectangle 8">
-            <a:extLst>
-              <a:ext uri="{FF2B5EF4-FFF2-40B4-BE49-F238E27FC236}">
-                <a16:creationId xmlns:a16="http://schemas.microsoft.com/office/drawing/2014/main" id="{C1E6825F-6D42-48B0-941A-BBEFA11C06B3}"/>
-              </a:ext>
-            </a:extLst>
-          </p:cNvPr>
-          <p:cNvSpPr/>
-          <p:nvPr/>
-        </p:nvSpPr>
-        <p:spPr>
-          <a:xfrm>
-            <a:off x="215659" y="72649"/>
-            <a:ext cx="11775058" cy="1708381"/>
-          </a:xfrm>
-          <a:prstGeom prst="rect">
-            <a:avLst/>
-          </a:prstGeom>
-          <a:noFill/>
-          <a:ln w="19050">
+          <a:ln w="38100">
             <a:solidFill>
-              <a:schemeClr val="tx1"/>
+              <a:srgbClr val="FF0000"/>
             </a:solidFill>
           </a:ln>
         </p:spPr>
@@ -4160,60 +6109,52 @@
       </p:sp>
       <p:sp>
         <p:nvSpPr>
-          <p:cNvPr id="11" name="Rectangle 10">
-            <a:extLst>
-              <a:ext uri="{FF2B5EF4-FFF2-40B4-BE49-F238E27FC236}">
-                <a16:creationId xmlns:a16="http://schemas.microsoft.com/office/drawing/2014/main" id="{A5E4129B-9218-4767-82CC-74E79C14941F}"/>
-              </a:ext>
-            </a:extLst>
-          </p:cNvPr>
-          <p:cNvSpPr/>
+          <p:cNvPr id="7" name="ZoneTexte 6">
+            <a:extLst>
+              <a:ext uri="{FF2B5EF4-FFF2-40B4-BE49-F238E27FC236}">
+                <a16:creationId xmlns:a16="http://schemas.microsoft.com/office/drawing/2014/main" id="{75FFDE10-EC93-4F17-98D9-DAF425BD2BAC}"/>
+              </a:ext>
+            </a:extLst>
+          </p:cNvPr>
+          <p:cNvSpPr txBox="1"/>
           <p:nvPr/>
         </p:nvSpPr>
         <p:spPr>
           <a:xfrm>
-            <a:off x="215659" y="2644761"/>
-            <a:ext cx="11775058" cy="3221201"/>
+            <a:off x="838200" y="5768487"/>
+            <a:ext cx="10515600" cy="923330"/>
           </a:xfrm>
           <a:prstGeom prst="rect">
             <a:avLst/>
           </a:prstGeom>
           <a:noFill/>
-          <a:ln w="19050">
-            <a:solidFill>
-              <a:schemeClr val="tx1"/>
-            </a:solidFill>
-          </a:ln>
-        </p:spPr>
-        <p:style>
-          <a:lnRef idx="2">
-            <a:schemeClr val="accent1">
-              <a:shade val="50000"/>
-            </a:schemeClr>
-          </a:lnRef>
-          <a:fillRef idx="1">
-            <a:schemeClr val="accent1"/>
-          </a:fillRef>
-          <a:effectRef idx="0">
-            <a:schemeClr val="accent1"/>
-          </a:effectRef>
-          <a:fontRef idx="minor">
-            <a:schemeClr val="lt1"/>
-          </a:fontRef>
-        </p:style>
-        <p:txBody>
-          <a:bodyPr rtlCol="0" anchor="ctr"/>
+        </p:spPr>
+        <p:txBody>
+          <a:bodyPr wrap="square" rtlCol="0">
+            <a:spAutoFit/>
+          </a:bodyPr>
           <a:lstStyle/>
           <a:p>
             <a:pPr algn="ctr"/>
-            <a:endParaRPr lang="fr-FR"/>
+            <a:r>
+              <a:rPr lang="fr-FR" dirty="0"/>
+              <a:t>On peut voir sur la capture d’écran ci-dessous lors du test de vitesse réalisé avec le site « </a:t>
+            </a:r>
+            <a:r>
+              <a:rPr lang="fr-FR" dirty="0" err="1"/>
+              <a:t>Gtmetrix</a:t>
+            </a:r>
+            <a:r>
+              <a:rPr lang="fr-FR" dirty="0"/>
+              <a:t> » que le site dans son état d’origine met 1,3s à charger. Ce qui est conséquent pour un site vitrine. On peut voir aussi que la structure peut être améliorée (89%</a:t>
+            </a:r>
           </a:p>
         </p:txBody>
       </p:sp>
     </p:spTree>
     <p:extLst>
       <p:ext uri="{BB962C8B-B14F-4D97-AF65-F5344CB8AC3E}">
-        <p14:creationId xmlns:p14="http://schemas.microsoft.com/office/powerpoint/2010/main" val="2864112030"/>
+        <p14:creationId xmlns:p14="http://schemas.microsoft.com/office/powerpoint/2010/main" val="142457942"/>
       </p:ext>
     </p:extLst>
   </p:cSld>
@@ -4240,19 +6181,55 @@
           <a:chExt cx="0" cy="0"/>
         </a:xfrm>
       </p:grpSpPr>
+      <p:sp>
+        <p:nvSpPr>
+          <p:cNvPr id="2" name="Titre 1">
+            <a:extLst>
+              <a:ext uri="{FF2B5EF4-FFF2-40B4-BE49-F238E27FC236}">
+                <a16:creationId xmlns:a16="http://schemas.microsoft.com/office/drawing/2014/main" id="{2F8F732A-BCE4-477C-8CF0-221CF63F70E2}"/>
+              </a:ext>
+            </a:extLst>
+          </p:cNvPr>
+          <p:cNvSpPr>
+            <a:spLocks noGrp="1"/>
+          </p:cNvSpPr>
+          <p:nvPr>
+            <p:ph type="title"/>
+          </p:nvPr>
+        </p:nvSpPr>
+        <p:spPr>
+          <a:xfrm>
+            <a:off x="838200" y="78265"/>
+            <a:ext cx="10515600" cy="1325563"/>
+          </a:xfrm>
+        </p:spPr>
+        <p:txBody>
+          <a:bodyPr/>
+          <a:lstStyle/>
+          <a:p>
+            <a:pPr algn="ctr"/>
+            <a:r>
+              <a:rPr lang="fr-FR" dirty="0"/>
+              <a:t>Améliorations au niveau du code : </a:t>
+            </a:r>
+          </a:p>
+        </p:txBody>
+      </p:sp>
       <p:pic>
         <p:nvPicPr>
-          <p:cNvPr id="5" name="Image 4">
-            <a:extLst>
-              <a:ext uri="{FF2B5EF4-FFF2-40B4-BE49-F238E27FC236}">
-                <a16:creationId xmlns:a16="http://schemas.microsoft.com/office/drawing/2014/main" id="{E9144C8B-C121-4EB2-957B-68BC12B6DDA4}"/>
+          <p:cNvPr id="5" name="Espace réservé du contenu 4">
+            <a:extLst>
+              <a:ext uri="{FF2B5EF4-FFF2-40B4-BE49-F238E27FC236}">
+                <a16:creationId xmlns:a16="http://schemas.microsoft.com/office/drawing/2014/main" id="{5D261054-F954-483E-A013-B8235CA3C1CC}"/>
               </a:ext>
             </a:extLst>
           </p:cNvPr>
           <p:cNvPicPr>
-            <a:picLocks noChangeAspect="1"/>
+            <a:picLocks noGrp="1" noChangeAspect="1"/>
           </p:cNvPicPr>
-          <p:nvPr/>
+          <p:nvPr>
+            <p:ph idx="1"/>
+          </p:nvPr>
         </p:nvPicPr>
         <p:blipFill>
           <a:blip r:embed="rId2"/>
@@ -4262,38 +6239,155 @@
         </p:blipFill>
         <p:spPr>
           <a:xfrm>
-            <a:off x="1162394" y="472788"/>
-            <a:ext cx="9867211" cy="1900328"/>
+            <a:off x="1304800" y="1619633"/>
+            <a:ext cx="1866900" cy="400050"/>
+          </a:xfrm>
+        </p:spPr>
+      </p:pic>
+      <p:pic>
+        <p:nvPicPr>
+          <p:cNvPr id="7" name="Image 6">
+            <a:extLst>
+              <a:ext uri="{FF2B5EF4-FFF2-40B4-BE49-F238E27FC236}">
+                <a16:creationId xmlns:a16="http://schemas.microsoft.com/office/drawing/2014/main" id="{77CCC1C5-5A56-4CD2-A5E5-3D324E755273}"/>
+              </a:ext>
+            </a:extLst>
+          </p:cNvPr>
+          <p:cNvPicPr>
+            <a:picLocks noChangeAspect="1"/>
+          </p:cNvPicPr>
+          <p:nvPr/>
+        </p:nvPicPr>
+        <p:blipFill>
+          <a:blip r:embed="rId3"/>
+          <a:stretch>
+            <a:fillRect/>
+          </a:stretch>
+        </p:blipFill>
+        <p:spPr>
+          <a:xfrm>
+            <a:off x="7398126" y="1638683"/>
+            <a:ext cx="4048125" cy="381000"/>
           </a:xfrm>
           <a:prstGeom prst="rect">
             <a:avLst/>
           </a:prstGeom>
         </p:spPr>
       </p:pic>
-      <p:sp>
-        <p:nvSpPr>
-          <p:cNvPr id="6" name="Rectangle 5">
-            <a:extLst>
-              <a:ext uri="{FF2B5EF4-FFF2-40B4-BE49-F238E27FC236}">
-                <a16:creationId xmlns:a16="http://schemas.microsoft.com/office/drawing/2014/main" id="{44BDCB22-3FCA-4EC4-B2AA-15358A829EC3}"/>
-              </a:ext>
-            </a:extLst>
-          </p:cNvPr>
-          <p:cNvSpPr/>
+      <p:cxnSp>
+        <p:nvCxnSpPr>
+          <p:cNvPr id="9" name="Connecteur droit avec flèche 8">
+            <a:extLst>
+              <a:ext uri="{FF2B5EF4-FFF2-40B4-BE49-F238E27FC236}">
+                <a16:creationId xmlns:a16="http://schemas.microsoft.com/office/drawing/2014/main" id="{3C8A8292-F01D-4DC1-9683-8F67162AA4DE}"/>
+              </a:ext>
+            </a:extLst>
+          </p:cNvPr>
+          <p:cNvCxnSpPr>
+            <a:cxnSpLocks/>
+          </p:cNvCxnSpPr>
           <p:nvPr/>
-        </p:nvSpPr>
-        <p:spPr>
-          <a:xfrm>
-            <a:off x="1832834" y="472788"/>
-            <a:ext cx="8935779" cy="739555"/>
+        </p:nvCxnSpPr>
+        <p:spPr>
+          <a:xfrm>
+            <a:off x="3329187" y="1846258"/>
+            <a:ext cx="3838232" cy="0"/>
+          </a:xfrm>
+          <a:prstGeom prst="straightConnector1">
+            <a:avLst/>
+          </a:prstGeom>
+          <a:ln w="28575">
+            <a:tailEnd type="triangle"/>
+          </a:ln>
+        </p:spPr>
+        <p:style>
+          <a:lnRef idx="1">
+            <a:schemeClr val="accent1"/>
+          </a:lnRef>
+          <a:fillRef idx="0">
+            <a:schemeClr val="accent1"/>
+          </a:fillRef>
+          <a:effectRef idx="0">
+            <a:schemeClr val="accent1"/>
+          </a:effectRef>
+          <a:fontRef idx="minor">
+            <a:schemeClr val="tx1"/>
+          </a:fontRef>
+        </p:style>
+      </p:cxnSp>
+      <p:sp>
+        <p:nvSpPr>
+          <p:cNvPr id="10" name="ZoneTexte 9">
+            <a:extLst>
+              <a:ext uri="{FF2B5EF4-FFF2-40B4-BE49-F238E27FC236}">
+                <a16:creationId xmlns:a16="http://schemas.microsoft.com/office/drawing/2014/main" id="{C20C6F47-282F-4215-9B47-A49316B5CAF0}"/>
+              </a:ext>
+            </a:extLst>
+          </p:cNvPr>
+          <p:cNvSpPr txBox="1"/>
+          <p:nvPr/>
+        </p:nvSpPr>
+        <p:spPr>
+          <a:xfrm>
+            <a:off x="3064339" y="2254538"/>
+            <a:ext cx="6313716" cy="646331"/>
           </a:xfrm>
           <a:prstGeom prst="rect">
             <a:avLst/>
           </a:prstGeom>
           <a:noFill/>
-          <a:ln w="28575">
+        </p:spPr>
+        <p:txBody>
+          <a:bodyPr wrap="none" rtlCol="0">
+            <a:spAutoFit/>
+          </a:bodyPr>
+          <a:lstStyle/>
+          <a:p>
+            <a:r>
+              <a:rPr lang="fr-FR" dirty="0"/>
+              <a:t>La balise </a:t>
+            </a:r>
+            <a:r>
+              <a:rPr lang="fr-FR" dirty="0" err="1"/>
+              <a:t>title</a:t>
+            </a:r>
+            <a:r>
+              <a:rPr lang="fr-FR" dirty="0"/>
+              <a:t> aide au référencement sur le moteur de recherche, </a:t>
+            </a:r>
+          </a:p>
+          <a:p>
+            <a:r>
+              <a:rPr lang="fr-FR" dirty="0"/>
+              <a:t>il peu contenir le nom de l’agence et un mot clé par exemple</a:t>
+            </a:r>
+          </a:p>
+        </p:txBody>
+      </p:sp>
+      <p:sp>
+        <p:nvSpPr>
+          <p:cNvPr id="15" name="Rectangle 14">
+            <a:extLst>
+              <a:ext uri="{FF2B5EF4-FFF2-40B4-BE49-F238E27FC236}">
+                <a16:creationId xmlns:a16="http://schemas.microsoft.com/office/drawing/2014/main" id="{3A80AD4A-5989-4006-B637-D1815F4F18FE}"/>
+              </a:ext>
+            </a:extLst>
+          </p:cNvPr>
+          <p:cNvSpPr/>
+          <p:nvPr/>
+        </p:nvSpPr>
+        <p:spPr>
+          <a:xfrm>
+            <a:off x="1147313" y="1431983"/>
+            <a:ext cx="10515600" cy="1708381"/>
+          </a:xfrm>
+          <a:prstGeom prst="rect">
+            <a:avLst/>
+          </a:prstGeom>
+          <a:noFill/>
+          <a:ln w="19050">
             <a:solidFill>
-              <a:srgbClr val="FF0000"/>
+              <a:schemeClr val="tx1"/>
             </a:solidFill>
           </a:ln>
         </p:spPr>
@@ -4324,10 +6418,10 @@
       </p:sp>
       <p:sp>
         <p:nvSpPr>
-          <p:cNvPr id="7" name="Rectangle 6">
-            <a:extLst>
-              <a:ext uri="{FF2B5EF4-FFF2-40B4-BE49-F238E27FC236}">
-                <a16:creationId xmlns:a16="http://schemas.microsoft.com/office/drawing/2014/main" id="{E3F83864-CD00-408E-B7C6-D34E5B4CCC68}"/>
+          <p:cNvPr id="16" name="Rectangle 15">
+            <a:extLst>
+              <a:ext uri="{FF2B5EF4-FFF2-40B4-BE49-F238E27FC236}">
+                <a16:creationId xmlns:a16="http://schemas.microsoft.com/office/drawing/2014/main" id="{302125C0-F610-4482-A6F1-E0868FAD63BE}"/>
               </a:ext>
             </a:extLst>
           </p:cNvPr>
@@ -4336,16 +6430,16 @@
         </p:nvSpPr>
         <p:spPr>
           <a:xfrm>
-            <a:off x="1832835" y="1633491"/>
-            <a:ext cx="8935778" cy="665826"/>
+            <a:off x="1143450" y="3328013"/>
+            <a:ext cx="10515600" cy="3253941"/>
           </a:xfrm>
           <a:prstGeom prst="rect">
             <a:avLst/>
           </a:prstGeom>
           <a:noFill/>
-          <a:ln w="28575">
+          <a:ln w="19050">
             <a:solidFill>
-              <a:srgbClr val="FF0000"/>
+              <a:schemeClr val="tx1"/>
             </a:solidFill>
           </a:ln>
         </p:spPr>
@@ -4374,99 +6468,12 @@
           </a:p>
         </p:txBody>
       </p:sp>
-      <p:sp>
-        <p:nvSpPr>
-          <p:cNvPr id="8" name="ZoneTexte 7">
-            <a:extLst>
-              <a:ext uri="{FF2B5EF4-FFF2-40B4-BE49-F238E27FC236}">
-                <a16:creationId xmlns:a16="http://schemas.microsoft.com/office/drawing/2014/main" id="{97E30646-E1B7-4868-BAAE-5BB2AC3BC94C}"/>
-              </a:ext>
-            </a:extLst>
-          </p:cNvPr>
-          <p:cNvSpPr txBox="1"/>
-          <p:nvPr/>
-        </p:nvSpPr>
-        <p:spPr>
-          <a:xfrm>
-            <a:off x="1942543" y="2563890"/>
-            <a:ext cx="8654036" cy="646331"/>
-          </a:xfrm>
-          <a:prstGeom prst="rect">
-            <a:avLst/>
-          </a:prstGeom>
-          <a:noFill/>
-        </p:spPr>
-        <p:txBody>
-          <a:bodyPr wrap="none" rtlCol="0">
-            <a:spAutoFit/>
-          </a:bodyPr>
-          <a:lstStyle/>
-          <a:p>
-            <a:r>
-              <a:rPr lang="fr-FR" dirty="0"/>
-              <a:t>Il y a déjà une balise keywords dans le header remplacé par des mots clés plus </a:t>
-            </a:r>
-            <a:r>
-              <a:rPr lang="fr-FR" dirty="0" err="1"/>
-              <a:t>pertintants</a:t>
-            </a:r>
-            <a:r>
-              <a:rPr lang="fr-FR" dirty="0"/>
-              <a:t>,</a:t>
-            </a:r>
-          </a:p>
-          <a:p>
-            <a:r>
-              <a:rPr lang="fr-FR" dirty="0"/>
-              <a:t>Google peu considérer ca comme un spam ou du « black </a:t>
-            </a:r>
-            <a:r>
-              <a:rPr lang="fr-FR" dirty="0" err="1"/>
-              <a:t>seo</a:t>
-            </a:r>
-            <a:r>
-              <a:rPr lang="fr-FR" dirty="0"/>
-              <a:t> »</a:t>
-            </a:r>
-          </a:p>
-        </p:txBody>
-      </p:sp>
       <p:pic>
         <p:nvPicPr>
-          <p:cNvPr id="9" name="Image 8">
-            <a:extLst>
-              <a:ext uri="{FF2B5EF4-FFF2-40B4-BE49-F238E27FC236}">
-                <a16:creationId xmlns:a16="http://schemas.microsoft.com/office/drawing/2014/main" id="{B465C63D-94C1-4D05-8AAF-BB831F07D437}"/>
-              </a:ext>
-            </a:extLst>
-          </p:cNvPr>
-          <p:cNvPicPr>
-            <a:picLocks noChangeAspect="1"/>
-          </p:cNvPicPr>
-          <p:nvPr/>
-        </p:nvPicPr>
-        <p:blipFill>
-          <a:blip r:embed="rId3"/>
-          <a:stretch>
-            <a:fillRect/>
-          </a:stretch>
-        </p:blipFill>
-        <p:spPr>
-          <a:xfrm>
-            <a:off x="679061" y="4500473"/>
-            <a:ext cx="3552825" cy="619125"/>
-          </a:xfrm>
-          <a:prstGeom prst="rect">
-            <a:avLst/>
-          </a:prstGeom>
-        </p:spPr>
-      </p:pic>
-      <p:pic>
-        <p:nvPicPr>
-          <p:cNvPr id="10" name="Image 9">
-            <a:extLst>
-              <a:ext uri="{FF2B5EF4-FFF2-40B4-BE49-F238E27FC236}">
-                <a16:creationId xmlns:a16="http://schemas.microsoft.com/office/drawing/2014/main" id="{95BF3777-38FE-4AEC-BBDD-0DBAB367B2C0}"/>
+          <p:cNvPr id="13" name="Image 12">
+            <a:extLst>
+              <a:ext uri="{FF2B5EF4-FFF2-40B4-BE49-F238E27FC236}">
+                <a16:creationId xmlns:a16="http://schemas.microsoft.com/office/drawing/2014/main" id="{32398978-E5CD-4855-A12F-6D8497616085}"/>
               </a:ext>
             </a:extLst>
           </p:cNvPr>
@@ -4483,65 +6490,62 @@
         </p:blipFill>
         <p:spPr>
           <a:xfrm>
-            <a:off x="8310196" y="4652872"/>
-            <a:ext cx="3276600" cy="314325"/>
+            <a:off x="1201218" y="4687286"/>
+            <a:ext cx="3051167" cy="531705"/>
           </a:xfrm>
           <a:prstGeom prst="rect">
             <a:avLst/>
           </a:prstGeom>
         </p:spPr>
       </p:pic>
-      <p:sp>
-        <p:nvSpPr>
-          <p:cNvPr id="11" name="ZoneTexte 10">
-            <a:extLst>
-              <a:ext uri="{FF2B5EF4-FFF2-40B4-BE49-F238E27FC236}">
-                <a16:creationId xmlns:a16="http://schemas.microsoft.com/office/drawing/2014/main" id="{64585F47-2250-473C-9185-15ED4C98E5FF}"/>
-              </a:ext>
-            </a:extLst>
-          </p:cNvPr>
-          <p:cNvSpPr txBox="1"/>
+      <p:pic>
+        <p:nvPicPr>
+          <p:cNvPr id="14" name="Image 13">
+            <a:extLst>
+              <a:ext uri="{FF2B5EF4-FFF2-40B4-BE49-F238E27FC236}">
+                <a16:creationId xmlns:a16="http://schemas.microsoft.com/office/drawing/2014/main" id="{9D373C1A-61FC-43FE-BFF7-339BC5CBE6E2}"/>
+              </a:ext>
+            </a:extLst>
+          </p:cNvPr>
+          <p:cNvPicPr>
+            <a:picLocks noChangeAspect="1"/>
+          </p:cNvPicPr>
           <p:nvPr/>
-        </p:nvSpPr>
-        <p:spPr>
-          <a:xfrm>
-            <a:off x="568355" y="5633538"/>
-            <a:ext cx="11227817" cy="369332"/>
+        </p:nvPicPr>
+        <p:blipFill>
+          <a:blip r:embed="rId5"/>
+          <a:stretch>
+            <a:fillRect/>
+          </a:stretch>
+        </p:blipFill>
+        <p:spPr>
+          <a:xfrm>
+            <a:off x="8793349" y="4796648"/>
+            <a:ext cx="2813945" cy="269942"/>
           </a:xfrm>
           <a:prstGeom prst="rect">
             <a:avLst/>
           </a:prstGeom>
-          <a:noFill/>
-        </p:spPr>
-        <p:txBody>
-          <a:bodyPr wrap="none" rtlCol="0">
-            <a:spAutoFit/>
-          </a:bodyPr>
-          <a:lstStyle/>
-          <a:p>
-            <a:r>
-              <a:rPr lang="fr-FR" dirty="0"/>
-              <a:t>Il vaut mieux utiliser des noms de fichiers explicites comme « contact.html » dans le cas d’une page de prise de contact</a:t>
-            </a:r>
-          </a:p>
-        </p:txBody>
-      </p:sp>
+        </p:spPr>
+      </p:pic>
       <p:cxnSp>
         <p:nvCxnSpPr>
-          <p:cNvPr id="12" name="Connecteur droit avec flèche 11">
-            <a:extLst>
-              <a:ext uri="{FF2B5EF4-FFF2-40B4-BE49-F238E27FC236}">
-                <a16:creationId xmlns:a16="http://schemas.microsoft.com/office/drawing/2014/main" id="{8150A3C6-174D-484E-91C6-C8D530FFAE15}"/>
-              </a:ext>
-            </a:extLst>
-          </p:cNvPr>
-          <p:cNvCxnSpPr/>
+          <p:cNvPr id="17" name="Connecteur droit avec flèche 16">
+            <a:extLst>
+              <a:ext uri="{FF2B5EF4-FFF2-40B4-BE49-F238E27FC236}">
+                <a16:creationId xmlns:a16="http://schemas.microsoft.com/office/drawing/2014/main" id="{0B56B144-10E7-4AF5-92DD-552D259DB6C4}"/>
+              </a:ext>
+            </a:extLst>
+          </p:cNvPr>
+          <p:cNvCxnSpPr>
+            <a:cxnSpLocks/>
+          </p:cNvCxnSpPr>
           <p:nvPr/>
         </p:nvCxnSpPr>
         <p:spPr>
           <a:xfrm>
-            <a:off x="4436322" y="4874413"/>
-            <a:ext cx="3666478" cy="0"/>
+            <a:off x="4974527" y="4973806"/>
+            <a:ext cx="3148772" cy="0"/>
           </a:xfrm>
           <a:prstGeom prst="straightConnector1">
             <a:avLst/>
@@ -4567,112 +6571,44 @@
       </p:cxnSp>
       <p:sp>
         <p:nvSpPr>
-          <p:cNvPr id="13" name="Rectangle 12">
-            <a:extLst>
-              <a:ext uri="{FF2B5EF4-FFF2-40B4-BE49-F238E27FC236}">
-                <a16:creationId xmlns:a16="http://schemas.microsoft.com/office/drawing/2014/main" id="{12BC9BC2-576F-4B49-9DC3-03EA5081DBC4}"/>
-              </a:ext>
-            </a:extLst>
-          </p:cNvPr>
-          <p:cNvSpPr/>
+          <p:cNvPr id="18" name="ZoneTexte 17">
+            <a:extLst>
+              <a:ext uri="{FF2B5EF4-FFF2-40B4-BE49-F238E27FC236}">
+                <a16:creationId xmlns:a16="http://schemas.microsoft.com/office/drawing/2014/main" id="{C0345AEF-691F-43F3-BA52-D3448EAEE65F}"/>
+              </a:ext>
+            </a:extLst>
+          </p:cNvPr>
+          <p:cNvSpPr txBox="1"/>
           <p:nvPr/>
         </p:nvSpPr>
         <p:spPr>
           <a:xfrm>
-            <a:off x="395828" y="232913"/>
-            <a:ext cx="11400343" cy="3127682"/>
+            <a:off x="1550330" y="5653507"/>
+            <a:ext cx="9803470" cy="646331"/>
           </a:xfrm>
           <a:prstGeom prst="rect">
             <a:avLst/>
           </a:prstGeom>
           <a:noFill/>
-          <a:ln w="19050">
-            <a:solidFill>
-              <a:schemeClr val="tx1"/>
-            </a:solidFill>
-          </a:ln>
-        </p:spPr>
-        <p:style>
-          <a:lnRef idx="2">
-            <a:schemeClr val="accent1">
-              <a:shade val="50000"/>
-            </a:schemeClr>
-          </a:lnRef>
-          <a:fillRef idx="1">
-            <a:schemeClr val="accent1"/>
-          </a:fillRef>
-          <a:effectRef idx="0">
-            <a:schemeClr val="accent1"/>
-          </a:effectRef>
-          <a:fontRef idx="minor">
-            <a:schemeClr val="lt1"/>
-          </a:fontRef>
-        </p:style>
-        <p:txBody>
-          <a:bodyPr rtlCol="0" anchor="ctr"/>
+        </p:spPr>
+        <p:txBody>
+          <a:bodyPr wrap="square" rtlCol="0">
+            <a:spAutoFit/>
+          </a:bodyPr>
           <a:lstStyle/>
           <a:p>
             <a:pPr algn="ctr"/>
-            <a:endParaRPr lang="fr-FR"/>
-          </a:p>
-        </p:txBody>
-      </p:sp>
-      <p:sp>
-        <p:nvSpPr>
-          <p:cNvPr id="14" name="Rectangle 13">
-            <a:extLst>
-              <a:ext uri="{FF2B5EF4-FFF2-40B4-BE49-F238E27FC236}">
-                <a16:creationId xmlns:a16="http://schemas.microsoft.com/office/drawing/2014/main" id="{1ACF38A2-FC28-4993-8A45-0D53DE34AAAA}"/>
-              </a:ext>
-            </a:extLst>
-          </p:cNvPr>
-          <p:cNvSpPr/>
-          <p:nvPr/>
-        </p:nvSpPr>
-        <p:spPr>
-          <a:xfrm>
-            <a:off x="395828" y="4071668"/>
-            <a:ext cx="11400344" cy="2313544"/>
-          </a:xfrm>
-          <a:prstGeom prst="rect">
-            <a:avLst/>
-          </a:prstGeom>
-          <a:noFill/>
-          <a:ln w="19050">
-            <a:solidFill>
-              <a:schemeClr val="tx1"/>
-            </a:solidFill>
-          </a:ln>
-        </p:spPr>
-        <p:style>
-          <a:lnRef idx="2">
-            <a:schemeClr val="accent1">
-              <a:shade val="50000"/>
-            </a:schemeClr>
-          </a:lnRef>
-          <a:fillRef idx="1">
-            <a:schemeClr val="accent1"/>
-          </a:fillRef>
-          <a:effectRef idx="0">
-            <a:schemeClr val="accent1"/>
-          </a:effectRef>
-          <a:fontRef idx="minor">
-            <a:schemeClr val="lt1"/>
-          </a:fontRef>
-        </p:style>
-        <p:txBody>
-          <a:bodyPr rtlCol="0" anchor="ctr"/>
-          <a:lstStyle/>
-          <a:p>
-            <a:pPr algn="ctr"/>
-            <a:endParaRPr lang="fr-FR"/>
+            <a:r>
+              <a:rPr lang="fr-FR" dirty="0"/>
+              <a:t>Il vaut mieux utiliser des noms de fichiers explicites comme « contact.html » dans le cas d’une page de prise de contact</a:t>
+            </a:r>
           </a:p>
         </p:txBody>
       </p:sp>
     </p:spTree>
     <p:extLst>
       <p:ext uri="{BB962C8B-B14F-4D97-AF65-F5344CB8AC3E}">
-        <p14:creationId xmlns:p14="http://schemas.microsoft.com/office/powerpoint/2010/main" val="3663817093"/>
+        <p14:creationId xmlns:p14="http://schemas.microsoft.com/office/powerpoint/2010/main" val="3208824687"/>
       </p:ext>
     </p:extLst>
   </p:cSld>
@@ -4699,12 +6635,95 @@
           <a:chExt cx="0" cy="0"/>
         </a:xfrm>
       </p:grpSpPr>
+      <p:sp>
+        <p:nvSpPr>
+          <p:cNvPr id="2" name="Titre 1">
+            <a:extLst>
+              <a:ext uri="{FF2B5EF4-FFF2-40B4-BE49-F238E27FC236}">
+                <a16:creationId xmlns:a16="http://schemas.microsoft.com/office/drawing/2014/main" id="{38A6D995-7FD0-4780-8D27-6FD78A16E792}"/>
+              </a:ext>
+            </a:extLst>
+          </p:cNvPr>
+          <p:cNvSpPr>
+            <a:spLocks noGrp="1"/>
+          </p:cNvSpPr>
+          <p:nvPr>
+            <p:ph type="title"/>
+          </p:nvPr>
+        </p:nvSpPr>
+        <p:spPr/>
+        <p:txBody>
+          <a:bodyPr/>
+          <a:lstStyle/>
+          <a:p>
+            <a:pPr algn="ctr"/>
+            <a:r>
+              <a:rPr lang="fr-FR" dirty="0"/>
+              <a:t>Recommandation 1 :</a:t>
+            </a:r>
+          </a:p>
+        </p:txBody>
+      </p:sp>
+      <p:sp>
+        <p:nvSpPr>
+          <p:cNvPr id="3" name="Espace réservé du contenu 2">
+            <a:extLst>
+              <a:ext uri="{FF2B5EF4-FFF2-40B4-BE49-F238E27FC236}">
+                <a16:creationId xmlns:a16="http://schemas.microsoft.com/office/drawing/2014/main" id="{91C62D16-7783-41DA-A384-0C88C0E185AD}"/>
+              </a:ext>
+            </a:extLst>
+          </p:cNvPr>
+          <p:cNvSpPr>
+            <a:spLocks noGrp="1"/>
+          </p:cNvSpPr>
+          <p:nvPr>
+            <p:ph idx="1"/>
+          </p:nvPr>
+        </p:nvSpPr>
+        <p:spPr/>
+        <p:txBody>
+          <a:bodyPr/>
+          <a:lstStyle/>
+          <a:p>
+            <a:r>
+              <a:rPr lang="fr-FR" dirty="0"/>
+              <a:t>Problème : Les pages doivent être indexées sur Google</a:t>
+            </a:r>
+          </a:p>
+          <a:p>
+            <a:endParaRPr lang="fr-FR" dirty="0"/>
+          </a:p>
+          <a:p>
+            <a:r>
+              <a:rPr lang="fr-FR" dirty="0"/>
+              <a:t>Recommandation : créer un balise ‘’</a:t>
+            </a:r>
+            <a:r>
+              <a:rPr lang="fr-FR" dirty="0" err="1"/>
+              <a:t>meta</a:t>
+            </a:r>
+            <a:r>
+              <a:rPr lang="fr-FR" dirty="0"/>
+              <a:t> robots’’</a:t>
+            </a:r>
+          </a:p>
+          <a:p>
+            <a:endParaRPr lang="fr-FR" dirty="0"/>
+          </a:p>
+          <a:p>
+            <a:r>
+              <a:rPr lang="fr-FR" dirty="0"/>
+              <a:t>Solution : </a:t>
+            </a:r>
+          </a:p>
+        </p:txBody>
+      </p:sp>
       <p:pic>
         <p:nvPicPr>
           <p:cNvPr id="5" name="Image 4">
             <a:extLst>
               <a:ext uri="{FF2B5EF4-FFF2-40B4-BE49-F238E27FC236}">
-                <a16:creationId xmlns:a16="http://schemas.microsoft.com/office/drawing/2014/main" id="{8EF9AF0C-2A5F-4E9E-BCBE-3B79B84725C8}"/>
+                <a16:creationId xmlns:a16="http://schemas.microsoft.com/office/drawing/2014/main" id="{9DBD42EE-A747-4898-9528-F10D8072C6EB}"/>
               </a:ext>
             </a:extLst>
           </p:cNvPr>
@@ -4721,62 +6740,18 @@
         </p:blipFill>
         <p:spPr>
           <a:xfrm>
-            <a:off x="221865" y="248548"/>
-            <a:ext cx="6883425" cy="6360903"/>
+            <a:off x="969042" y="4699585"/>
+            <a:ext cx="10064089" cy="646138"/>
           </a:xfrm>
           <a:prstGeom prst="rect">
             <a:avLst/>
           </a:prstGeom>
         </p:spPr>
       </p:pic>
-      <p:sp>
-        <p:nvSpPr>
-          <p:cNvPr id="6" name="ZoneTexte 5">
-            <a:extLst>
-              <a:ext uri="{FF2B5EF4-FFF2-40B4-BE49-F238E27FC236}">
-                <a16:creationId xmlns:a16="http://schemas.microsoft.com/office/drawing/2014/main" id="{A4894E58-23D4-40DB-B5D8-AF8D44BC0605}"/>
-              </a:ext>
-            </a:extLst>
-          </p:cNvPr>
-          <p:cNvSpPr txBox="1"/>
-          <p:nvPr/>
-        </p:nvSpPr>
-        <p:spPr>
-          <a:xfrm>
-            <a:off x="7342908" y="2023226"/>
-            <a:ext cx="4546625" cy="1754326"/>
-          </a:xfrm>
-          <a:prstGeom prst="rect">
-            <a:avLst/>
-          </a:prstGeom>
-          <a:noFill/>
-        </p:spPr>
-        <p:txBody>
-          <a:bodyPr wrap="square" rtlCol="0">
-            <a:spAutoFit/>
-          </a:bodyPr>
-          <a:lstStyle/>
-          <a:p>
-            <a:r>
-              <a:rPr lang="fr-FR" dirty="0"/>
-              <a:t>La section ‘’partenaires’’ et ‘’ annuaires’’ n’est pas dans le thème de l’entreprise</a:t>
-            </a:r>
-          </a:p>
-          <a:p>
-            <a:endParaRPr lang="fr-FR" dirty="0"/>
-          </a:p>
-          <a:p>
-            <a:r>
-              <a:rPr lang="fr-FR" dirty="0"/>
-              <a:t>Démarcher des partenaires dans le même secteur pourrait être un bon moyen d’augmenter la visibilité</a:t>
-            </a:r>
-          </a:p>
-        </p:txBody>
-      </p:sp>
     </p:spTree>
     <p:extLst>
       <p:ext uri="{BB962C8B-B14F-4D97-AF65-F5344CB8AC3E}">
-        <p14:creationId xmlns:p14="http://schemas.microsoft.com/office/powerpoint/2010/main" val="148446277"/>
+        <p14:creationId xmlns:p14="http://schemas.microsoft.com/office/powerpoint/2010/main" val="386266208"/>
       </p:ext>
     </p:extLst>
   </p:cSld>
@@ -4808,7 +6783,7 @@
           <p:cNvPr id="2" name="Titre 1">
             <a:extLst>
               <a:ext uri="{FF2B5EF4-FFF2-40B4-BE49-F238E27FC236}">
-                <a16:creationId xmlns:a16="http://schemas.microsoft.com/office/drawing/2014/main" id="{0B6ADC62-68B4-4249-84D3-6CE28F880CC0}"/>
+                <a16:creationId xmlns:a16="http://schemas.microsoft.com/office/drawing/2014/main" id="{319F856A-A433-45CA-8E30-0BAAC5DD7482}"/>
               </a:ext>
             </a:extLst>
           </p:cNvPr>
@@ -4819,81 +6794,93 @@
             <p:ph type="title"/>
           </p:nvPr>
         </p:nvSpPr>
-        <p:spPr>
-          <a:xfrm>
-            <a:off x="838200" y="374362"/>
-            <a:ext cx="10515600" cy="1325563"/>
-          </a:xfrm>
-        </p:spPr>
+        <p:spPr/>
         <p:txBody>
           <a:bodyPr/>
           <a:lstStyle/>
           <a:p>
-            <a:pPr algn="ctr"/>
+            <a:r>
+              <a:rPr lang="fr-FR" dirty="0" err="1"/>
+              <a:t>Recomandation</a:t>
+            </a:r>
             <a:r>
               <a:rPr lang="fr-FR" dirty="0"/>
-              <a:t>Remplacement des images par du texte</a:t>
-            </a:r>
-          </a:p>
-        </p:txBody>
-      </p:sp>
-      <p:sp>
-        <p:nvSpPr>
-          <p:cNvPr id="4" name="ZoneTexte 3">
-            <a:extLst>
-              <a:ext uri="{FF2B5EF4-FFF2-40B4-BE49-F238E27FC236}">
-                <a16:creationId xmlns:a16="http://schemas.microsoft.com/office/drawing/2014/main" id="{C140A3B3-B3F1-450C-A341-2AD5F41E1B88}"/>
-              </a:ext>
-            </a:extLst>
-          </p:cNvPr>
-          <p:cNvSpPr txBox="1"/>
-          <p:nvPr/>
-        </p:nvSpPr>
-        <p:spPr>
-          <a:xfrm>
-            <a:off x="526472" y="1807548"/>
-            <a:ext cx="11139055" cy="646331"/>
-          </a:xfrm>
-          <a:prstGeom prst="rect">
-            <a:avLst/>
-          </a:prstGeom>
-          <a:noFill/>
-        </p:spPr>
-        <p:txBody>
-          <a:bodyPr wrap="square" rtlCol="0">
-            <a:spAutoFit/>
-          </a:bodyPr>
-          <a:lstStyle/>
-          <a:p>
-            <a:pPr algn="ctr"/>
+              <a:t> 2 :</a:t>
+            </a:r>
+          </a:p>
+        </p:txBody>
+      </p:sp>
+      <p:sp>
+        <p:nvSpPr>
+          <p:cNvPr id="3" name="Espace réservé du contenu 2">
+            <a:extLst>
+              <a:ext uri="{FF2B5EF4-FFF2-40B4-BE49-F238E27FC236}">
+                <a16:creationId xmlns:a16="http://schemas.microsoft.com/office/drawing/2014/main" id="{2D666FC1-BE1A-466E-B9AE-931495C757C1}"/>
+              </a:ext>
+            </a:extLst>
+          </p:cNvPr>
+          <p:cNvSpPr>
+            <a:spLocks noGrp="1"/>
+          </p:cNvSpPr>
+          <p:nvPr>
+            <p:ph idx="1"/>
+          </p:nvPr>
+        </p:nvSpPr>
+        <p:spPr/>
+        <p:txBody>
+          <a:bodyPr/>
+          <a:lstStyle/>
+          <a:p>
             <a:r>
               <a:rPr lang="fr-FR" dirty="0"/>
-              <a:t>Certaines parties du site web sont des images avec du texte a l’</a:t>
+              <a:t>Problème : L’attribut ‘’</a:t>
             </a:r>
             <a:r>
               <a:rPr lang="fr-FR" dirty="0" err="1"/>
-              <a:t>interieur</a:t>
+              <a:t>lang</a:t>
             </a:r>
             <a:r>
               <a:rPr lang="fr-FR" dirty="0"/>
-              <a:t>, </a:t>
-            </a:r>
-          </a:p>
-          <a:p>
-            <a:pPr algn="ctr"/>
+              <a:t>’’ doit être dans la même langue que le site web pour que le bot comprenne le contenu des pages.</a:t>
+            </a:r>
+          </a:p>
+          <a:p>
+            <a:endParaRPr lang="fr-FR" dirty="0"/>
+          </a:p>
+          <a:p>
             <a:r>
               <a:rPr lang="fr-FR" dirty="0"/>
-              <a:t>ce qui consomme des ressources et rend le site plus lourd et long a charger,</a:t>
-            </a:r>
+              <a:t>Recommandation : Changer la valeur  ‘’Default’’ par ‘’</a:t>
+            </a:r>
+            <a:r>
+              <a:rPr lang="fr-FR" dirty="0" err="1"/>
+              <a:t>fr</a:t>
+            </a:r>
+            <a:r>
+              <a:rPr lang="fr-FR" dirty="0"/>
+              <a:t>’’</a:t>
+            </a:r>
+          </a:p>
+          <a:p>
+            <a:endParaRPr lang="fr-FR" dirty="0"/>
+          </a:p>
+          <a:p>
+            <a:r>
+              <a:rPr lang="fr-FR" dirty="0"/>
+              <a:t>Solution : </a:t>
+            </a:r>
+          </a:p>
+          <a:p>
+            <a:endParaRPr lang="fr-FR" dirty="0"/>
           </a:p>
         </p:txBody>
       </p:sp>
       <p:pic>
         <p:nvPicPr>
-          <p:cNvPr id="7" name="Image 6">
-            <a:extLst>
-              <a:ext uri="{FF2B5EF4-FFF2-40B4-BE49-F238E27FC236}">
-                <a16:creationId xmlns:a16="http://schemas.microsoft.com/office/drawing/2014/main" id="{E8A80AD4-DE4F-4BFE-B2B5-52C98D58C168}"/>
+          <p:cNvPr id="5" name="Image 4">
+            <a:extLst>
+              <a:ext uri="{FF2B5EF4-FFF2-40B4-BE49-F238E27FC236}">
+                <a16:creationId xmlns:a16="http://schemas.microsoft.com/office/drawing/2014/main" id="{CDD83FD0-02BC-431A-90DB-C94AB61A3D1B}"/>
               </a:ext>
             </a:extLst>
           </p:cNvPr>
@@ -4910,8 +6897,8 @@
         </p:blipFill>
         <p:spPr>
           <a:xfrm>
-            <a:off x="1040465" y="5152262"/>
-            <a:ext cx="2819400" cy="600075"/>
+            <a:off x="1071707" y="5318413"/>
+            <a:ext cx="2419350" cy="266700"/>
           </a:xfrm>
           <a:prstGeom prst="rect">
             <a:avLst/>
@@ -4920,10 +6907,10 @@
       </p:pic>
       <p:pic>
         <p:nvPicPr>
-          <p:cNvPr id="9" name="Image 8">
-            <a:extLst>
-              <a:ext uri="{FF2B5EF4-FFF2-40B4-BE49-F238E27FC236}">
-                <a16:creationId xmlns:a16="http://schemas.microsoft.com/office/drawing/2014/main" id="{9FD88480-25CC-4241-9532-688F031234B2}"/>
+          <p:cNvPr id="7" name="Image 6">
+            <a:extLst>
+              <a:ext uri="{FF2B5EF4-FFF2-40B4-BE49-F238E27FC236}">
+                <a16:creationId xmlns:a16="http://schemas.microsoft.com/office/drawing/2014/main" id="{8FEE43DA-061E-4A28-8DAD-6D505C835965}"/>
               </a:ext>
             </a:extLst>
           </p:cNvPr>
@@ -4940,84 +6927,59 @@
         </p:blipFill>
         <p:spPr>
           <a:xfrm>
-            <a:off x="1300161" y="2905339"/>
-            <a:ext cx="9591675" cy="1895475"/>
+            <a:off x="7249680" y="5283777"/>
+            <a:ext cx="1885950" cy="266700"/>
           </a:xfrm>
           <a:prstGeom prst="rect">
             <a:avLst/>
           </a:prstGeom>
         </p:spPr>
       </p:pic>
-      <p:pic>
-        <p:nvPicPr>
-          <p:cNvPr id="13" name="Image 12">
-            <a:extLst>
-              <a:ext uri="{FF2B5EF4-FFF2-40B4-BE49-F238E27FC236}">
-                <a16:creationId xmlns:a16="http://schemas.microsoft.com/office/drawing/2014/main" id="{BC9CC1ED-F117-4493-8038-2849C4BC2BC9}"/>
-              </a:ext>
-            </a:extLst>
-          </p:cNvPr>
-          <p:cNvPicPr>
-            <a:picLocks noChangeAspect="1"/>
-          </p:cNvPicPr>
+      <p:cxnSp>
+        <p:nvCxnSpPr>
+          <p:cNvPr id="9" name="Connecteur droit avec flèche 8">
+            <a:extLst>
+              <a:ext uri="{FF2B5EF4-FFF2-40B4-BE49-F238E27FC236}">
+                <a16:creationId xmlns:a16="http://schemas.microsoft.com/office/drawing/2014/main" id="{DD305F86-BB48-409F-A3AD-6151F28DC478}"/>
+              </a:ext>
+            </a:extLst>
+          </p:cNvPr>
+          <p:cNvCxnSpPr>
+            <a:cxnSpLocks/>
+          </p:cNvCxnSpPr>
           <p:nvPr/>
-        </p:nvPicPr>
-        <p:blipFill>
-          <a:blip r:embed="rId4"/>
-          <a:stretch>
-            <a:fillRect/>
-          </a:stretch>
-        </p:blipFill>
-        <p:spPr>
-          <a:xfrm>
-            <a:off x="4294397" y="5296538"/>
-            <a:ext cx="7143750" cy="266700"/>
-          </a:xfrm>
-          <a:prstGeom prst="rect">
+        </p:nvCxnSpPr>
+        <p:spPr>
+          <a:xfrm>
+            <a:off x="3768436" y="5451763"/>
+            <a:ext cx="3003300" cy="0"/>
+          </a:xfrm>
+          <a:prstGeom prst="straightConnector1">
             <a:avLst/>
           </a:prstGeom>
-        </p:spPr>
-      </p:pic>
-      <p:sp>
-        <p:nvSpPr>
-          <p:cNvPr id="14" name="ZoneTexte 13">
-            <a:extLst>
-              <a:ext uri="{FF2B5EF4-FFF2-40B4-BE49-F238E27FC236}">
-                <a16:creationId xmlns:a16="http://schemas.microsoft.com/office/drawing/2014/main" id="{24C4077A-2DF2-4FCC-BAB2-67A58775429D}"/>
-              </a:ext>
-            </a:extLst>
-          </p:cNvPr>
-          <p:cNvSpPr txBox="1"/>
-          <p:nvPr/>
-        </p:nvSpPr>
-        <p:spPr>
-          <a:xfrm>
-            <a:off x="2645809" y="6010789"/>
-            <a:ext cx="7032567" cy="369332"/>
-          </a:xfrm>
-          <a:prstGeom prst="rect">
-            <a:avLst/>
-          </a:prstGeom>
-          <a:noFill/>
-        </p:spPr>
-        <p:txBody>
-          <a:bodyPr wrap="none" rtlCol="0">
-            <a:spAutoFit/>
-          </a:bodyPr>
-          <a:lstStyle/>
-          <a:p>
-            <a:pPr algn="ctr"/>
-            <a:r>
-              <a:rPr lang="fr-FR" dirty="0"/>
-              <a:t>Suppression et remplacement par du contenu HTML, plus léger a charger</a:t>
-            </a:r>
-          </a:p>
-        </p:txBody>
-      </p:sp>
+          <a:ln>
+            <a:tailEnd type="triangle"/>
+          </a:ln>
+        </p:spPr>
+        <p:style>
+          <a:lnRef idx="1">
+            <a:schemeClr val="accent1"/>
+          </a:lnRef>
+          <a:fillRef idx="0">
+            <a:schemeClr val="accent1"/>
+          </a:fillRef>
+          <a:effectRef idx="0">
+            <a:schemeClr val="accent1"/>
+          </a:effectRef>
+          <a:fontRef idx="minor">
+            <a:schemeClr val="tx1"/>
+          </a:fontRef>
+        </p:style>
+      </p:cxnSp>
     </p:spTree>
     <p:extLst>
       <p:ext uri="{BB962C8B-B14F-4D97-AF65-F5344CB8AC3E}">
-        <p14:creationId xmlns:p14="http://schemas.microsoft.com/office/powerpoint/2010/main" val="2927414820"/>
+        <p14:creationId xmlns:p14="http://schemas.microsoft.com/office/powerpoint/2010/main" val="4154033882"/>
       </p:ext>
     </p:extLst>
   </p:cSld>
@@ -5046,10 +7008,10 @@
       </p:grpSpPr>
       <p:sp>
         <p:nvSpPr>
-          <p:cNvPr id="8" name="Titre 1">
-            <a:extLst>
-              <a:ext uri="{FF2B5EF4-FFF2-40B4-BE49-F238E27FC236}">
-                <a16:creationId xmlns:a16="http://schemas.microsoft.com/office/drawing/2014/main" id="{7F80AC69-30DD-423A-802B-41A249125533}"/>
+          <p:cNvPr id="2" name="Titre 1">
+            <a:extLst>
+              <a:ext uri="{FF2B5EF4-FFF2-40B4-BE49-F238E27FC236}">
+                <a16:creationId xmlns:a16="http://schemas.microsoft.com/office/drawing/2014/main" id="{981E50E2-4DCB-437C-BF96-802B0945BF3D}"/>
               </a:ext>
             </a:extLst>
           </p:cNvPr>
@@ -5060,30 +7022,86 @@
             <p:ph type="title"/>
           </p:nvPr>
         </p:nvSpPr>
-        <p:spPr>
-          <a:xfrm>
-            <a:off x="838200" y="115570"/>
-            <a:ext cx="10515600" cy="1325563"/>
-          </a:xfrm>
-        </p:spPr>
+        <p:spPr/>
         <p:txBody>
           <a:bodyPr/>
           <a:lstStyle/>
           <a:p>
-            <a:pPr algn="ctr"/>
             <a:r>
               <a:rPr lang="fr-FR" dirty="0"/>
-              <a:t>Ajustements des tailles d’images trop grandes</a:t>
+              <a:t>Recommandation 3  :</a:t>
+            </a:r>
+          </a:p>
+        </p:txBody>
+      </p:sp>
+      <p:sp>
+        <p:nvSpPr>
+          <p:cNvPr id="3" name="Espace réservé du contenu 2">
+            <a:extLst>
+              <a:ext uri="{FF2B5EF4-FFF2-40B4-BE49-F238E27FC236}">
+                <a16:creationId xmlns:a16="http://schemas.microsoft.com/office/drawing/2014/main" id="{94BBED8F-087D-4662-A658-B0DDE05B7B57}"/>
+              </a:ext>
+            </a:extLst>
+          </p:cNvPr>
+          <p:cNvSpPr>
+            <a:spLocks noGrp="1"/>
+          </p:cNvSpPr>
+          <p:nvPr>
+            <p:ph idx="1"/>
+          </p:nvPr>
+        </p:nvSpPr>
+        <p:spPr/>
+        <p:txBody>
+          <a:bodyPr/>
+          <a:lstStyle/>
+          <a:p>
+            <a:r>
+              <a:rPr lang="fr-FR" dirty="0"/>
+              <a:t>Problème : Les robots de Google mettent trop de temps pour lire les fichiers du site</a:t>
+            </a:r>
+          </a:p>
+          <a:p>
+            <a:endParaRPr lang="fr-FR" dirty="0"/>
+          </a:p>
+          <a:p>
+            <a:r>
+              <a:rPr lang="fr-FR" dirty="0"/>
+              <a:t>Recommandation : Ajouter ‘’</a:t>
+            </a:r>
+            <a:r>
+              <a:rPr lang="fr-FR" dirty="0" err="1"/>
+              <a:t>async</a:t>
+            </a:r>
+            <a:r>
+              <a:rPr lang="fr-FR" dirty="0"/>
+              <a:t>’’ ou ‘’</a:t>
+            </a:r>
+            <a:r>
+              <a:rPr lang="fr-FR" dirty="0" err="1"/>
+              <a:t>defer</a:t>
+            </a:r>
+            <a:r>
+              <a:rPr lang="fr-FR" dirty="0"/>
+              <a:t>’’ pour les fichier JS pour indiquer à Google de les lire après l’affichage de la page</a:t>
+            </a:r>
+          </a:p>
+          <a:p>
+            <a:endParaRPr lang="fr-FR" dirty="0"/>
+          </a:p>
+          <a:p>
+            <a:r>
+              <a:rPr lang="fr-FR" dirty="0"/>
+              <a:t>Solution : </a:t>
             </a:r>
           </a:p>
         </p:txBody>
       </p:sp>
       <p:pic>
         <p:nvPicPr>
-          <p:cNvPr id="10" name="Image 9">
-            <a:extLst>
-              <a:ext uri="{FF2B5EF4-FFF2-40B4-BE49-F238E27FC236}">
-                <a16:creationId xmlns:a16="http://schemas.microsoft.com/office/drawing/2014/main" id="{80464C9A-B7F2-49B1-B687-268638B92D96}"/>
+          <p:cNvPr id="5" name="Image 4">
+            <a:extLst>
+              <a:ext uri="{FF2B5EF4-FFF2-40B4-BE49-F238E27FC236}">
+                <a16:creationId xmlns:a16="http://schemas.microsoft.com/office/drawing/2014/main" id="{960DA1E9-DF4E-46AF-B71C-305488460929}"/>
               </a:ext>
             </a:extLst>
           </p:cNvPr>
@@ -5100,8 +7118,8 @@
         </p:blipFill>
         <p:spPr>
           <a:xfrm>
-            <a:off x="1743364" y="1293351"/>
-            <a:ext cx="1162050" cy="1352550"/>
+            <a:off x="838200" y="5178425"/>
+            <a:ext cx="5590309" cy="1314450"/>
           </a:xfrm>
           <a:prstGeom prst="rect">
             <a:avLst/>
@@ -5110,10 +7128,10 @@
       </p:pic>
       <p:pic>
         <p:nvPicPr>
-          <p:cNvPr id="12" name="Image 11">
-            <a:extLst>
-              <a:ext uri="{FF2B5EF4-FFF2-40B4-BE49-F238E27FC236}">
-                <a16:creationId xmlns:a16="http://schemas.microsoft.com/office/drawing/2014/main" id="{A34DEEB8-84FF-4CC2-9844-620818A2C9C9}"/>
+          <p:cNvPr id="7" name="Image 6">
+            <a:extLst>
+              <a:ext uri="{FF2B5EF4-FFF2-40B4-BE49-F238E27FC236}">
+                <a16:creationId xmlns:a16="http://schemas.microsoft.com/office/drawing/2014/main" id="{2B7D6055-746B-4B65-A88B-9178689C32B8}"/>
               </a:ext>
             </a:extLst>
           </p:cNvPr>
@@ -5130,224 +7148,18 @@
         </p:blipFill>
         <p:spPr>
           <a:xfrm>
-            <a:off x="1120847" y="2921997"/>
-            <a:ext cx="2419350" cy="266700"/>
+            <a:off x="6767657" y="5126037"/>
+            <a:ext cx="4586143" cy="1419225"/>
           </a:xfrm>
           <a:prstGeom prst="rect">
             <a:avLst/>
           </a:prstGeom>
         </p:spPr>
       </p:pic>
-      <p:pic>
-        <p:nvPicPr>
-          <p:cNvPr id="16" name="Image 15">
-            <a:extLst>
-              <a:ext uri="{FF2B5EF4-FFF2-40B4-BE49-F238E27FC236}">
-                <a16:creationId xmlns:a16="http://schemas.microsoft.com/office/drawing/2014/main" id="{6A53C463-52AA-4BB8-AAA5-896592326268}"/>
-              </a:ext>
-            </a:extLst>
-          </p:cNvPr>
-          <p:cNvPicPr>
-            <a:picLocks noChangeAspect="1"/>
-          </p:cNvPicPr>
-          <p:nvPr/>
-        </p:nvPicPr>
-        <p:blipFill>
-          <a:blip r:embed="rId4"/>
-          <a:stretch>
-            <a:fillRect/>
-          </a:stretch>
-        </p:blipFill>
-        <p:spPr>
-          <a:xfrm>
-            <a:off x="8661544" y="1169397"/>
-            <a:ext cx="2886075" cy="2019300"/>
-          </a:xfrm>
-          <a:prstGeom prst="rect">
-            <a:avLst/>
-          </a:prstGeom>
-        </p:spPr>
-      </p:pic>
-      <p:sp>
-        <p:nvSpPr>
-          <p:cNvPr id="17" name="ZoneTexte 16">
-            <a:extLst>
-              <a:ext uri="{FF2B5EF4-FFF2-40B4-BE49-F238E27FC236}">
-                <a16:creationId xmlns:a16="http://schemas.microsoft.com/office/drawing/2014/main" id="{66A60BC5-108B-4170-90D9-97273D05426A}"/>
-              </a:ext>
-            </a:extLst>
-          </p:cNvPr>
-          <p:cNvSpPr txBox="1"/>
-          <p:nvPr/>
-        </p:nvSpPr>
-        <p:spPr>
-          <a:xfrm>
-            <a:off x="2237668" y="3650647"/>
-            <a:ext cx="7716664" cy="369332"/>
-          </a:xfrm>
-          <a:prstGeom prst="rect">
-            <a:avLst/>
-          </a:prstGeom>
-          <a:noFill/>
-        </p:spPr>
-        <p:txBody>
-          <a:bodyPr wrap="none" rtlCol="0">
-            <a:spAutoFit/>
-          </a:bodyPr>
-          <a:lstStyle/>
-          <a:p>
-            <a:r>
-              <a:rPr lang="fr-FR" dirty="0"/>
-              <a:t>Les dimensions de l’image sont 1003 x 1003 alors que le conteneur fait 270 x 270</a:t>
-            </a:r>
-          </a:p>
-        </p:txBody>
-      </p:sp>
-      <p:sp>
-        <p:nvSpPr>
-          <p:cNvPr id="18" name="ZoneTexte 17">
-            <a:extLst>
-              <a:ext uri="{FF2B5EF4-FFF2-40B4-BE49-F238E27FC236}">
-                <a16:creationId xmlns:a16="http://schemas.microsoft.com/office/drawing/2014/main" id="{1E28B252-CAFF-4066-80B9-BA82D3120C99}"/>
-              </a:ext>
-            </a:extLst>
-          </p:cNvPr>
-          <p:cNvSpPr txBox="1"/>
-          <p:nvPr/>
-        </p:nvSpPr>
-        <p:spPr>
-          <a:xfrm>
-            <a:off x="1982434" y="4225549"/>
-            <a:ext cx="8227132" cy="369332"/>
-          </a:xfrm>
-          <a:prstGeom prst="rect">
-            <a:avLst/>
-          </a:prstGeom>
-          <a:noFill/>
-        </p:spPr>
-        <p:txBody>
-          <a:bodyPr wrap="square" rtlCol="0">
-            <a:spAutoFit/>
-          </a:bodyPr>
-          <a:lstStyle/>
-          <a:p>
-            <a:pPr algn="ctr"/>
-            <a:r>
-              <a:rPr lang="fr-FR" dirty="0"/>
-              <a:t>Cela augmente la taille du fichier et prend plus de temps a charger</a:t>
-            </a:r>
-          </a:p>
-        </p:txBody>
-      </p:sp>
-      <p:sp>
-        <p:nvSpPr>
-          <p:cNvPr id="2" name="ZoneTexte 1">
-            <a:extLst>
-              <a:ext uri="{FF2B5EF4-FFF2-40B4-BE49-F238E27FC236}">
-                <a16:creationId xmlns:a16="http://schemas.microsoft.com/office/drawing/2014/main" id="{9FB03CB8-3881-452D-AB28-D3C076D60065}"/>
-              </a:ext>
-            </a:extLst>
-          </p:cNvPr>
-          <p:cNvSpPr txBox="1"/>
-          <p:nvPr/>
-        </p:nvSpPr>
-        <p:spPr>
-          <a:xfrm>
-            <a:off x="1829624" y="4882010"/>
-            <a:ext cx="9185079" cy="369332"/>
-          </a:xfrm>
-          <a:prstGeom prst="rect">
-            <a:avLst/>
-          </a:prstGeom>
-          <a:noFill/>
-        </p:spPr>
-        <p:txBody>
-          <a:bodyPr wrap="none" rtlCol="0">
-            <a:spAutoFit/>
-          </a:bodyPr>
-          <a:lstStyle/>
-          <a:p>
-            <a:r>
-              <a:rPr lang="fr-FR" dirty="0"/>
-              <a:t>Le fichier « image-de-presentation.bmp » à aussi été convertis en « image-de-presentation.jpg »</a:t>
-            </a:r>
-          </a:p>
-        </p:txBody>
-      </p:sp>
-      <p:sp>
-        <p:nvSpPr>
-          <p:cNvPr id="3" name="ZoneTexte 2">
-            <a:extLst>
-              <a:ext uri="{FF2B5EF4-FFF2-40B4-BE49-F238E27FC236}">
-                <a16:creationId xmlns:a16="http://schemas.microsoft.com/office/drawing/2014/main" id="{A27EF77E-270B-4FFB-92D1-E2F470E13B41}"/>
-              </a:ext>
-            </a:extLst>
-          </p:cNvPr>
-          <p:cNvSpPr txBox="1"/>
-          <p:nvPr/>
-        </p:nvSpPr>
-        <p:spPr>
-          <a:xfrm>
-            <a:off x="3783429" y="5564649"/>
-            <a:ext cx="5035161" cy="369332"/>
-          </a:xfrm>
-          <a:prstGeom prst="rect">
-            <a:avLst/>
-          </a:prstGeom>
-          <a:noFill/>
-        </p:spPr>
-        <p:txBody>
-          <a:bodyPr wrap="none" rtlCol="0">
-            <a:spAutoFit/>
-          </a:bodyPr>
-          <a:lstStyle/>
-          <a:p>
-            <a:r>
-              <a:rPr lang="fr-FR" dirty="0"/>
-              <a:t>Ce qui a réduis considérablement la taille du fichier</a:t>
-            </a:r>
-          </a:p>
-        </p:txBody>
-      </p:sp>
-      <p:sp>
-        <p:nvSpPr>
-          <p:cNvPr id="4" name="ZoneTexte 3">
-            <a:extLst>
-              <a:ext uri="{FF2B5EF4-FFF2-40B4-BE49-F238E27FC236}">
-                <a16:creationId xmlns:a16="http://schemas.microsoft.com/office/drawing/2014/main" id="{63749567-76B2-44E4-8C83-AD152854ED66}"/>
-              </a:ext>
-            </a:extLst>
-          </p:cNvPr>
-          <p:cNvSpPr txBox="1"/>
-          <p:nvPr/>
-        </p:nvSpPr>
-        <p:spPr>
-          <a:xfrm>
-            <a:off x="4748630" y="6119272"/>
-            <a:ext cx="3104761" cy="369332"/>
-          </a:xfrm>
-          <a:prstGeom prst="rect">
-            <a:avLst/>
-          </a:prstGeom>
-          <a:noFill/>
-        </p:spPr>
-        <p:txBody>
-          <a:bodyPr wrap="none" rtlCol="0">
-            <a:spAutoFit/>
-          </a:bodyPr>
-          <a:lstStyle/>
-          <a:p>
-            <a:r>
-              <a:rPr lang="fr-FR" dirty="0"/>
-              <a:t>Voici les tests de comparaison :</a:t>
-            </a:r>
-          </a:p>
-        </p:txBody>
-      </p:sp>
     </p:spTree>
     <p:extLst>
       <p:ext uri="{BB962C8B-B14F-4D97-AF65-F5344CB8AC3E}">
-        <p14:creationId xmlns:p14="http://schemas.microsoft.com/office/powerpoint/2010/main" val="1231453385"/>
+        <p14:creationId xmlns:p14="http://schemas.microsoft.com/office/powerpoint/2010/main" val="2612541294"/>
       </p:ext>
     </p:extLst>
   </p:cSld>
@@ -5376,10 +7188,10 @@
       </p:grpSpPr>
       <p:sp>
         <p:nvSpPr>
-          <p:cNvPr id="2" name="Titre 1">
-            <a:extLst>
-              <a:ext uri="{FF2B5EF4-FFF2-40B4-BE49-F238E27FC236}">
-                <a16:creationId xmlns:a16="http://schemas.microsoft.com/office/drawing/2014/main" id="{E973E640-4E76-47D0-9DB9-2BD9223636CD}"/>
+          <p:cNvPr id="8" name="Titre 1">
+            <a:extLst>
+              <a:ext uri="{FF2B5EF4-FFF2-40B4-BE49-F238E27FC236}">
+                <a16:creationId xmlns:a16="http://schemas.microsoft.com/office/drawing/2014/main" id="{9A9081EA-EBC3-40CD-9062-90D937F1798B}"/>
               </a:ext>
             </a:extLst>
           </p:cNvPr>
@@ -5390,136 +7202,78 @@
             <p:ph type="title"/>
           </p:nvPr>
         </p:nvSpPr>
-        <p:spPr/>
+        <p:spPr>
+          <a:xfrm>
+            <a:off x="838200" y="365125"/>
+            <a:ext cx="10515600" cy="1325563"/>
+          </a:xfrm>
+        </p:spPr>
         <p:txBody>
           <a:bodyPr/>
           <a:lstStyle/>
           <a:p>
-            <a:pPr algn="ctr"/>
             <a:r>
               <a:rPr lang="fr-FR" dirty="0"/>
-              <a:t>Analyses avant modifications : </a:t>
-            </a:r>
-            <a:br>
+              <a:t>Recommandation 4 :</a:t>
+            </a:r>
+          </a:p>
+        </p:txBody>
+      </p:sp>
+      <p:sp>
+        <p:nvSpPr>
+          <p:cNvPr id="9" name="Espace réservé du contenu 2">
+            <a:extLst>
+              <a:ext uri="{FF2B5EF4-FFF2-40B4-BE49-F238E27FC236}">
+                <a16:creationId xmlns:a16="http://schemas.microsoft.com/office/drawing/2014/main" id="{1AAF9DF4-A6BF-4BCC-8178-FB9A91FBBB17}"/>
+              </a:ext>
+            </a:extLst>
+          </p:cNvPr>
+          <p:cNvSpPr>
+            <a:spLocks noGrp="1"/>
+          </p:cNvSpPr>
+          <p:nvPr>
+            <p:ph idx="1"/>
+          </p:nvPr>
+        </p:nvSpPr>
+        <p:spPr>
+          <a:xfrm>
+            <a:off x="838200" y="1731963"/>
+            <a:ext cx="10515600" cy="4351338"/>
+          </a:xfrm>
+        </p:spPr>
+        <p:txBody>
+          <a:bodyPr/>
+          <a:lstStyle/>
+          <a:p>
+            <a:r>
               <a:rPr lang="fr-FR" dirty="0"/>
-            </a:br>
+              <a:t>Problème : Mots cachés dans le site a différents endroits, risque de se faire ‘’blacklister’’ par les bots de référencements qui considèrent cette technique comme du ‘’black-</a:t>
+            </a:r>
+            <a:r>
+              <a:rPr lang="fr-FR" dirty="0" err="1"/>
+              <a:t>hat</a:t>
+            </a:r>
+            <a:r>
+              <a:rPr lang="fr-FR" dirty="0"/>
+              <a:t>’’</a:t>
+            </a:r>
+          </a:p>
+          <a:p>
             <a:endParaRPr lang="fr-FR" dirty="0"/>
           </a:p>
-        </p:txBody>
-      </p:sp>
-      <p:pic>
-        <p:nvPicPr>
-          <p:cNvPr id="5" name="Espace réservé du contenu 4">
-            <a:extLst>
-              <a:ext uri="{FF2B5EF4-FFF2-40B4-BE49-F238E27FC236}">
-                <a16:creationId xmlns:a16="http://schemas.microsoft.com/office/drawing/2014/main" id="{8B230A3D-91BF-4C9F-A467-FB13022D0FEA}"/>
-              </a:ext>
-            </a:extLst>
-          </p:cNvPr>
-          <p:cNvPicPr>
-            <a:picLocks noGrp="1" noChangeAspect="1"/>
-          </p:cNvPicPr>
-          <p:nvPr>
-            <p:ph idx="1"/>
-          </p:nvPr>
-        </p:nvPicPr>
-        <p:blipFill>
-          <a:blip r:embed="rId2"/>
-          <a:stretch>
-            <a:fillRect/>
-          </a:stretch>
-        </p:blipFill>
-        <p:spPr>
-          <a:xfrm>
-            <a:off x="838200" y="1364709"/>
-            <a:ext cx="10515600" cy="4128581"/>
-          </a:xfrm>
-        </p:spPr>
-      </p:pic>
-      <p:sp>
-        <p:nvSpPr>
-          <p:cNvPr id="6" name="Rectangle 5">
-            <a:extLst>
-              <a:ext uri="{FF2B5EF4-FFF2-40B4-BE49-F238E27FC236}">
-                <a16:creationId xmlns:a16="http://schemas.microsoft.com/office/drawing/2014/main" id="{1DA05EB7-37E7-4A04-97AF-F1D69B68B7B0}"/>
-              </a:ext>
-            </a:extLst>
-          </p:cNvPr>
-          <p:cNvSpPr/>
-          <p:nvPr/>
-        </p:nvSpPr>
-        <p:spPr>
-          <a:xfrm>
-            <a:off x="9445925" y="5201729"/>
-            <a:ext cx="1475117" cy="258792"/>
-          </a:xfrm>
-          <a:prstGeom prst="rect">
-            <a:avLst/>
-          </a:prstGeom>
-          <a:noFill/>
-          <a:ln w="38100">
-            <a:solidFill>
-              <a:srgbClr val="FF0000"/>
-            </a:solidFill>
-          </a:ln>
-        </p:spPr>
-        <p:style>
-          <a:lnRef idx="2">
-            <a:schemeClr val="accent1">
-              <a:shade val="50000"/>
-            </a:schemeClr>
-          </a:lnRef>
-          <a:fillRef idx="1">
-            <a:schemeClr val="accent1"/>
-          </a:fillRef>
-          <a:effectRef idx="0">
-            <a:schemeClr val="accent1"/>
-          </a:effectRef>
-          <a:fontRef idx="minor">
-            <a:schemeClr val="lt1"/>
-          </a:fontRef>
-        </p:style>
-        <p:txBody>
-          <a:bodyPr rtlCol="0" anchor="ctr"/>
-          <a:lstStyle/>
-          <a:p>
-            <a:pPr algn="ctr"/>
-            <a:endParaRPr lang="fr-FR"/>
-          </a:p>
-        </p:txBody>
-      </p:sp>
-      <p:sp>
-        <p:nvSpPr>
-          <p:cNvPr id="7" name="ZoneTexte 6">
-            <a:extLst>
-              <a:ext uri="{FF2B5EF4-FFF2-40B4-BE49-F238E27FC236}">
-                <a16:creationId xmlns:a16="http://schemas.microsoft.com/office/drawing/2014/main" id="{75FFDE10-EC93-4F17-98D9-DAF425BD2BAC}"/>
-              </a:ext>
-            </a:extLst>
-          </p:cNvPr>
-          <p:cNvSpPr txBox="1"/>
-          <p:nvPr/>
-        </p:nvSpPr>
-        <p:spPr>
-          <a:xfrm>
-            <a:off x="838200" y="5949639"/>
-            <a:ext cx="10515600" cy="369332"/>
-          </a:xfrm>
-          <a:prstGeom prst="rect">
-            <a:avLst/>
-          </a:prstGeom>
-          <a:noFill/>
-        </p:spPr>
-        <p:txBody>
-          <a:bodyPr wrap="square" rtlCol="0">
-            <a:spAutoFit/>
-          </a:bodyPr>
-          <a:lstStyle/>
-          <a:p>
-            <a:pPr algn="ctr"/>
+          <a:p>
             <a:r>
               <a:rPr lang="fr-FR" dirty="0"/>
-              <a:t>Le temps de chargement complet de la page avant les optimisations est de 1,3s</a:t>
+              <a:t>Recommandation : Pour un bon référencement, suivre les recommandations et les bonnes pratique de SEO</a:t>
+            </a:r>
+          </a:p>
+          <a:p>
+            <a:endParaRPr lang="fr-FR" dirty="0"/>
+          </a:p>
+          <a:p>
+            <a:r>
+              <a:rPr lang="fr-FR" dirty="0"/>
+              <a:t>Solution : Supprimer les mots cachés qui ne respectent pas les règles </a:t>
             </a:r>
           </a:p>
         </p:txBody>
@@ -5527,7 +7281,7 @@
     </p:spTree>
     <p:extLst>
       <p:ext uri="{BB962C8B-B14F-4D97-AF65-F5344CB8AC3E}">
-        <p14:creationId xmlns:p14="http://schemas.microsoft.com/office/powerpoint/2010/main" val="142457942"/>
+        <p14:creationId xmlns:p14="http://schemas.microsoft.com/office/powerpoint/2010/main" val="280934064"/>
       </p:ext>
     </p:extLst>
   </p:cSld>
@@ -5559,7 +7313,7 @@
           <p:cNvPr id="2" name="Titre 1">
             <a:extLst>
               <a:ext uri="{FF2B5EF4-FFF2-40B4-BE49-F238E27FC236}">
-                <a16:creationId xmlns:a16="http://schemas.microsoft.com/office/drawing/2014/main" id="{E973E640-4E76-47D0-9DB9-2BD9223636CD}"/>
+                <a16:creationId xmlns:a16="http://schemas.microsoft.com/office/drawing/2014/main" id="{0B6ADC62-68B4-4249-84D3-6CE28F880CC0}"/>
               </a:ext>
             </a:extLst>
           </p:cNvPr>
@@ -5570,7 +7324,12 @@
             <p:ph type="title"/>
           </p:nvPr>
         </p:nvSpPr>
-        <p:spPr/>
+        <p:spPr>
+          <a:xfrm>
+            <a:off x="838200" y="374362"/>
+            <a:ext cx="10515600" cy="1325563"/>
+          </a:xfrm>
+        </p:spPr>
         <p:txBody>
           <a:bodyPr/>
           <a:lstStyle/>
@@ -5578,99 +7337,7 @@
             <a:pPr algn="ctr"/>
             <a:r>
               <a:rPr lang="fr-FR" dirty="0"/>
-              <a:t>Analyses après modifications : </a:t>
-            </a:r>
-            <a:br>
-              <a:rPr lang="fr-FR" dirty="0"/>
-            </a:br>
-            <a:endParaRPr lang="fr-FR" dirty="0"/>
-          </a:p>
-        </p:txBody>
-      </p:sp>
-      <p:sp>
-        <p:nvSpPr>
-          <p:cNvPr id="6" name="Rectangle 5">
-            <a:extLst>
-              <a:ext uri="{FF2B5EF4-FFF2-40B4-BE49-F238E27FC236}">
-                <a16:creationId xmlns:a16="http://schemas.microsoft.com/office/drawing/2014/main" id="{1DA05EB7-37E7-4A04-97AF-F1D69B68B7B0}"/>
-              </a:ext>
-            </a:extLst>
-          </p:cNvPr>
-          <p:cNvSpPr/>
-          <p:nvPr/>
-        </p:nvSpPr>
-        <p:spPr>
-          <a:xfrm>
-            <a:off x="9445925" y="5193103"/>
-            <a:ext cx="1475117" cy="258792"/>
-          </a:xfrm>
-          <a:prstGeom prst="rect">
-            <a:avLst/>
-          </a:prstGeom>
-          <a:noFill/>
-          <a:ln w="38100">
-            <a:solidFill>
-              <a:srgbClr val="FF0000"/>
-            </a:solidFill>
-          </a:ln>
-        </p:spPr>
-        <p:style>
-          <a:lnRef idx="2">
-            <a:schemeClr val="accent1">
-              <a:shade val="50000"/>
-            </a:schemeClr>
-          </a:lnRef>
-          <a:fillRef idx="1">
-            <a:schemeClr val="accent1"/>
-          </a:fillRef>
-          <a:effectRef idx="0">
-            <a:schemeClr val="accent1"/>
-          </a:effectRef>
-          <a:fontRef idx="minor">
-            <a:schemeClr val="lt1"/>
-          </a:fontRef>
-        </p:style>
-        <p:txBody>
-          <a:bodyPr rtlCol="0" anchor="ctr"/>
-          <a:lstStyle/>
-          <a:p>
-            <a:pPr algn="ctr"/>
-            <a:endParaRPr lang="fr-FR"/>
-          </a:p>
-        </p:txBody>
-      </p:sp>
-      <p:sp>
-        <p:nvSpPr>
-          <p:cNvPr id="7" name="ZoneTexte 6">
-            <a:extLst>
-              <a:ext uri="{FF2B5EF4-FFF2-40B4-BE49-F238E27FC236}">
-                <a16:creationId xmlns:a16="http://schemas.microsoft.com/office/drawing/2014/main" id="{75FFDE10-EC93-4F17-98D9-DAF425BD2BAC}"/>
-              </a:ext>
-            </a:extLst>
-          </p:cNvPr>
-          <p:cNvSpPr txBox="1"/>
-          <p:nvPr/>
-        </p:nvSpPr>
-        <p:spPr>
-          <a:xfrm>
-            <a:off x="838200" y="5894141"/>
-            <a:ext cx="10515600" cy="369332"/>
-          </a:xfrm>
-          <a:prstGeom prst="rect">
-            <a:avLst/>
-          </a:prstGeom>
-          <a:noFill/>
-        </p:spPr>
-        <p:txBody>
-          <a:bodyPr wrap="square" rtlCol="0">
-            <a:spAutoFit/>
-          </a:bodyPr>
-          <a:lstStyle/>
-          <a:p>
-            <a:pPr algn="ctr"/>
-            <a:r>
-              <a:rPr lang="fr-FR" dirty="0"/>
-              <a:t>Le temps de chargement complet de la page après les optimisations est de 590ms</a:t>
+              <a:t>Recommandation 5 :</a:t>
             </a:r>
           </a:p>
         </p:txBody>
@@ -5680,7 +7347,7 @@
           <p:cNvPr id="9" name="Image 8">
             <a:extLst>
               <a:ext uri="{FF2B5EF4-FFF2-40B4-BE49-F238E27FC236}">
-                <a16:creationId xmlns:a16="http://schemas.microsoft.com/office/drawing/2014/main" id="{F18C5884-7F48-4093-9A52-ED4001509852}"/>
+                <a16:creationId xmlns:a16="http://schemas.microsoft.com/office/drawing/2014/main" id="{9FD88480-25CC-4241-9532-688F031234B2}"/>
               </a:ext>
             </a:extLst>
           </p:cNvPr>
@@ -5697,8 +7364,8 @@
         </p:blipFill>
         <p:spPr>
           <a:xfrm>
-            <a:off x="720306" y="1406105"/>
-            <a:ext cx="10751388" cy="4365715"/>
+            <a:off x="1300162" y="4005180"/>
+            <a:ext cx="9591675" cy="1895475"/>
           </a:xfrm>
           <a:prstGeom prst="rect">
             <a:avLst/>
@@ -5707,60 +7374,91 @@
       </p:pic>
       <p:sp>
         <p:nvSpPr>
-          <p:cNvPr id="10" name="Rectangle 9">
-            <a:extLst>
-              <a:ext uri="{FF2B5EF4-FFF2-40B4-BE49-F238E27FC236}">
-                <a16:creationId xmlns:a16="http://schemas.microsoft.com/office/drawing/2014/main" id="{A29BE46F-596B-450D-A034-54A7655D60E2}"/>
-              </a:ext>
-            </a:extLst>
-          </p:cNvPr>
-          <p:cNvSpPr/>
+          <p:cNvPr id="10" name="ZoneTexte 9">
+            <a:extLst>
+              <a:ext uri="{FF2B5EF4-FFF2-40B4-BE49-F238E27FC236}">
+                <a16:creationId xmlns:a16="http://schemas.microsoft.com/office/drawing/2014/main" id="{6639E23A-E6B4-460B-ACA5-24218EA37E6C}"/>
+              </a:ext>
+            </a:extLst>
+          </p:cNvPr>
+          <p:cNvSpPr txBox="1"/>
           <p:nvPr/>
         </p:nvSpPr>
         <p:spPr>
           <a:xfrm>
-            <a:off x="9471803" y="5339751"/>
-            <a:ext cx="1475117" cy="258792"/>
+            <a:off x="543464" y="1743905"/>
+            <a:ext cx="11467381" cy="1754326"/>
           </a:xfrm>
           <a:prstGeom prst="rect">
             <a:avLst/>
           </a:prstGeom>
           <a:noFill/>
-          <a:ln w="38100">
-            <a:solidFill>
-              <a:srgbClr val="FF0000"/>
-            </a:solidFill>
-          </a:ln>
-        </p:spPr>
-        <p:style>
-          <a:lnRef idx="2">
-            <a:schemeClr val="accent1">
-              <a:shade val="50000"/>
-            </a:schemeClr>
-          </a:lnRef>
-          <a:fillRef idx="1">
-            <a:schemeClr val="accent1"/>
-          </a:fillRef>
-          <a:effectRef idx="0">
-            <a:schemeClr val="accent1"/>
-          </a:effectRef>
-          <a:fontRef idx="minor">
-            <a:schemeClr val="lt1"/>
-          </a:fontRef>
-        </p:style>
-        <p:txBody>
-          <a:bodyPr rtlCol="0" anchor="ctr"/>
-          <a:lstStyle/>
-          <a:p>
-            <a:pPr algn="ctr"/>
-            <a:endParaRPr lang="fr-FR"/>
-          </a:p>
-        </p:txBody>
-      </p:sp>
+        </p:spPr>
+        <p:txBody>
+          <a:bodyPr wrap="square">
+            <a:spAutoFit/>
+          </a:bodyPr>
+          <a:lstStyle/>
+          <a:p>
+            <a:r>
+              <a:rPr lang="fr-FR" dirty="0"/>
+              <a:t>Problème : Certaines parties du site web sont des images avec du texte a l’intérieur, le bot de référencements et les technologies d’assistance n’arrivent pas a lire le contenu </a:t>
+            </a:r>
+          </a:p>
+          <a:p>
+            <a:endParaRPr lang="fr-FR" dirty="0"/>
+          </a:p>
+          <a:p>
+            <a:r>
+              <a:rPr lang="fr-FR" dirty="0"/>
+              <a:t>Recommandation : Pour une bonne pratique SEO, ne pas insérer d’image contenant du texte mais plutôt du texte brut</a:t>
+            </a:r>
+          </a:p>
+          <a:p>
+            <a:endParaRPr lang="fr-FR" dirty="0"/>
+          </a:p>
+          <a:p>
+            <a:r>
+              <a:rPr lang="fr-FR" dirty="0"/>
+              <a:t>Solution : Supprimer les photos et les remplacer par du contenu texte/HTML</a:t>
+            </a:r>
+          </a:p>
+        </p:txBody>
+      </p:sp>
+      <p:pic>
+        <p:nvPicPr>
+          <p:cNvPr id="6" name="Image 5">
+            <a:extLst>
+              <a:ext uri="{FF2B5EF4-FFF2-40B4-BE49-F238E27FC236}">
+                <a16:creationId xmlns:a16="http://schemas.microsoft.com/office/drawing/2014/main" id="{C44393D1-0D4D-40CB-9383-FB4B34691BA7}"/>
+              </a:ext>
+            </a:extLst>
+          </p:cNvPr>
+          <p:cNvPicPr>
+            <a:picLocks noChangeAspect="1"/>
+          </p:cNvPicPr>
+          <p:nvPr/>
+        </p:nvPicPr>
+        <p:blipFill>
+          <a:blip r:embed="rId3"/>
+          <a:stretch>
+            <a:fillRect/>
+          </a:stretch>
+        </p:blipFill>
+        <p:spPr>
+          <a:xfrm>
+            <a:off x="0" y="6483638"/>
+            <a:ext cx="12192000" cy="248986"/>
+          </a:xfrm>
+          <a:prstGeom prst="rect">
+            <a:avLst/>
+          </a:prstGeom>
+        </p:spPr>
+      </p:pic>
     </p:spTree>
     <p:extLst>
       <p:ext uri="{BB962C8B-B14F-4D97-AF65-F5344CB8AC3E}">
-        <p14:creationId xmlns:p14="http://schemas.microsoft.com/office/powerpoint/2010/main" val="3312711371"/>
+        <p14:creationId xmlns:p14="http://schemas.microsoft.com/office/powerpoint/2010/main" val="2927414820"/>
       </p:ext>
     </p:extLst>
   </p:cSld>

--- a/Ressources/Soutenance projet 04.pptx
+++ b/Ressources/Soutenance projet 04.pptx
@@ -22,13 +22,11 @@
     <p:sldId id="268" r:id="rId16"/>
     <p:sldId id="282" r:id="rId17"/>
     <p:sldId id="270" r:id="rId18"/>
-    <p:sldId id="283" r:id="rId19"/>
-    <p:sldId id="284" r:id="rId20"/>
-    <p:sldId id="258" r:id="rId21"/>
-    <p:sldId id="274" r:id="rId22"/>
-    <p:sldId id="271" r:id="rId23"/>
-    <p:sldId id="272" r:id="rId24"/>
-    <p:sldId id="273" r:id="rId25"/>
+    <p:sldId id="285" r:id="rId19"/>
+    <p:sldId id="274" r:id="rId20"/>
+    <p:sldId id="273" r:id="rId21"/>
+    <p:sldId id="286" r:id="rId22"/>
+    <p:sldId id="258" r:id="rId23"/>
   </p:sldIdLst>
   <p:sldSz cx="12192000" cy="6858000"/>
   <p:notesSz cx="6858000" cy="9144000"/>
@@ -282,7 +280,7 @@
           <a:p>
             <a:fld id="{AC657B9D-6975-40B9-BC30-AB9F6FC22A40}" type="datetimeFigureOut">
               <a:rPr lang="fr-FR" smtClean="0"/>
-              <a:t>19/04/2022</a:t>
+              <a:t>21/04/2022</a:t>
             </a:fld>
             <a:endParaRPr lang="fr-FR"/>
           </a:p>
@@ -480,7 +478,7 @@
           <a:p>
             <a:fld id="{AC657B9D-6975-40B9-BC30-AB9F6FC22A40}" type="datetimeFigureOut">
               <a:rPr lang="fr-FR" smtClean="0"/>
-              <a:t>19/04/2022</a:t>
+              <a:t>21/04/2022</a:t>
             </a:fld>
             <a:endParaRPr lang="fr-FR"/>
           </a:p>
@@ -688,7 +686,7 @@
           <a:p>
             <a:fld id="{AC657B9D-6975-40B9-BC30-AB9F6FC22A40}" type="datetimeFigureOut">
               <a:rPr lang="fr-FR" smtClean="0"/>
-              <a:t>19/04/2022</a:t>
+              <a:t>21/04/2022</a:t>
             </a:fld>
             <a:endParaRPr lang="fr-FR"/>
           </a:p>
@@ -886,7 +884,7 @@
           <a:p>
             <a:fld id="{AC657B9D-6975-40B9-BC30-AB9F6FC22A40}" type="datetimeFigureOut">
               <a:rPr lang="fr-FR" smtClean="0"/>
-              <a:t>19/04/2022</a:t>
+              <a:t>21/04/2022</a:t>
             </a:fld>
             <a:endParaRPr lang="fr-FR"/>
           </a:p>
@@ -1161,7 +1159,7 @@
           <a:p>
             <a:fld id="{AC657B9D-6975-40B9-BC30-AB9F6FC22A40}" type="datetimeFigureOut">
               <a:rPr lang="fr-FR" smtClean="0"/>
-              <a:t>19/04/2022</a:t>
+              <a:t>21/04/2022</a:t>
             </a:fld>
             <a:endParaRPr lang="fr-FR"/>
           </a:p>
@@ -1426,7 +1424,7 @@
           <a:p>
             <a:fld id="{AC657B9D-6975-40B9-BC30-AB9F6FC22A40}" type="datetimeFigureOut">
               <a:rPr lang="fr-FR" smtClean="0"/>
-              <a:t>19/04/2022</a:t>
+              <a:t>21/04/2022</a:t>
             </a:fld>
             <a:endParaRPr lang="fr-FR"/>
           </a:p>
@@ -1838,7 +1836,7 @@
           <a:p>
             <a:fld id="{AC657B9D-6975-40B9-BC30-AB9F6FC22A40}" type="datetimeFigureOut">
               <a:rPr lang="fr-FR" smtClean="0"/>
-              <a:t>19/04/2022</a:t>
+              <a:t>21/04/2022</a:t>
             </a:fld>
             <a:endParaRPr lang="fr-FR"/>
           </a:p>
@@ -1979,7 +1977,7 @@
           <a:p>
             <a:fld id="{AC657B9D-6975-40B9-BC30-AB9F6FC22A40}" type="datetimeFigureOut">
               <a:rPr lang="fr-FR" smtClean="0"/>
-              <a:t>19/04/2022</a:t>
+              <a:t>21/04/2022</a:t>
             </a:fld>
             <a:endParaRPr lang="fr-FR"/>
           </a:p>
@@ -2092,7 +2090,7 @@
           <a:p>
             <a:fld id="{AC657B9D-6975-40B9-BC30-AB9F6FC22A40}" type="datetimeFigureOut">
               <a:rPr lang="fr-FR" smtClean="0"/>
-              <a:t>19/04/2022</a:t>
+              <a:t>21/04/2022</a:t>
             </a:fld>
             <a:endParaRPr lang="fr-FR"/>
           </a:p>
@@ -2403,7 +2401,7 @@
           <a:p>
             <a:fld id="{AC657B9D-6975-40B9-BC30-AB9F6FC22A40}" type="datetimeFigureOut">
               <a:rPr lang="fr-FR" smtClean="0"/>
-              <a:t>19/04/2022</a:t>
+              <a:t>21/04/2022</a:t>
             </a:fld>
             <a:endParaRPr lang="fr-FR"/>
           </a:p>
@@ -2691,7 +2689,7 @@
           <a:p>
             <a:fld id="{AC657B9D-6975-40B9-BC30-AB9F6FC22A40}" type="datetimeFigureOut">
               <a:rPr lang="fr-FR" smtClean="0"/>
-              <a:t>19/04/2022</a:t>
+              <a:t>21/04/2022</a:t>
             </a:fld>
             <a:endParaRPr lang="fr-FR"/>
           </a:p>
@@ -2932,7 +2930,7 @@
           <a:p>
             <a:fld id="{AC657B9D-6975-40B9-BC30-AB9F6FC22A40}" type="datetimeFigureOut">
               <a:rPr lang="fr-FR" smtClean="0"/>
-              <a:t>19/04/2022</a:t>
+              <a:t>21/04/2022</a:t>
             </a:fld>
             <a:endParaRPr lang="fr-FR"/>
           </a:p>
@@ -3365,7 +3363,12 @@
             <p:ph type="ctrTitle"/>
           </p:nvPr>
         </p:nvSpPr>
-        <p:spPr/>
+        <p:spPr>
+          <a:xfrm>
+            <a:off x="1524000" y="3543124"/>
+            <a:ext cx="9144000" cy="2387600"/>
+          </a:xfrm>
+        </p:spPr>
         <p:txBody>
           <a:bodyPr/>
           <a:lstStyle/>
@@ -3403,7 +3406,7 @@
         </p:blipFill>
         <p:spPr>
           <a:xfrm>
-            <a:off x="3821220" y="3084945"/>
+            <a:off x="3821220" y="1885873"/>
             <a:ext cx="4549559" cy="1330758"/>
           </a:xfrm>
           <a:prstGeom prst="rect">
@@ -3470,7 +3473,7 @@
             <a:pPr algn="ctr"/>
             <a:r>
               <a:rPr lang="fr-FR" dirty="0"/>
-              <a:t>Recommandation 6 :</a:t>
+              <a:t>Recommandation 7 :</a:t>
             </a:r>
           </a:p>
         </p:txBody>
@@ -3764,9 +3767,10 @@
           <a:bodyPr/>
           <a:lstStyle/>
           <a:p>
+            <a:pPr algn="ctr"/>
             <a:r>
               <a:rPr lang="fr-FR" dirty="0"/>
-              <a:t>Recommandation  7:</a:t>
+              <a:t>Recommandation  8:</a:t>
             </a:r>
           </a:p>
         </p:txBody>
@@ -3994,7 +3998,7 @@
           <a:p>
             <a:r>
               <a:rPr lang="fr-FR" dirty="0"/>
-              <a:t>Recommandation 8 :</a:t>
+              <a:t>Recommandation 9 :</a:t>
             </a:r>
           </a:p>
         </p:txBody>
@@ -4115,7 +4119,7 @@
           <a:p>
             <a:r>
               <a:rPr lang="fr-FR" dirty="0"/>
-              <a:t>Recommandation  9:</a:t>
+              <a:t>Recommandation  10:</a:t>
             </a:r>
           </a:p>
         </p:txBody>
@@ -4698,10 +4702,10 @@
       </p:grpSpPr>
       <p:sp>
         <p:nvSpPr>
-          <p:cNvPr id="4" name="Titre 1">
-            <a:extLst>
-              <a:ext uri="{FF2B5EF4-FFF2-40B4-BE49-F238E27FC236}">
-                <a16:creationId xmlns:a16="http://schemas.microsoft.com/office/drawing/2014/main" id="{3390C204-E638-47D4-8283-DA37D167EEA9}"/>
+          <p:cNvPr id="2" name="Titre 1">
+            <a:extLst>
+              <a:ext uri="{FF2B5EF4-FFF2-40B4-BE49-F238E27FC236}">
+                <a16:creationId xmlns:a16="http://schemas.microsoft.com/office/drawing/2014/main" id="{67585AB3-C13B-4249-8D97-E02E5369D29A}"/>
               </a:ext>
             </a:extLst>
           </p:cNvPr>
@@ -4712,29 +4716,25 @@
             <p:ph type="title"/>
           </p:nvPr>
         </p:nvSpPr>
-        <p:spPr>
-          <a:xfrm>
-            <a:off x="769189" y="425509"/>
-            <a:ext cx="10515600" cy="1325563"/>
-          </a:xfrm>
-        </p:spPr>
+        <p:spPr/>
         <p:txBody>
           <a:bodyPr/>
           <a:lstStyle/>
           <a:p>
+            <a:pPr algn="ctr"/>
             <a:r>
               <a:rPr lang="fr-FR" dirty="0"/>
-              <a:t>Recommandation  10:</a:t>
-            </a:r>
-          </a:p>
-        </p:txBody>
-      </p:sp>
-      <p:sp>
-        <p:nvSpPr>
-          <p:cNvPr id="5" name="Espace réservé du contenu 2">
-            <a:extLst>
-              <a:ext uri="{FF2B5EF4-FFF2-40B4-BE49-F238E27FC236}">
-                <a16:creationId xmlns:a16="http://schemas.microsoft.com/office/drawing/2014/main" id="{63CBD3E4-676B-4245-980A-BE557E1F885C}"/>
+              <a:t>Optimisations Finales: </a:t>
+            </a:r>
+          </a:p>
+        </p:txBody>
+      </p:sp>
+      <p:sp>
+        <p:nvSpPr>
+          <p:cNvPr id="3" name="Espace réservé du contenu 2">
+            <a:extLst>
+              <a:ext uri="{FF2B5EF4-FFF2-40B4-BE49-F238E27FC236}">
+                <a16:creationId xmlns:a16="http://schemas.microsoft.com/office/drawing/2014/main" id="{F75A63B6-26D4-4A3D-B3BB-ACE83B9BE3A0}"/>
               </a:ext>
             </a:extLst>
           </p:cNvPr>
@@ -4747,7 +4747,7 @@
         </p:nvSpPr>
         <p:spPr>
           <a:xfrm>
-            <a:off x="769189" y="1792347"/>
+            <a:off x="838200" y="1955021"/>
             <a:ext cx="10515600" cy="4351338"/>
           </a:xfrm>
         </p:spPr>
@@ -4757,15 +4757,16 @@
           <a:p>
             <a:r>
               <a:rPr lang="fr-FR" dirty="0"/>
-              <a:t>Problème :  Le formulaire </a:t>
-            </a:r>
-            <a:r>
-              <a:rPr lang="fr-FR" dirty="0" err="1"/>
-              <a:t>contien</a:t>
-            </a:r>
+              <a:t>J’ai aussi appliqué différentes optimisations, notamment sur des problèmes de version « responsive » du site</a:t>
+            </a:r>
+          </a:p>
+          <a:p>
+            <a:endParaRPr lang="fr-FR" dirty="0"/>
+          </a:p>
+          <a:p>
             <a:r>
               <a:rPr lang="fr-FR" dirty="0"/>
-              <a:t> une balise &lt;label&gt; sans attributs ‘’for’’</a:t>
+              <a:t>Ensuite, j’ai corrigé le erreurs de validation W3C HTML + CSS</a:t>
             </a:r>
           </a:p>
           <a:p>
@@ -4774,16 +4775,7 @@
           <a:p>
             <a:r>
               <a:rPr lang="fr-FR" dirty="0"/>
-              <a:t>Recommandation :</a:t>
-            </a:r>
-          </a:p>
-          <a:p>
-            <a:endParaRPr lang="fr-FR" dirty="0"/>
-          </a:p>
-          <a:p>
-            <a:r>
-              <a:rPr lang="fr-FR" dirty="0"/>
-              <a:t>Solution : ajouter l’attribut for ainsi qu’une valeur pour l’identifier</a:t>
+              <a:t>Pour terminer j’ai réalisé un test de performance pour vérifier l’impact des modifications</a:t>
             </a:r>
           </a:p>
         </p:txBody>
@@ -4791,7 +4783,7 @@
     </p:spTree>
     <p:extLst>
       <p:ext uri="{BB962C8B-B14F-4D97-AF65-F5344CB8AC3E}">
-        <p14:creationId xmlns:p14="http://schemas.microsoft.com/office/powerpoint/2010/main" val="2536558519"/>
+        <p14:creationId xmlns:p14="http://schemas.microsoft.com/office/powerpoint/2010/main" val="586120661"/>
       </p:ext>
     </p:extLst>
   </p:cSld>
@@ -4820,10 +4812,10 @@
       </p:grpSpPr>
       <p:pic>
         <p:nvPicPr>
-          <p:cNvPr id="5" name="Image 4">
-            <a:extLst>
-              <a:ext uri="{FF2B5EF4-FFF2-40B4-BE49-F238E27FC236}">
-                <a16:creationId xmlns:a16="http://schemas.microsoft.com/office/drawing/2014/main" id="{E6020D95-1B5F-4E0B-B542-91E3ADB3E97D}"/>
+          <p:cNvPr id="5" name="Image 4" descr="Une image contenant texte&#10;&#10;Description générée automatiquement">
+            <a:extLst>
+              <a:ext uri="{FF2B5EF4-FFF2-40B4-BE49-F238E27FC236}">
+                <a16:creationId xmlns:a16="http://schemas.microsoft.com/office/drawing/2014/main" id="{73DA31A4-E803-42D9-806D-E310016BDA7D}"/>
               </a:ext>
             </a:extLst>
           </p:cNvPr>
@@ -4833,15 +4825,21 @@
           <p:nvPr/>
         </p:nvPicPr>
         <p:blipFill>
-          <a:blip r:embed="rId2"/>
+          <a:blip r:embed="rId2">
+            <a:extLst>
+              <a:ext uri="{28A0092B-C50C-407E-A947-70E740481C1C}">
+                <a14:useLocalDpi xmlns:a14="http://schemas.microsoft.com/office/drawing/2010/main" val="0"/>
+              </a:ext>
+            </a:extLst>
+          </a:blip>
           <a:stretch>
             <a:fillRect/>
           </a:stretch>
         </p:blipFill>
         <p:spPr>
           <a:xfrm>
-            <a:off x="1884074" y="561110"/>
-            <a:ext cx="8848725" cy="1524000"/>
+            <a:off x="484712" y="861245"/>
+            <a:ext cx="2743583" cy="1543265"/>
           </a:xfrm>
           <a:prstGeom prst="rect">
             <a:avLst/>
@@ -4853,7 +4851,7 @@
           <p:cNvPr id="7" name="Image 6">
             <a:extLst>
               <a:ext uri="{FF2B5EF4-FFF2-40B4-BE49-F238E27FC236}">
-                <a16:creationId xmlns:a16="http://schemas.microsoft.com/office/drawing/2014/main" id="{218D7E3E-EE53-40AB-B440-B1229896746E}"/>
+                <a16:creationId xmlns:a16="http://schemas.microsoft.com/office/drawing/2014/main" id="{2114A5BB-24DC-47FB-9CE6-9C4433B699C4}"/>
               </a:ext>
             </a:extLst>
           </p:cNvPr>
@@ -4863,27 +4861,105 @@
           <p:nvPr/>
         </p:nvPicPr>
         <p:blipFill>
-          <a:blip r:embed="rId3"/>
+          <a:blip r:embed="rId3">
+            <a:extLst>
+              <a:ext uri="{28A0092B-C50C-407E-A947-70E740481C1C}">
+                <a14:useLocalDpi xmlns:a14="http://schemas.microsoft.com/office/drawing/2010/main" val="0"/>
+              </a:ext>
+            </a:extLst>
+          </a:blip>
           <a:stretch>
             <a:fillRect/>
           </a:stretch>
         </p:blipFill>
         <p:spPr>
           <a:xfrm>
-            <a:off x="1884074" y="4394777"/>
-            <a:ext cx="8858250" cy="1485900"/>
+            <a:off x="9265070" y="666322"/>
+            <a:ext cx="2068750" cy="2006997"/>
           </a:xfrm>
           <a:prstGeom prst="rect">
             <a:avLst/>
           </a:prstGeom>
         </p:spPr>
       </p:pic>
+      <p:pic>
+        <p:nvPicPr>
+          <p:cNvPr id="11" name="Image 10">
+            <a:extLst>
+              <a:ext uri="{FF2B5EF4-FFF2-40B4-BE49-F238E27FC236}">
+                <a16:creationId xmlns:a16="http://schemas.microsoft.com/office/drawing/2014/main" id="{5F09C648-B483-4B61-BB18-86371E0EE04B}"/>
+              </a:ext>
+            </a:extLst>
+          </p:cNvPr>
+          <p:cNvPicPr>
+            <a:picLocks noChangeAspect="1"/>
+          </p:cNvPicPr>
+          <p:nvPr/>
+        </p:nvPicPr>
+        <p:blipFill>
+          <a:blip r:embed="rId4">
+            <a:extLst>
+              <a:ext uri="{28A0092B-C50C-407E-A947-70E740481C1C}">
+                <a14:useLocalDpi xmlns:a14="http://schemas.microsoft.com/office/drawing/2010/main" val="0"/>
+              </a:ext>
+            </a:extLst>
+          </a:blip>
+          <a:stretch>
+            <a:fillRect/>
+          </a:stretch>
+        </p:blipFill>
+        <p:spPr>
+          <a:xfrm flipH="1">
+            <a:off x="36944" y="2747710"/>
+            <a:ext cx="3736303" cy="3836430"/>
+          </a:xfrm>
+          <a:prstGeom prst="rect">
+            <a:avLst/>
+          </a:prstGeom>
+        </p:spPr>
+      </p:pic>
+      <p:pic>
+        <p:nvPicPr>
+          <p:cNvPr id="13" name="Image 12">
+            <a:extLst>
+              <a:ext uri="{FF2B5EF4-FFF2-40B4-BE49-F238E27FC236}">
+                <a16:creationId xmlns:a16="http://schemas.microsoft.com/office/drawing/2014/main" id="{A852F9D4-96C4-4458-8473-C7E51AB974ED}"/>
+              </a:ext>
+            </a:extLst>
+          </p:cNvPr>
+          <p:cNvPicPr>
+            <a:picLocks noChangeAspect="1"/>
+          </p:cNvPicPr>
+          <p:nvPr/>
+        </p:nvPicPr>
+        <p:blipFill>
+          <a:blip r:embed="rId5">
+            <a:extLst>
+              <a:ext uri="{28A0092B-C50C-407E-A947-70E740481C1C}">
+                <a14:useLocalDpi xmlns:a14="http://schemas.microsoft.com/office/drawing/2010/main" val="0"/>
+              </a:ext>
+            </a:extLst>
+          </a:blip>
+          <a:stretch>
+            <a:fillRect/>
+          </a:stretch>
+        </p:blipFill>
+        <p:spPr>
+          <a:xfrm>
+            <a:off x="8455699" y="2941666"/>
+            <a:ext cx="3650139" cy="3836430"/>
+          </a:xfrm>
+          <a:prstGeom prst="rect">
+            <a:avLst/>
+          </a:prstGeom>
+        </p:spPr>
+      </p:pic>
       <p:cxnSp>
         <p:nvCxnSpPr>
-          <p:cNvPr id="9" name="Connecteur droit avec flèche 8">
-            <a:extLst>
-              <a:ext uri="{FF2B5EF4-FFF2-40B4-BE49-F238E27FC236}">
-                <a16:creationId xmlns:a16="http://schemas.microsoft.com/office/drawing/2014/main" id="{921BD0F9-6CD8-482E-81D8-0208E889D46F}"/>
+          <p:cNvPr id="3" name="Connecteur droit avec flèche 2">
+            <a:extLst>
+              <a:ext uri="{FF2B5EF4-FFF2-40B4-BE49-F238E27FC236}">
+                <a16:creationId xmlns:a16="http://schemas.microsoft.com/office/drawing/2014/main" id="{E3A93DF8-E08B-4C5C-AD4F-DD86395B6FCE}"/>
               </a:ext>
             </a:extLst>
           </p:cNvPr>
@@ -4892,8 +4968,8 @@
         </p:nvCxnSpPr>
         <p:spPr>
           <a:xfrm>
-            <a:off x="6308436" y="2410691"/>
-            <a:ext cx="0" cy="1708727"/>
+            <a:off x="4442604" y="3717985"/>
+            <a:ext cx="3364302" cy="0"/>
           </a:xfrm>
           <a:prstGeom prst="straightConnector1">
             <a:avLst/>
@@ -4919,112 +4995,43 @@
       </p:cxnSp>
       <p:sp>
         <p:nvSpPr>
-          <p:cNvPr id="10" name="Rectangle 9">
-            <a:extLst>
-              <a:ext uri="{FF2B5EF4-FFF2-40B4-BE49-F238E27FC236}">
-                <a16:creationId xmlns:a16="http://schemas.microsoft.com/office/drawing/2014/main" id="{327EDE14-9D48-4279-885D-66F01ADB61B9}"/>
-              </a:ext>
-            </a:extLst>
-          </p:cNvPr>
-          <p:cNvSpPr/>
+          <p:cNvPr id="4" name="ZoneTexte 3">
+            <a:extLst>
+              <a:ext uri="{FF2B5EF4-FFF2-40B4-BE49-F238E27FC236}">
+                <a16:creationId xmlns:a16="http://schemas.microsoft.com/office/drawing/2014/main" id="{9064DD45-F9C0-4DAA-BB34-9D5884F34353}"/>
+              </a:ext>
+            </a:extLst>
+          </p:cNvPr>
+          <p:cNvSpPr txBox="1"/>
           <p:nvPr/>
         </p:nvSpPr>
         <p:spPr>
           <a:xfrm>
-            <a:off x="2277374" y="750498"/>
-            <a:ext cx="810883" cy="293298"/>
+            <a:off x="3402704" y="89194"/>
+            <a:ext cx="5881546" cy="369332"/>
           </a:xfrm>
           <a:prstGeom prst="rect">
             <a:avLst/>
           </a:prstGeom>
           <a:noFill/>
-          <a:ln>
-            <a:solidFill>
-              <a:srgbClr val="FF0000"/>
-            </a:solidFill>
-          </a:ln>
-        </p:spPr>
-        <p:style>
-          <a:lnRef idx="2">
-            <a:schemeClr val="accent1">
-              <a:shade val="50000"/>
-            </a:schemeClr>
-          </a:lnRef>
-          <a:fillRef idx="1">
-            <a:schemeClr val="accent1"/>
-          </a:fillRef>
-          <a:effectRef idx="0">
-            <a:schemeClr val="accent1"/>
-          </a:effectRef>
-          <a:fontRef idx="minor">
-            <a:schemeClr val="lt1"/>
-          </a:fontRef>
-        </p:style>
-        <p:txBody>
-          <a:bodyPr rtlCol="0" anchor="ctr"/>
-          <a:lstStyle/>
-          <a:p>
-            <a:pPr algn="ctr"/>
-            <a:endParaRPr lang="fr-FR" dirty="0"/>
-          </a:p>
-        </p:txBody>
-      </p:sp>
-      <p:sp>
-        <p:nvSpPr>
-          <p:cNvPr id="13" name="Rectangle 12">
-            <a:extLst>
-              <a:ext uri="{FF2B5EF4-FFF2-40B4-BE49-F238E27FC236}">
-                <a16:creationId xmlns:a16="http://schemas.microsoft.com/office/drawing/2014/main" id="{9337C11A-61E0-447C-8401-0F9D70713358}"/>
-              </a:ext>
-            </a:extLst>
-          </p:cNvPr>
-          <p:cNvSpPr/>
-          <p:nvPr/>
-        </p:nvSpPr>
-        <p:spPr>
-          <a:xfrm>
-            <a:off x="2277374" y="4586377"/>
-            <a:ext cx="2725947" cy="293298"/>
-          </a:xfrm>
-          <a:prstGeom prst="rect">
-            <a:avLst/>
-          </a:prstGeom>
-          <a:noFill/>
-          <a:ln>
-            <a:solidFill>
-              <a:srgbClr val="FF0000"/>
-            </a:solidFill>
-          </a:ln>
-        </p:spPr>
-        <p:style>
-          <a:lnRef idx="2">
-            <a:schemeClr val="accent1">
-              <a:shade val="50000"/>
-            </a:schemeClr>
-          </a:lnRef>
-          <a:fillRef idx="1">
-            <a:schemeClr val="accent1"/>
-          </a:fillRef>
-          <a:effectRef idx="0">
-            <a:schemeClr val="accent1"/>
-          </a:effectRef>
-          <a:fontRef idx="minor">
-            <a:schemeClr val="lt1"/>
-          </a:fontRef>
-        </p:style>
-        <p:txBody>
-          <a:bodyPr rtlCol="0" anchor="ctr"/>
-          <a:lstStyle/>
-          <a:p>
-            <a:pPr algn="ctr"/>
-            <a:endParaRPr lang="fr-FR" dirty="0"/>
+        </p:spPr>
+        <p:txBody>
+          <a:bodyPr wrap="none" rtlCol="0">
+            <a:spAutoFit/>
+          </a:bodyPr>
+          <a:lstStyle/>
+          <a:p>
+            <a:r>
+              <a:rPr lang="fr-FR" dirty="0"/>
+              <a:t>Exemples optimisations de la version « Responsive » du site :</a:t>
+            </a:r>
           </a:p>
         </p:txBody>
       </p:sp>
     </p:spTree>
     <p:extLst>
       <p:ext uri="{BB962C8B-B14F-4D97-AF65-F5344CB8AC3E}">
-        <p14:creationId xmlns:p14="http://schemas.microsoft.com/office/powerpoint/2010/main" val="1084305092"/>
+        <p14:creationId xmlns:p14="http://schemas.microsoft.com/office/powerpoint/2010/main" val="4198412497"/>
       </p:ext>
     </p:extLst>
   </p:cSld>
@@ -5388,185 +5395,12 @@
           <a:chExt cx="0" cy="0"/>
         </a:xfrm>
       </p:grpSpPr>
-      <p:sp>
-        <p:nvSpPr>
-          <p:cNvPr id="2" name="Titre 1">
-            <a:extLst>
-              <a:ext uri="{FF2B5EF4-FFF2-40B4-BE49-F238E27FC236}">
-                <a16:creationId xmlns:a16="http://schemas.microsoft.com/office/drawing/2014/main" id="{E973E640-4E76-47D0-9DB9-2BD9223636CD}"/>
-              </a:ext>
-            </a:extLst>
-          </p:cNvPr>
-          <p:cNvSpPr>
-            <a:spLocks noGrp="1"/>
-          </p:cNvSpPr>
-          <p:nvPr>
-            <p:ph type="title"/>
-          </p:nvPr>
-        </p:nvSpPr>
-        <p:spPr/>
-        <p:txBody>
-          <a:bodyPr/>
-          <a:lstStyle/>
-          <a:p>
-            <a:pPr algn="ctr"/>
-            <a:r>
-              <a:rPr lang="fr-FR" dirty="0"/>
-              <a:t>Analyses après modifications : </a:t>
-            </a:r>
-            <a:br>
-              <a:rPr lang="fr-FR" dirty="0"/>
-            </a:br>
-            <a:endParaRPr lang="fr-FR" dirty="0"/>
-          </a:p>
-        </p:txBody>
-      </p:sp>
-      <p:sp>
-        <p:nvSpPr>
-          <p:cNvPr id="6" name="Rectangle 5">
-            <a:extLst>
-              <a:ext uri="{FF2B5EF4-FFF2-40B4-BE49-F238E27FC236}">
-                <a16:creationId xmlns:a16="http://schemas.microsoft.com/office/drawing/2014/main" id="{1DA05EB7-37E7-4A04-97AF-F1D69B68B7B0}"/>
-              </a:ext>
-            </a:extLst>
-          </p:cNvPr>
-          <p:cNvSpPr/>
-          <p:nvPr/>
-        </p:nvSpPr>
-        <p:spPr>
-          <a:xfrm>
-            <a:off x="9445925" y="5193103"/>
-            <a:ext cx="1475117" cy="258792"/>
-          </a:xfrm>
-          <a:prstGeom prst="rect">
-            <a:avLst/>
-          </a:prstGeom>
-          <a:noFill/>
-          <a:ln w="38100">
-            <a:solidFill>
-              <a:srgbClr val="FF0000"/>
-            </a:solidFill>
-          </a:ln>
-        </p:spPr>
-        <p:style>
-          <a:lnRef idx="2">
-            <a:schemeClr val="accent1">
-              <a:shade val="50000"/>
-            </a:schemeClr>
-          </a:lnRef>
-          <a:fillRef idx="1">
-            <a:schemeClr val="accent1"/>
-          </a:fillRef>
-          <a:effectRef idx="0">
-            <a:schemeClr val="accent1"/>
-          </a:effectRef>
-          <a:fontRef idx="minor">
-            <a:schemeClr val="lt1"/>
-          </a:fontRef>
-        </p:style>
-        <p:txBody>
-          <a:bodyPr rtlCol="0" anchor="ctr"/>
-          <a:lstStyle/>
-          <a:p>
-            <a:pPr algn="ctr"/>
-            <a:endParaRPr lang="fr-FR"/>
-          </a:p>
-        </p:txBody>
-      </p:sp>
-      <p:sp>
-        <p:nvSpPr>
-          <p:cNvPr id="7" name="ZoneTexte 6">
-            <a:extLst>
-              <a:ext uri="{FF2B5EF4-FFF2-40B4-BE49-F238E27FC236}">
-                <a16:creationId xmlns:a16="http://schemas.microsoft.com/office/drawing/2014/main" id="{75FFDE10-EC93-4F17-98D9-DAF425BD2BAC}"/>
-              </a:ext>
-            </a:extLst>
-          </p:cNvPr>
-          <p:cNvSpPr txBox="1"/>
-          <p:nvPr/>
-        </p:nvSpPr>
-        <p:spPr>
-          <a:xfrm>
-            <a:off x="838200" y="5894141"/>
-            <a:ext cx="10515600" cy="646331"/>
-          </a:xfrm>
-          <a:prstGeom prst="rect">
-            <a:avLst/>
-          </a:prstGeom>
-          <a:noFill/>
-        </p:spPr>
-        <p:txBody>
-          <a:bodyPr wrap="square" rtlCol="0">
-            <a:spAutoFit/>
-          </a:bodyPr>
-          <a:lstStyle/>
-          <a:p>
-            <a:pPr algn="ctr"/>
-            <a:r>
-              <a:rPr lang="fr-FR" dirty="0"/>
-              <a:t>Le temps de chargement complet de la page après les optimisations est de 286ms, la structure a aussi été améliorée (98%)</a:t>
-            </a:r>
-          </a:p>
-        </p:txBody>
-      </p:sp>
-      <p:sp>
-        <p:nvSpPr>
-          <p:cNvPr id="10" name="Rectangle 9">
-            <a:extLst>
-              <a:ext uri="{FF2B5EF4-FFF2-40B4-BE49-F238E27FC236}">
-                <a16:creationId xmlns:a16="http://schemas.microsoft.com/office/drawing/2014/main" id="{A29BE46F-596B-450D-A034-54A7655D60E2}"/>
-              </a:ext>
-            </a:extLst>
-          </p:cNvPr>
-          <p:cNvSpPr/>
-          <p:nvPr/>
-        </p:nvSpPr>
-        <p:spPr>
-          <a:xfrm>
-            <a:off x="9471803" y="5339751"/>
-            <a:ext cx="1475117" cy="258792"/>
-          </a:xfrm>
-          <a:prstGeom prst="rect">
-            <a:avLst/>
-          </a:prstGeom>
-          <a:noFill/>
-          <a:ln w="38100">
-            <a:solidFill>
-              <a:srgbClr val="FF0000"/>
-            </a:solidFill>
-          </a:ln>
-        </p:spPr>
-        <p:style>
-          <a:lnRef idx="2">
-            <a:schemeClr val="accent1">
-              <a:shade val="50000"/>
-            </a:schemeClr>
-          </a:lnRef>
-          <a:fillRef idx="1">
-            <a:schemeClr val="accent1"/>
-          </a:fillRef>
-          <a:effectRef idx="0">
-            <a:schemeClr val="accent1"/>
-          </a:effectRef>
-          <a:fontRef idx="minor">
-            <a:schemeClr val="lt1"/>
-          </a:fontRef>
-        </p:style>
-        <p:txBody>
-          <a:bodyPr rtlCol="0" anchor="ctr"/>
-          <a:lstStyle/>
-          <a:p>
-            <a:pPr algn="ctr"/>
-            <a:endParaRPr lang="fr-FR"/>
-          </a:p>
-        </p:txBody>
-      </p:sp>
       <p:pic>
         <p:nvPicPr>
-          <p:cNvPr id="4" name="Image 3">
-            <a:extLst>
-              <a:ext uri="{FF2B5EF4-FFF2-40B4-BE49-F238E27FC236}">
-                <a16:creationId xmlns:a16="http://schemas.microsoft.com/office/drawing/2014/main" id="{E19BC068-7019-4145-A1A9-EBF6132A37F7}"/>
+          <p:cNvPr id="5" name="Image 4" descr="Une image contenant texte&#10;&#10;Description générée automatiquement">
+            <a:extLst>
+              <a:ext uri="{FF2B5EF4-FFF2-40B4-BE49-F238E27FC236}">
+                <a16:creationId xmlns:a16="http://schemas.microsoft.com/office/drawing/2014/main" id="{18CA716D-E42E-40AD-A6CE-38015CE49072}"/>
               </a:ext>
             </a:extLst>
           </p:cNvPr>
@@ -5576,25 +5410,137 @@
           <p:nvPr/>
         </p:nvPicPr>
         <p:blipFill>
-          <a:blip r:embed="rId2"/>
+          <a:blip r:embed="rId2">
+            <a:extLst>
+              <a:ext uri="{28A0092B-C50C-407E-A947-70E740481C1C}">
+                <a14:useLocalDpi xmlns:a14="http://schemas.microsoft.com/office/drawing/2010/main" val="0"/>
+              </a:ext>
+            </a:extLst>
+          </a:blip>
           <a:stretch>
             <a:fillRect/>
           </a:stretch>
         </p:blipFill>
         <p:spPr>
           <a:xfrm>
-            <a:off x="422698" y="977998"/>
-            <a:ext cx="11353800" cy="4919255"/>
+            <a:off x="0" y="4498109"/>
+            <a:ext cx="12192000" cy="2203611"/>
           </a:xfrm>
           <a:prstGeom prst="rect">
             <a:avLst/>
           </a:prstGeom>
         </p:spPr>
       </p:pic>
+      <p:sp>
+        <p:nvSpPr>
+          <p:cNvPr id="2" name="ZoneTexte 1">
+            <a:extLst>
+              <a:ext uri="{FF2B5EF4-FFF2-40B4-BE49-F238E27FC236}">
+                <a16:creationId xmlns:a16="http://schemas.microsoft.com/office/drawing/2014/main" id="{54078860-739D-4380-B88D-D9B9D58AF69F}"/>
+              </a:ext>
+            </a:extLst>
+          </p:cNvPr>
+          <p:cNvSpPr txBox="1"/>
+          <p:nvPr/>
+        </p:nvSpPr>
+        <p:spPr>
+          <a:xfrm>
+            <a:off x="5172364" y="4156826"/>
+            <a:ext cx="3186545" cy="369332"/>
+          </a:xfrm>
+          <a:prstGeom prst="rect">
+            <a:avLst/>
+          </a:prstGeom>
+          <a:noFill/>
+        </p:spPr>
+        <p:txBody>
+          <a:bodyPr wrap="square" rtlCol="0">
+            <a:spAutoFit/>
+          </a:bodyPr>
+          <a:lstStyle/>
+          <a:p>
+            <a:r>
+              <a:rPr lang="fr-FR" dirty="0"/>
+              <a:t>Erreurs W3C CSS :</a:t>
+            </a:r>
+          </a:p>
+        </p:txBody>
+      </p:sp>
+      <p:pic>
+        <p:nvPicPr>
+          <p:cNvPr id="4" name="Image 3" descr="Une image contenant texte&#10;&#10;Description générée automatiquement">
+            <a:extLst>
+              <a:ext uri="{FF2B5EF4-FFF2-40B4-BE49-F238E27FC236}">
+                <a16:creationId xmlns:a16="http://schemas.microsoft.com/office/drawing/2014/main" id="{A69D00CD-5D21-41E2-855F-857F76B85C6D}"/>
+              </a:ext>
+            </a:extLst>
+          </p:cNvPr>
+          <p:cNvPicPr>
+            <a:picLocks noChangeAspect="1"/>
+          </p:cNvPicPr>
+          <p:nvPr/>
+        </p:nvPicPr>
+        <p:blipFill>
+          <a:blip r:embed="rId3">
+            <a:extLst>
+              <a:ext uri="{28A0092B-C50C-407E-A947-70E740481C1C}">
+                <a14:useLocalDpi xmlns:a14="http://schemas.microsoft.com/office/drawing/2010/main" val="0"/>
+              </a:ext>
+            </a:extLst>
+          </a:blip>
+          <a:stretch>
+            <a:fillRect/>
+          </a:stretch>
+        </p:blipFill>
+        <p:spPr>
+          <a:xfrm>
+            <a:off x="849747" y="356740"/>
+            <a:ext cx="10695709" cy="3804236"/>
+          </a:xfrm>
+          <a:prstGeom prst="rect">
+            <a:avLst/>
+          </a:prstGeom>
+        </p:spPr>
+      </p:pic>
+      <p:sp>
+        <p:nvSpPr>
+          <p:cNvPr id="6" name="ZoneTexte 5">
+            <a:extLst>
+              <a:ext uri="{FF2B5EF4-FFF2-40B4-BE49-F238E27FC236}">
+                <a16:creationId xmlns:a16="http://schemas.microsoft.com/office/drawing/2014/main" id="{E207BDFA-8FD5-4421-80DD-63D384E84D78}"/>
+              </a:ext>
+            </a:extLst>
+          </p:cNvPr>
+          <p:cNvSpPr txBox="1"/>
+          <p:nvPr/>
+        </p:nvSpPr>
+        <p:spPr>
+          <a:xfrm>
+            <a:off x="5172363" y="19607"/>
+            <a:ext cx="3186545" cy="369332"/>
+          </a:xfrm>
+          <a:prstGeom prst="rect">
+            <a:avLst/>
+          </a:prstGeom>
+          <a:noFill/>
+        </p:spPr>
+        <p:txBody>
+          <a:bodyPr wrap="square" rtlCol="0">
+            <a:spAutoFit/>
+          </a:bodyPr>
+          <a:lstStyle/>
+          <a:p>
+            <a:r>
+              <a:rPr lang="fr-FR" dirty="0"/>
+              <a:t>Erreurs W3C HTML :</a:t>
+            </a:r>
+          </a:p>
+        </p:txBody>
+      </p:sp>
     </p:spTree>
     <p:extLst>
       <p:ext uri="{BB962C8B-B14F-4D97-AF65-F5344CB8AC3E}">
-        <p14:creationId xmlns:p14="http://schemas.microsoft.com/office/powerpoint/2010/main" val="3312711371"/>
+        <p14:creationId xmlns:p14="http://schemas.microsoft.com/office/powerpoint/2010/main" val="3580081520"/>
       </p:ext>
     </p:extLst>
   </p:cSld>
@@ -5623,10 +5569,10 @@
       </p:grpSpPr>
       <p:pic>
         <p:nvPicPr>
-          <p:cNvPr id="5" name="Image 4" descr="Une image contenant texte&#10;&#10;Description générée automatiquement">
-            <a:extLst>
-              <a:ext uri="{FF2B5EF4-FFF2-40B4-BE49-F238E27FC236}">
-                <a16:creationId xmlns:a16="http://schemas.microsoft.com/office/drawing/2014/main" id="{73DA31A4-E803-42D9-806D-E310016BDA7D}"/>
+          <p:cNvPr id="5" name="Image 4">
+            <a:extLst>
+              <a:ext uri="{FF2B5EF4-FFF2-40B4-BE49-F238E27FC236}">
+                <a16:creationId xmlns:a16="http://schemas.microsoft.com/office/drawing/2014/main" id="{ADD2E592-BBD6-45DC-9434-7EAC12A93C3E}"/>
               </a:ext>
             </a:extLst>
           </p:cNvPr>
@@ -5636,21 +5582,15 @@
           <p:nvPr/>
         </p:nvPicPr>
         <p:blipFill>
-          <a:blip r:embed="rId2">
-            <a:extLst>
-              <a:ext uri="{28A0092B-C50C-407E-A947-70E740481C1C}">
-                <a14:useLocalDpi xmlns:a14="http://schemas.microsoft.com/office/drawing/2010/main" val="0"/>
-              </a:ext>
-            </a:extLst>
-          </a:blip>
+          <a:blip r:embed="rId2"/>
           <a:stretch>
             <a:fillRect/>
           </a:stretch>
         </p:blipFill>
         <p:spPr>
           <a:xfrm>
-            <a:off x="392352" y="648811"/>
-            <a:ext cx="2743583" cy="1543265"/>
+            <a:off x="0" y="3550576"/>
+            <a:ext cx="12192000" cy="3225190"/>
           </a:xfrm>
           <a:prstGeom prst="rect">
             <a:avLst/>
@@ -5659,10 +5599,10 @@
       </p:pic>
       <p:pic>
         <p:nvPicPr>
-          <p:cNvPr id="7" name="Image 6">
-            <a:extLst>
-              <a:ext uri="{FF2B5EF4-FFF2-40B4-BE49-F238E27FC236}">
-                <a16:creationId xmlns:a16="http://schemas.microsoft.com/office/drawing/2014/main" id="{2114A5BB-24DC-47FB-9CE6-9C4433B699C4}"/>
+          <p:cNvPr id="9" name="Image 8">
+            <a:extLst>
+              <a:ext uri="{FF2B5EF4-FFF2-40B4-BE49-F238E27FC236}">
+                <a16:creationId xmlns:a16="http://schemas.microsoft.com/office/drawing/2014/main" id="{4D81C031-0E7D-45F2-ADD8-26A985AB8386}"/>
               </a:ext>
             </a:extLst>
           </p:cNvPr>
@@ -5672,103 +5612,95 @@
           <p:nvPr/>
         </p:nvPicPr>
         <p:blipFill>
-          <a:blip r:embed="rId3">
-            <a:extLst>
-              <a:ext uri="{28A0092B-C50C-407E-A947-70E740481C1C}">
-                <a14:useLocalDpi xmlns:a14="http://schemas.microsoft.com/office/drawing/2010/main" val="0"/>
-              </a:ext>
-            </a:extLst>
-          </a:blip>
+          <a:blip r:embed="rId3"/>
           <a:stretch>
             <a:fillRect/>
           </a:stretch>
         </p:blipFill>
         <p:spPr>
           <a:xfrm>
-            <a:off x="9431320" y="416944"/>
-            <a:ext cx="2068750" cy="2006997"/>
+            <a:off x="0" y="1043355"/>
+            <a:ext cx="12192000" cy="1446198"/>
           </a:xfrm>
           <a:prstGeom prst="rect">
             <a:avLst/>
           </a:prstGeom>
         </p:spPr>
       </p:pic>
-      <p:pic>
-        <p:nvPicPr>
-          <p:cNvPr id="11" name="Image 10">
-            <a:extLst>
-              <a:ext uri="{FF2B5EF4-FFF2-40B4-BE49-F238E27FC236}">
-                <a16:creationId xmlns:a16="http://schemas.microsoft.com/office/drawing/2014/main" id="{5F09C648-B483-4B61-BB18-86371E0EE04B}"/>
-              </a:ext>
-            </a:extLst>
-          </p:cNvPr>
-          <p:cNvPicPr>
-            <a:picLocks noChangeAspect="1"/>
-          </p:cNvPicPr>
+      <p:sp>
+        <p:nvSpPr>
+          <p:cNvPr id="10" name="ZoneTexte 9">
+            <a:extLst>
+              <a:ext uri="{FF2B5EF4-FFF2-40B4-BE49-F238E27FC236}">
+                <a16:creationId xmlns:a16="http://schemas.microsoft.com/office/drawing/2014/main" id="{B39361C6-ECE7-4595-91E9-9BA315AFD2C5}"/>
+              </a:ext>
+            </a:extLst>
+          </p:cNvPr>
+          <p:cNvSpPr txBox="1"/>
           <p:nvPr/>
-        </p:nvPicPr>
-        <p:blipFill>
-          <a:blip r:embed="rId4">
-            <a:extLst>
-              <a:ext uri="{28A0092B-C50C-407E-A947-70E740481C1C}">
-                <a14:useLocalDpi xmlns:a14="http://schemas.microsoft.com/office/drawing/2010/main" val="0"/>
-              </a:ext>
-            </a:extLst>
-          </a:blip>
-          <a:stretch>
-            <a:fillRect/>
-          </a:stretch>
-        </p:blipFill>
-        <p:spPr>
-          <a:xfrm flipH="1">
-            <a:off x="0" y="2747710"/>
-            <a:ext cx="3736303" cy="3836430"/>
+        </p:nvSpPr>
+        <p:spPr>
+          <a:xfrm>
+            <a:off x="4925102" y="554408"/>
+            <a:ext cx="2341795" cy="369332"/>
           </a:xfrm>
           <a:prstGeom prst="rect">
             <a:avLst/>
           </a:prstGeom>
-        </p:spPr>
-      </p:pic>
-      <p:pic>
-        <p:nvPicPr>
-          <p:cNvPr id="13" name="Image 12">
-            <a:extLst>
-              <a:ext uri="{FF2B5EF4-FFF2-40B4-BE49-F238E27FC236}">
-                <a16:creationId xmlns:a16="http://schemas.microsoft.com/office/drawing/2014/main" id="{A852F9D4-96C4-4458-8473-C7E51AB974ED}"/>
-              </a:ext>
-            </a:extLst>
-          </p:cNvPr>
-          <p:cNvPicPr>
-            <a:picLocks noChangeAspect="1"/>
-          </p:cNvPicPr>
+          <a:noFill/>
+        </p:spPr>
+        <p:txBody>
+          <a:bodyPr wrap="none" rtlCol="0">
+            <a:spAutoFit/>
+          </a:bodyPr>
+          <a:lstStyle/>
+          <a:p>
+            <a:r>
+              <a:rPr lang="fr-FR" dirty="0"/>
+              <a:t>Validation W3C HTML :</a:t>
+            </a:r>
+          </a:p>
+        </p:txBody>
+      </p:sp>
+      <p:sp>
+        <p:nvSpPr>
+          <p:cNvPr id="13" name="ZoneTexte 12">
+            <a:extLst>
+              <a:ext uri="{FF2B5EF4-FFF2-40B4-BE49-F238E27FC236}">
+                <a16:creationId xmlns:a16="http://schemas.microsoft.com/office/drawing/2014/main" id="{5D8FB821-FDB0-4FCD-BFCC-04061F37C37F}"/>
+              </a:ext>
+            </a:extLst>
+          </p:cNvPr>
+          <p:cNvSpPr txBox="1"/>
           <p:nvPr/>
-        </p:nvPicPr>
-        <p:blipFill>
-          <a:blip r:embed="rId5">
-            <a:extLst>
-              <a:ext uri="{28A0092B-C50C-407E-A947-70E740481C1C}">
-                <a14:useLocalDpi xmlns:a14="http://schemas.microsoft.com/office/drawing/2010/main" val="0"/>
-              </a:ext>
-            </a:extLst>
-          </a:blip>
-          <a:stretch>
-            <a:fillRect/>
-          </a:stretch>
-        </p:blipFill>
-        <p:spPr>
-          <a:xfrm>
-            <a:off x="8455699" y="2747710"/>
-            <a:ext cx="3650139" cy="3836430"/>
+        </p:nvSpPr>
+        <p:spPr>
+          <a:xfrm>
+            <a:off x="5033305" y="2793834"/>
+            <a:ext cx="2125390" cy="369332"/>
           </a:xfrm>
           <a:prstGeom prst="rect">
             <a:avLst/>
           </a:prstGeom>
-        </p:spPr>
-      </p:pic>
+          <a:noFill/>
+        </p:spPr>
+        <p:txBody>
+          <a:bodyPr wrap="none" rtlCol="0">
+            <a:spAutoFit/>
+          </a:bodyPr>
+          <a:lstStyle/>
+          <a:p>
+            <a:r>
+              <a:rPr lang="fr-FR" dirty="0"/>
+              <a:t>Validation W3C CSS :</a:t>
+            </a:r>
+          </a:p>
+        </p:txBody>
+      </p:sp>
     </p:spTree>
     <p:extLst>
       <p:ext uri="{BB962C8B-B14F-4D97-AF65-F5344CB8AC3E}">
-        <p14:creationId xmlns:p14="http://schemas.microsoft.com/office/powerpoint/2010/main" val="4198412497"/>
+        <p14:creationId xmlns:p14="http://schemas.microsoft.com/office/powerpoint/2010/main" val="3248563158"/>
       </p:ext>
     </p:extLst>
   </p:cSld>
@@ -5795,12 +5727,190 @@
           <a:chExt cx="0" cy="0"/>
         </a:xfrm>
       </p:grpSpPr>
+      <p:sp>
+        <p:nvSpPr>
+          <p:cNvPr id="2" name="Titre 1">
+            <a:extLst>
+              <a:ext uri="{FF2B5EF4-FFF2-40B4-BE49-F238E27FC236}">
+                <a16:creationId xmlns:a16="http://schemas.microsoft.com/office/drawing/2014/main" id="{E973E640-4E76-47D0-9DB9-2BD9223636CD}"/>
+              </a:ext>
+            </a:extLst>
+          </p:cNvPr>
+          <p:cNvSpPr>
+            <a:spLocks noGrp="1"/>
+          </p:cNvSpPr>
+          <p:nvPr>
+            <p:ph type="title"/>
+          </p:nvPr>
+        </p:nvSpPr>
+        <p:spPr>
+          <a:xfrm>
+            <a:off x="838200" y="208648"/>
+            <a:ext cx="10515600" cy="1325563"/>
+          </a:xfrm>
+        </p:spPr>
+        <p:txBody>
+          <a:bodyPr/>
+          <a:lstStyle/>
+          <a:p>
+            <a:pPr algn="ctr"/>
+            <a:r>
+              <a:rPr lang="fr-FR" dirty="0"/>
+              <a:t>Analyses après modifications : </a:t>
+            </a:r>
+            <a:br>
+              <a:rPr lang="fr-FR" dirty="0"/>
+            </a:br>
+            <a:endParaRPr lang="fr-FR" dirty="0"/>
+          </a:p>
+        </p:txBody>
+      </p:sp>
+      <p:sp>
+        <p:nvSpPr>
+          <p:cNvPr id="6" name="Rectangle 5">
+            <a:extLst>
+              <a:ext uri="{FF2B5EF4-FFF2-40B4-BE49-F238E27FC236}">
+                <a16:creationId xmlns:a16="http://schemas.microsoft.com/office/drawing/2014/main" id="{1DA05EB7-37E7-4A04-97AF-F1D69B68B7B0}"/>
+              </a:ext>
+            </a:extLst>
+          </p:cNvPr>
+          <p:cNvSpPr/>
+          <p:nvPr/>
+        </p:nvSpPr>
+        <p:spPr>
+          <a:xfrm>
+            <a:off x="9445925" y="5193103"/>
+            <a:ext cx="1475117" cy="258792"/>
+          </a:xfrm>
+          <a:prstGeom prst="rect">
+            <a:avLst/>
+          </a:prstGeom>
+          <a:noFill/>
+          <a:ln w="38100">
+            <a:solidFill>
+              <a:srgbClr val="FF0000"/>
+            </a:solidFill>
+          </a:ln>
+        </p:spPr>
+        <p:style>
+          <a:lnRef idx="2">
+            <a:schemeClr val="accent1">
+              <a:shade val="50000"/>
+            </a:schemeClr>
+          </a:lnRef>
+          <a:fillRef idx="1">
+            <a:schemeClr val="accent1"/>
+          </a:fillRef>
+          <a:effectRef idx="0">
+            <a:schemeClr val="accent1"/>
+          </a:effectRef>
+          <a:fontRef idx="minor">
+            <a:schemeClr val="lt1"/>
+          </a:fontRef>
+        </p:style>
+        <p:txBody>
+          <a:bodyPr rtlCol="0" anchor="ctr"/>
+          <a:lstStyle/>
+          <a:p>
+            <a:pPr algn="ctr"/>
+            <a:endParaRPr lang="fr-FR"/>
+          </a:p>
+        </p:txBody>
+      </p:sp>
+      <p:sp>
+        <p:nvSpPr>
+          <p:cNvPr id="7" name="ZoneTexte 6">
+            <a:extLst>
+              <a:ext uri="{FF2B5EF4-FFF2-40B4-BE49-F238E27FC236}">
+                <a16:creationId xmlns:a16="http://schemas.microsoft.com/office/drawing/2014/main" id="{75FFDE10-EC93-4F17-98D9-DAF425BD2BAC}"/>
+              </a:ext>
+            </a:extLst>
+          </p:cNvPr>
+          <p:cNvSpPr txBox="1"/>
+          <p:nvPr/>
+        </p:nvSpPr>
+        <p:spPr>
+          <a:xfrm>
+            <a:off x="838200" y="5894141"/>
+            <a:ext cx="10515600" cy="646331"/>
+          </a:xfrm>
+          <a:prstGeom prst="rect">
+            <a:avLst/>
+          </a:prstGeom>
+          <a:noFill/>
+        </p:spPr>
+        <p:txBody>
+          <a:bodyPr wrap="square" rtlCol="0">
+            <a:spAutoFit/>
+          </a:bodyPr>
+          <a:lstStyle/>
+          <a:p>
+            <a:pPr algn="ctr"/>
+            <a:r>
+              <a:rPr lang="fr-FR" dirty="0"/>
+              <a:t>Le temps de chargement complet de la page après les optimisations est de 842ms, la performance est maintenant de 100%, la structure a aussi été améliorée (98%)</a:t>
+            </a:r>
+          </a:p>
+        </p:txBody>
+      </p:sp>
+      <p:sp>
+        <p:nvSpPr>
+          <p:cNvPr id="10" name="Rectangle 9">
+            <a:extLst>
+              <a:ext uri="{FF2B5EF4-FFF2-40B4-BE49-F238E27FC236}">
+                <a16:creationId xmlns:a16="http://schemas.microsoft.com/office/drawing/2014/main" id="{A29BE46F-596B-450D-A034-54A7655D60E2}"/>
+              </a:ext>
+            </a:extLst>
+          </p:cNvPr>
+          <p:cNvSpPr/>
+          <p:nvPr/>
+        </p:nvSpPr>
+        <p:spPr>
+          <a:xfrm>
+            <a:off x="9471803" y="5339751"/>
+            <a:ext cx="1475117" cy="258792"/>
+          </a:xfrm>
+          <a:prstGeom prst="rect">
+            <a:avLst/>
+          </a:prstGeom>
+          <a:noFill/>
+          <a:ln w="38100">
+            <a:solidFill>
+              <a:srgbClr val="FF0000"/>
+            </a:solidFill>
+          </a:ln>
+        </p:spPr>
+        <p:style>
+          <a:lnRef idx="2">
+            <a:schemeClr val="accent1">
+              <a:shade val="50000"/>
+            </a:schemeClr>
+          </a:lnRef>
+          <a:fillRef idx="1">
+            <a:schemeClr val="accent1"/>
+          </a:fillRef>
+          <a:effectRef idx="0">
+            <a:schemeClr val="accent1"/>
+          </a:effectRef>
+          <a:fontRef idx="minor">
+            <a:schemeClr val="lt1"/>
+          </a:fontRef>
+        </p:style>
+        <p:txBody>
+          <a:bodyPr rtlCol="0" anchor="ctr"/>
+          <a:lstStyle/>
+          <a:p>
+            <a:pPr algn="ctr"/>
+            <a:endParaRPr lang="fr-FR"/>
+          </a:p>
+        </p:txBody>
+      </p:sp>
       <p:pic>
         <p:nvPicPr>
-          <p:cNvPr id="5" name="Image 4" descr="Une image contenant texte&#10;&#10;Description générée automatiquement">
-            <a:extLst>
-              <a:ext uri="{FF2B5EF4-FFF2-40B4-BE49-F238E27FC236}">
-                <a16:creationId xmlns:a16="http://schemas.microsoft.com/office/drawing/2014/main" id="{D57F37D6-7A6A-427F-BDC8-8BE6FEECD34E}"/>
+          <p:cNvPr id="5" name="Image 4">
+            <a:extLst>
+              <a:ext uri="{FF2B5EF4-FFF2-40B4-BE49-F238E27FC236}">
+                <a16:creationId xmlns:a16="http://schemas.microsoft.com/office/drawing/2014/main" id="{F6948430-07EF-4334-881E-5EA483BFF218}"/>
               </a:ext>
             </a:extLst>
           </p:cNvPr>
@@ -5810,21 +5920,15 @@
           <p:nvPr/>
         </p:nvPicPr>
         <p:blipFill>
-          <a:blip r:embed="rId2">
-            <a:extLst>
-              <a:ext uri="{28A0092B-C50C-407E-A947-70E740481C1C}">
-                <a14:useLocalDpi xmlns:a14="http://schemas.microsoft.com/office/drawing/2010/main" val="0"/>
-              </a:ext>
-            </a:extLst>
-          </a:blip>
+          <a:blip r:embed="rId2"/>
           <a:stretch>
             <a:fillRect/>
           </a:stretch>
         </p:blipFill>
         <p:spPr>
           <a:xfrm>
-            <a:off x="0" y="0"/>
-            <a:ext cx="12192000" cy="4336435"/>
+            <a:off x="0" y="871430"/>
+            <a:ext cx="12192000" cy="5115140"/>
           </a:xfrm>
           <a:prstGeom prst="rect">
             <a:avLst/>
@@ -5834,139 +5938,7 @@
     </p:spTree>
     <p:extLst>
       <p:ext uri="{BB962C8B-B14F-4D97-AF65-F5344CB8AC3E}">
-        <p14:creationId xmlns:p14="http://schemas.microsoft.com/office/powerpoint/2010/main" val="1248169004"/>
-      </p:ext>
-    </p:extLst>
-  </p:cSld>
-  <p:clrMapOvr>
-    <a:masterClrMapping/>
-  </p:clrMapOvr>
-</p:sld>
-</file>
-
-<file path=ppt/slides/slide23.xml><?xml version="1.0" encoding="utf-8"?>
-<p:sld xmlns:a="http://schemas.openxmlformats.org/drawingml/2006/main" xmlns:r="http://schemas.openxmlformats.org/officeDocument/2006/relationships" xmlns:p="http://schemas.openxmlformats.org/presentationml/2006/main">
-  <p:cSld>
-    <p:spTree>
-      <p:nvGrpSpPr>
-        <p:cNvPr id="1" name=""/>
-        <p:cNvGrpSpPr/>
-        <p:nvPr/>
-      </p:nvGrpSpPr>
-      <p:grpSpPr>
-        <a:xfrm>
-          <a:off x="0" y="0"/>
-          <a:ext cx="0" cy="0"/>
-          <a:chOff x="0" y="0"/>
-          <a:chExt cx="0" cy="0"/>
-        </a:xfrm>
-      </p:grpSpPr>
-      <p:pic>
-        <p:nvPicPr>
-          <p:cNvPr id="5" name="Image 4" descr="Une image contenant texte&#10;&#10;Description générée automatiquement">
-            <a:extLst>
-              <a:ext uri="{FF2B5EF4-FFF2-40B4-BE49-F238E27FC236}">
-                <a16:creationId xmlns:a16="http://schemas.microsoft.com/office/drawing/2014/main" id="{40679545-6F6E-4F96-A5FF-864B79CBCF7A}"/>
-              </a:ext>
-            </a:extLst>
-          </p:cNvPr>
-          <p:cNvPicPr>
-            <a:picLocks noChangeAspect="1"/>
-          </p:cNvPicPr>
-          <p:nvPr/>
-        </p:nvPicPr>
-        <p:blipFill>
-          <a:blip r:embed="rId2">
-            <a:extLst>
-              <a:ext uri="{28A0092B-C50C-407E-A947-70E740481C1C}">
-                <a14:useLocalDpi xmlns:a14="http://schemas.microsoft.com/office/drawing/2010/main" val="0"/>
-              </a:ext>
-            </a:extLst>
-          </a:blip>
-          <a:stretch>
-            <a:fillRect/>
-          </a:stretch>
-        </p:blipFill>
-        <p:spPr>
-          <a:xfrm>
-            <a:off x="0" y="0"/>
-            <a:ext cx="12192000" cy="5712625"/>
-          </a:xfrm>
-          <a:prstGeom prst="rect">
-            <a:avLst/>
-          </a:prstGeom>
-        </p:spPr>
-      </p:pic>
-    </p:spTree>
-    <p:extLst>
-      <p:ext uri="{BB962C8B-B14F-4D97-AF65-F5344CB8AC3E}">
-        <p14:creationId xmlns:p14="http://schemas.microsoft.com/office/powerpoint/2010/main" val="1178771066"/>
-      </p:ext>
-    </p:extLst>
-  </p:cSld>
-  <p:clrMapOvr>
-    <a:masterClrMapping/>
-  </p:clrMapOvr>
-</p:sld>
-</file>
-
-<file path=ppt/slides/slide24.xml><?xml version="1.0" encoding="utf-8"?>
-<p:sld xmlns:a="http://schemas.openxmlformats.org/drawingml/2006/main" xmlns:r="http://schemas.openxmlformats.org/officeDocument/2006/relationships" xmlns:p="http://schemas.openxmlformats.org/presentationml/2006/main">
-  <p:cSld>
-    <p:spTree>
-      <p:nvGrpSpPr>
-        <p:cNvPr id="1" name=""/>
-        <p:cNvGrpSpPr/>
-        <p:nvPr/>
-      </p:nvGrpSpPr>
-      <p:grpSpPr>
-        <a:xfrm>
-          <a:off x="0" y="0"/>
-          <a:ext cx="0" cy="0"/>
-          <a:chOff x="0" y="0"/>
-          <a:chExt cx="0" cy="0"/>
-        </a:xfrm>
-      </p:grpSpPr>
-      <p:pic>
-        <p:nvPicPr>
-          <p:cNvPr id="5" name="Image 4" descr="Une image contenant texte&#10;&#10;Description générée automatiquement">
-            <a:extLst>
-              <a:ext uri="{FF2B5EF4-FFF2-40B4-BE49-F238E27FC236}">
-                <a16:creationId xmlns:a16="http://schemas.microsoft.com/office/drawing/2014/main" id="{18CA716D-E42E-40AD-A6CE-38015CE49072}"/>
-              </a:ext>
-            </a:extLst>
-          </p:cNvPr>
-          <p:cNvPicPr>
-            <a:picLocks noChangeAspect="1"/>
-          </p:cNvPicPr>
-          <p:nvPr/>
-        </p:nvPicPr>
-        <p:blipFill>
-          <a:blip r:embed="rId2">
-            <a:extLst>
-              <a:ext uri="{28A0092B-C50C-407E-A947-70E740481C1C}">
-                <a14:useLocalDpi xmlns:a14="http://schemas.microsoft.com/office/drawing/2010/main" val="0"/>
-              </a:ext>
-            </a:extLst>
-          </a:blip>
-          <a:stretch>
-            <a:fillRect/>
-          </a:stretch>
-        </p:blipFill>
-        <p:spPr>
-          <a:xfrm>
-            <a:off x="0" y="0"/>
-            <a:ext cx="12192000" cy="2203611"/>
-          </a:xfrm>
-          <a:prstGeom prst="rect">
-            <a:avLst/>
-          </a:prstGeom>
-        </p:spPr>
-      </p:pic>
-    </p:spTree>
-    <p:extLst>
-      <p:ext uri="{BB962C8B-B14F-4D97-AF65-F5344CB8AC3E}">
-        <p14:creationId xmlns:p14="http://schemas.microsoft.com/office/powerpoint/2010/main" val="3580081520"/>
+        <p14:creationId xmlns:p14="http://schemas.microsoft.com/office/powerpoint/2010/main" val="3312711371"/>
       </p:ext>
     </p:extLst>
   </p:cSld>
@@ -6146,7 +6118,7 @@
             </a:r>
             <a:r>
               <a:rPr lang="fr-FR" dirty="0"/>
-              <a:t> » que le site dans son état d’origine met 1,3s à charger. Ce qui est conséquent pour un site vitrine. On peut voir aussi que la structure peut être améliorée (89%</a:t>
+              <a:t> » que le site dans son état d’origine met 1,3s à charger. Ce qui est conséquent pour un site vitrine. On peut voir aussi que la structure peut être améliorée (89%)</a:t>
             </a:r>
           </a:p>
         </p:txBody>
@@ -6210,7 +6182,7 @@
             <a:pPr algn="ctr"/>
             <a:r>
               <a:rPr lang="fr-FR" dirty="0"/>
-              <a:t>Améliorations au niveau du code : </a:t>
+              <a:t>Recommandation 1: </a:t>
             </a:r>
           </a:p>
         </p:txBody>
@@ -6239,7 +6211,7 @@
         </p:blipFill>
         <p:spPr>
           <a:xfrm>
-            <a:off x="1304800" y="1619633"/>
+            <a:off x="921393" y="5043071"/>
             <a:ext cx="1866900" cy="400050"/>
           </a:xfrm>
         </p:spPr>
@@ -6266,7 +6238,7 @@
         </p:blipFill>
         <p:spPr>
           <a:xfrm>
-            <a:off x="7398126" y="1638683"/>
+            <a:off x="7805775" y="5062121"/>
             <a:ext cx="4048125" cy="381000"/>
           </a:xfrm>
           <a:prstGeom prst="rect">
@@ -6290,7 +6262,7 @@
         </p:nvCxnSpPr>
         <p:spPr>
           <a:xfrm>
-            <a:off x="3329187" y="1846258"/>
+            <a:off x="3475837" y="5250360"/>
             <a:ext cx="3838232" cy="0"/>
           </a:xfrm>
           <a:prstGeom prst="straightConnector1">
@@ -6317,291 +6289,221 @@
       </p:cxnSp>
       <p:sp>
         <p:nvSpPr>
-          <p:cNvPr id="10" name="ZoneTexte 9">
-            <a:extLst>
-              <a:ext uri="{FF2B5EF4-FFF2-40B4-BE49-F238E27FC236}">
-                <a16:creationId xmlns:a16="http://schemas.microsoft.com/office/drawing/2014/main" id="{C20C6F47-282F-4215-9B47-A49316B5CAF0}"/>
-              </a:ext>
-            </a:extLst>
-          </p:cNvPr>
-          <p:cNvSpPr txBox="1"/>
+          <p:cNvPr id="19" name="Espace réservé du contenu 2">
+            <a:extLst>
+              <a:ext uri="{FF2B5EF4-FFF2-40B4-BE49-F238E27FC236}">
+                <a16:creationId xmlns:a16="http://schemas.microsoft.com/office/drawing/2014/main" id="{4AC5BDB4-D7B3-4B00-BC2F-40C430C99221}"/>
+              </a:ext>
+            </a:extLst>
+          </p:cNvPr>
+          <p:cNvSpPr txBox="1">
+            <a:spLocks/>
+          </p:cNvSpPr>
           <p:nvPr/>
         </p:nvSpPr>
         <p:spPr>
           <a:xfrm>
-            <a:off x="3064339" y="2254538"/>
-            <a:ext cx="6313716" cy="646331"/>
+            <a:off x="743308" y="1614904"/>
+            <a:ext cx="11281913" cy="4351338"/>
           </a:xfrm>
           <a:prstGeom prst="rect">
             <a:avLst/>
           </a:prstGeom>
-          <a:noFill/>
-        </p:spPr>
-        <p:txBody>
-          <a:bodyPr wrap="none" rtlCol="0">
-            <a:spAutoFit/>
+        </p:spPr>
+        <p:txBody>
+          <a:bodyPr vert="horz" lIns="91440" tIns="45720" rIns="91440" bIns="45720" rtlCol="0">
+            <a:normAutofit/>
           </a:bodyPr>
-          <a:lstStyle/>
+          <a:lstStyle>
+            <a:lvl1pPr marL="228600" indent="-228600" algn="l" defTabSz="914400" rtl="0" eaLnBrk="1" latinLnBrk="0" hangingPunct="1">
+              <a:lnSpc>
+                <a:spcPct val="90000"/>
+              </a:lnSpc>
+              <a:spcBef>
+                <a:spcPts val="1000"/>
+              </a:spcBef>
+              <a:buFont typeface="Arial" panose="020B0604020202020204" pitchFamily="34" charset="0"/>
+              <a:buChar char="•"/>
+              <a:defRPr sz="2800" kern="1200">
+                <a:solidFill>
+                  <a:schemeClr val="tx1"/>
+                </a:solidFill>
+                <a:latin typeface="+mn-lt"/>
+                <a:ea typeface="+mn-ea"/>
+                <a:cs typeface="+mn-cs"/>
+              </a:defRPr>
+            </a:lvl1pPr>
+            <a:lvl2pPr marL="685800" indent="-228600" algn="l" defTabSz="914400" rtl="0" eaLnBrk="1" latinLnBrk="0" hangingPunct="1">
+              <a:lnSpc>
+                <a:spcPct val="90000"/>
+              </a:lnSpc>
+              <a:spcBef>
+                <a:spcPts val="500"/>
+              </a:spcBef>
+              <a:buFont typeface="Arial" panose="020B0604020202020204" pitchFamily="34" charset="0"/>
+              <a:buChar char="•"/>
+              <a:defRPr sz="2400" kern="1200">
+                <a:solidFill>
+                  <a:schemeClr val="tx1"/>
+                </a:solidFill>
+                <a:latin typeface="+mn-lt"/>
+                <a:ea typeface="+mn-ea"/>
+                <a:cs typeface="+mn-cs"/>
+              </a:defRPr>
+            </a:lvl2pPr>
+            <a:lvl3pPr marL="1143000" indent="-228600" algn="l" defTabSz="914400" rtl="0" eaLnBrk="1" latinLnBrk="0" hangingPunct="1">
+              <a:lnSpc>
+                <a:spcPct val="90000"/>
+              </a:lnSpc>
+              <a:spcBef>
+                <a:spcPts val="500"/>
+              </a:spcBef>
+              <a:buFont typeface="Arial" panose="020B0604020202020204" pitchFamily="34" charset="0"/>
+              <a:buChar char="•"/>
+              <a:defRPr sz="2000" kern="1200">
+                <a:solidFill>
+                  <a:schemeClr val="tx1"/>
+                </a:solidFill>
+                <a:latin typeface="+mn-lt"/>
+                <a:ea typeface="+mn-ea"/>
+                <a:cs typeface="+mn-cs"/>
+              </a:defRPr>
+            </a:lvl3pPr>
+            <a:lvl4pPr marL="1600200" indent="-228600" algn="l" defTabSz="914400" rtl="0" eaLnBrk="1" latinLnBrk="0" hangingPunct="1">
+              <a:lnSpc>
+                <a:spcPct val="90000"/>
+              </a:lnSpc>
+              <a:spcBef>
+                <a:spcPts val="500"/>
+              </a:spcBef>
+              <a:buFont typeface="Arial" panose="020B0604020202020204" pitchFamily="34" charset="0"/>
+              <a:buChar char="•"/>
+              <a:defRPr sz="1800" kern="1200">
+                <a:solidFill>
+                  <a:schemeClr val="tx1"/>
+                </a:solidFill>
+                <a:latin typeface="+mn-lt"/>
+                <a:ea typeface="+mn-ea"/>
+                <a:cs typeface="+mn-cs"/>
+              </a:defRPr>
+            </a:lvl4pPr>
+            <a:lvl5pPr marL="2057400" indent="-228600" algn="l" defTabSz="914400" rtl="0" eaLnBrk="1" latinLnBrk="0" hangingPunct="1">
+              <a:lnSpc>
+                <a:spcPct val="90000"/>
+              </a:lnSpc>
+              <a:spcBef>
+                <a:spcPts val="500"/>
+              </a:spcBef>
+              <a:buFont typeface="Arial" panose="020B0604020202020204" pitchFamily="34" charset="0"/>
+              <a:buChar char="•"/>
+              <a:defRPr sz="1800" kern="1200">
+                <a:solidFill>
+                  <a:schemeClr val="tx1"/>
+                </a:solidFill>
+                <a:latin typeface="+mn-lt"/>
+                <a:ea typeface="+mn-ea"/>
+                <a:cs typeface="+mn-cs"/>
+              </a:defRPr>
+            </a:lvl5pPr>
+            <a:lvl6pPr marL="2514600" indent="-228600" algn="l" defTabSz="914400" rtl="0" eaLnBrk="1" latinLnBrk="0" hangingPunct="1">
+              <a:lnSpc>
+                <a:spcPct val="90000"/>
+              </a:lnSpc>
+              <a:spcBef>
+                <a:spcPts val="500"/>
+              </a:spcBef>
+              <a:buFont typeface="Arial" panose="020B0604020202020204" pitchFamily="34" charset="0"/>
+              <a:buChar char="•"/>
+              <a:defRPr sz="1800" kern="1200">
+                <a:solidFill>
+                  <a:schemeClr val="tx1"/>
+                </a:solidFill>
+                <a:latin typeface="+mn-lt"/>
+                <a:ea typeface="+mn-ea"/>
+                <a:cs typeface="+mn-cs"/>
+              </a:defRPr>
+            </a:lvl6pPr>
+            <a:lvl7pPr marL="2971800" indent="-228600" algn="l" defTabSz="914400" rtl="0" eaLnBrk="1" latinLnBrk="0" hangingPunct="1">
+              <a:lnSpc>
+                <a:spcPct val="90000"/>
+              </a:lnSpc>
+              <a:spcBef>
+                <a:spcPts val="500"/>
+              </a:spcBef>
+              <a:buFont typeface="Arial" panose="020B0604020202020204" pitchFamily="34" charset="0"/>
+              <a:buChar char="•"/>
+              <a:defRPr sz="1800" kern="1200">
+                <a:solidFill>
+                  <a:schemeClr val="tx1"/>
+                </a:solidFill>
+                <a:latin typeface="+mn-lt"/>
+                <a:ea typeface="+mn-ea"/>
+                <a:cs typeface="+mn-cs"/>
+              </a:defRPr>
+            </a:lvl7pPr>
+            <a:lvl8pPr marL="3429000" indent="-228600" algn="l" defTabSz="914400" rtl="0" eaLnBrk="1" latinLnBrk="0" hangingPunct="1">
+              <a:lnSpc>
+                <a:spcPct val="90000"/>
+              </a:lnSpc>
+              <a:spcBef>
+                <a:spcPts val="500"/>
+              </a:spcBef>
+              <a:buFont typeface="Arial" panose="020B0604020202020204" pitchFamily="34" charset="0"/>
+              <a:buChar char="•"/>
+              <a:defRPr sz="1800" kern="1200">
+                <a:solidFill>
+                  <a:schemeClr val="tx1"/>
+                </a:solidFill>
+                <a:latin typeface="+mn-lt"/>
+                <a:ea typeface="+mn-ea"/>
+                <a:cs typeface="+mn-cs"/>
+              </a:defRPr>
+            </a:lvl8pPr>
+            <a:lvl9pPr marL="3886200" indent="-228600" algn="l" defTabSz="914400" rtl="0" eaLnBrk="1" latinLnBrk="0" hangingPunct="1">
+              <a:lnSpc>
+                <a:spcPct val="90000"/>
+              </a:lnSpc>
+              <a:spcBef>
+                <a:spcPts val="500"/>
+              </a:spcBef>
+              <a:buFont typeface="Arial" panose="020B0604020202020204" pitchFamily="34" charset="0"/>
+              <a:buChar char="•"/>
+              <a:defRPr sz="1800" kern="1200">
+                <a:solidFill>
+                  <a:schemeClr val="tx1"/>
+                </a:solidFill>
+                <a:latin typeface="+mn-lt"/>
+                <a:ea typeface="+mn-ea"/>
+                <a:cs typeface="+mn-cs"/>
+              </a:defRPr>
+            </a:lvl9pPr>
+          </a:lstStyle>
           <a:p>
             <a:r>
               <a:rPr lang="fr-FR" dirty="0"/>
-              <a:t>La balise </a:t>
-            </a:r>
-            <a:r>
-              <a:rPr lang="fr-FR" dirty="0" err="1"/>
-              <a:t>title</a:t>
-            </a:r>
+              <a:t>Problème : La page contient un ‘’.’’ en titre principal.</a:t>
+            </a:r>
+          </a:p>
+          <a:p>
+            <a:endParaRPr lang="fr-FR" dirty="0"/>
+          </a:p>
+          <a:p>
             <a:r>
               <a:rPr lang="fr-FR" dirty="0"/>
-              <a:t> aide au référencement sur le moteur de recherche, </a:t>
-            </a:r>
+              <a:t>Recommandation : Le titre est une information très importante pour les bots de référencement. Il est important de le préciser</a:t>
+            </a:r>
+          </a:p>
+          <a:p>
+            <a:endParaRPr lang="fr-FR" dirty="0"/>
           </a:p>
           <a:p>
             <a:r>
               <a:rPr lang="fr-FR" dirty="0"/>
-              <a:t>il peu contenir le nom de l’agence et un mot clé par exemple</a:t>
-            </a:r>
-          </a:p>
-        </p:txBody>
-      </p:sp>
-      <p:sp>
-        <p:nvSpPr>
-          <p:cNvPr id="15" name="Rectangle 14">
-            <a:extLst>
-              <a:ext uri="{FF2B5EF4-FFF2-40B4-BE49-F238E27FC236}">
-                <a16:creationId xmlns:a16="http://schemas.microsoft.com/office/drawing/2014/main" id="{3A80AD4A-5989-4006-B637-D1815F4F18FE}"/>
-              </a:ext>
-            </a:extLst>
-          </p:cNvPr>
-          <p:cNvSpPr/>
-          <p:nvPr/>
-        </p:nvSpPr>
-        <p:spPr>
-          <a:xfrm>
-            <a:off x="1147313" y="1431983"/>
-            <a:ext cx="10515600" cy="1708381"/>
-          </a:xfrm>
-          <a:prstGeom prst="rect">
-            <a:avLst/>
-          </a:prstGeom>
-          <a:noFill/>
-          <a:ln w="19050">
-            <a:solidFill>
-              <a:schemeClr val="tx1"/>
-            </a:solidFill>
-          </a:ln>
-        </p:spPr>
-        <p:style>
-          <a:lnRef idx="2">
-            <a:schemeClr val="accent1">
-              <a:shade val="50000"/>
-            </a:schemeClr>
-          </a:lnRef>
-          <a:fillRef idx="1">
-            <a:schemeClr val="accent1"/>
-          </a:fillRef>
-          <a:effectRef idx="0">
-            <a:schemeClr val="accent1"/>
-          </a:effectRef>
-          <a:fontRef idx="minor">
-            <a:schemeClr val="lt1"/>
-          </a:fontRef>
-        </p:style>
-        <p:txBody>
-          <a:bodyPr rtlCol="0" anchor="ctr"/>
-          <a:lstStyle/>
-          <a:p>
-            <a:pPr algn="ctr"/>
-            <a:endParaRPr lang="fr-FR"/>
-          </a:p>
-        </p:txBody>
-      </p:sp>
-      <p:sp>
-        <p:nvSpPr>
-          <p:cNvPr id="16" name="Rectangle 15">
-            <a:extLst>
-              <a:ext uri="{FF2B5EF4-FFF2-40B4-BE49-F238E27FC236}">
-                <a16:creationId xmlns:a16="http://schemas.microsoft.com/office/drawing/2014/main" id="{302125C0-F610-4482-A6F1-E0868FAD63BE}"/>
-              </a:ext>
-            </a:extLst>
-          </p:cNvPr>
-          <p:cNvSpPr/>
-          <p:nvPr/>
-        </p:nvSpPr>
-        <p:spPr>
-          <a:xfrm>
-            <a:off x="1143450" y="3328013"/>
-            <a:ext cx="10515600" cy="3253941"/>
-          </a:xfrm>
-          <a:prstGeom prst="rect">
-            <a:avLst/>
-          </a:prstGeom>
-          <a:noFill/>
-          <a:ln w="19050">
-            <a:solidFill>
-              <a:schemeClr val="tx1"/>
-            </a:solidFill>
-          </a:ln>
-        </p:spPr>
-        <p:style>
-          <a:lnRef idx="2">
-            <a:schemeClr val="accent1">
-              <a:shade val="50000"/>
-            </a:schemeClr>
-          </a:lnRef>
-          <a:fillRef idx="1">
-            <a:schemeClr val="accent1"/>
-          </a:fillRef>
-          <a:effectRef idx="0">
-            <a:schemeClr val="accent1"/>
-          </a:effectRef>
-          <a:fontRef idx="minor">
-            <a:schemeClr val="lt1"/>
-          </a:fontRef>
-        </p:style>
-        <p:txBody>
-          <a:bodyPr rtlCol="0" anchor="ctr"/>
-          <a:lstStyle/>
-          <a:p>
-            <a:pPr algn="ctr"/>
-            <a:endParaRPr lang="fr-FR"/>
-          </a:p>
-        </p:txBody>
-      </p:sp>
-      <p:pic>
-        <p:nvPicPr>
-          <p:cNvPr id="13" name="Image 12">
-            <a:extLst>
-              <a:ext uri="{FF2B5EF4-FFF2-40B4-BE49-F238E27FC236}">
-                <a16:creationId xmlns:a16="http://schemas.microsoft.com/office/drawing/2014/main" id="{32398978-E5CD-4855-A12F-6D8497616085}"/>
-              </a:ext>
-            </a:extLst>
-          </p:cNvPr>
-          <p:cNvPicPr>
-            <a:picLocks noChangeAspect="1"/>
-          </p:cNvPicPr>
-          <p:nvPr/>
-        </p:nvPicPr>
-        <p:blipFill>
-          <a:blip r:embed="rId4"/>
-          <a:stretch>
-            <a:fillRect/>
-          </a:stretch>
-        </p:blipFill>
-        <p:spPr>
-          <a:xfrm>
-            <a:off x="1201218" y="4687286"/>
-            <a:ext cx="3051167" cy="531705"/>
-          </a:xfrm>
-          <a:prstGeom prst="rect">
-            <a:avLst/>
-          </a:prstGeom>
-        </p:spPr>
-      </p:pic>
-      <p:pic>
-        <p:nvPicPr>
-          <p:cNvPr id="14" name="Image 13">
-            <a:extLst>
-              <a:ext uri="{FF2B5EF4-FFF2-40B4-BE49-F238E27FC236}">
-                <a16:creationId xmlns:a16="http://schemas.microsoft.com/office/drawing/2014/main" id="{9D373C1A-61FC-43FE-BFF7-339BC5CBE6E2}"/>
-              </a:ext>
-            </a:extLst>
-          </p:cNvPr>
-          <p:cNvPicPr>
-            <a:picLocks noChangeAspect="1"/>
-          </p:cNvPicPr>
-          <p:nvPr/>
-        </p:nvPicPr>
-        <p:blipFill>
-          <a:blip r:embed="rId5"/>
-          <a:stretch>
-            <a:fillRect/>
-          </a:stretch>
-        </p:blipFill>
-        <p:spPr>
-          <a:xfrm>
-            <a:off x="8793349" y="4796648"/>
-            <a:ext cx="2813945" cy="269942"/>
-          </a:xfrm>
-          <a:prstGeom prst="rect">
-            <a:avLst/>
-          </a:prstGeom>
-        </p:spPr>
-      </p:pic>
-      <p:cxnSp>
-        <p:nvCxnSpPr>
-          <p:cNvPr id="17" name="Connecteur droit avec flèche 16">
-            <a:extLst>
-              <a:ext uri="{FF2B5EF4-FFF2-40B4-BE49-F238E27FC236}">
-                <a16:creationId xmlns:a16="http://schemas.microsoft.com/office/drawing/2014/main" id="{0B56B144-10E7-4AF5-92DD-552D259DB6C4}"/>
-              </a:ext>
-            </a:extLst>
-          </p:cNvPr>
-          <p:cNvCxnSpPr>
-            <a:cxnSpLocks/>
-          </p:cNvCxnSpPr>
-          <p:nvPr/>
-        </p:nvCxnSpPr>
-        <p:spPr>
-          <a:xfrm>
-            <a:off x="4974527" y="4973806"/>
-            <a:ext cx="3148772" cy="0"/>
-          </a:xfrm>
-          <a:prstGeom prst="straightConnector1">
-            <a:avLst/>
-          </a:prstGeom>
-          <a:ln w="38100">
-            <a:tailEnd type="triangle"/>
-          </a:ln>
-        </p:spPr>
-        <p:style>
-          <a:lnRef idx="1">
-            <a:schemeClr val="accent1"/>
-          </a:lnRef>
-          <a:fillRef idx="0">
-            <a:schemeClr val="accent1"/>
-          </a:fillRef>
-          <a:effectRef idx="0">
-            <a:schemeClr val="accent1"/>
-          </a:effectRef>
-          <a:fontRef idx="minor">
-            <a:schemeClr val="tx1"/>
-          </a:fontRef>
-        </p:style>
-      </p:cxnSp>
-      <p:sp>
-        <p:nvSpPr>
-          <p:cNvPr id="18" name="ZoneTexte 17">
-            <a:extLst>
-              <a:ext uri="{FF2B5EF4-FFF2-40B4-BE49-F238E27FC236}">
-                <a16:creationId xmlns:a16="http://schemas.microsoft.com/office/drawing/2014/main" id="{C0345AEF-691F-43F3-BA52-D3448EAEE65F}"/>
-              </a:ext>
-            </a:extLst>
-          </p:cNvPr>
-          <p:cNvSpPr txBox="1"/>
-          <p:nvPr/>
-        </p:nvSpPr>
-        <p:spPr>
-          <a:xfrm>
-            <a:off x="1550330" y="5653507"/>
-            <a:ext cx="9803470" cy="646331"/>
-          </a:xfrm>
-          <a:prstGeom prst="rect">
-            <a:avLst/>
-          </a:prstGeom>
-          <a:noFill/>
-        </p:spPr>
-        <p:txBody>
-          <a:bodyPr wrap="square" rtlCol="0">
-            <a:spAutoFit/>
-          </a:bodyPr>
-          <a:lstStyle/>
-          <a:p>
-            <a:pPr algn="ctr"/>
-            <a:r>
-              <a:rPr lang="fr-FR" dirty="0"/>
-              <a:t>Il vaut mieux utiliser des noms de fichiers explicites comme « contact.html » dans le cas d’une page de prise de contact</a:t>
-            </a:r>
+              <a:t>Solution : Ajouter un titre exemple : ‘’La Panthère, agence de web design’’</a:t>
+            </a:r>
+          </a:p>
+          <a:p>
+            <a:endParaRPr lang="fr-FR" dirty="0"/>
           </a:p>
         </p:txBody>
       </p:sp>
@@ -6659,7 +6561,7 @@
             <a:pPr algn="ctr"/>
             <a:r>
               <a:rPr lang="fr-FR" dirty="0"/>
-              <a:t>Recommandation 1 :</a:t>
+              <a:t>Recommandation 2 :</a:t>
             </a:r>
           </a:p>
         </p:txBody>
@@ -6799,13 +6701,10 @@
           <a:bodyPr/>
           <a:lstStyle/>
           <a:p>
-            <a:r>
-              <a:rPr lang="fr-FR" dirty="0" err="1"/>
-              <a:t>Recomandation</a:t>
-            </a:r>
+            <a:pPr algn="ctr"/>
             <a:r>
               <a:rPr lang="fr-FR" dirty="0"/>
-              <a:t> 2 :</a:t>
+              <a:t>Recommandation 3 :</a:t>
             </a:r>
           </a:p>
         </p:txBody>
@@ -7027,9 +6926,10 @@
           <a:bodyPr/>
           <a:lstStyle/>
           <a:p>
+            <a:pPr algn="ctr"/>
             <a:r>
               <a:rPr lang="fr-FR" dirty="0"/>
-              <a:t>Recommandation 3  :</a:t>
+              <a:t>Recommandation 4  :</a:t>
             </a:r>
           </a:p>
         </p:txBody>
@@ -7212,9 +7112,10 @@
           <a:bodyPr/>
           <a:lstStyle/>
           <a:p>
+            <a:pPr algn="ctr"/>
             <a:r>
               <a:rPr lang="fr-FR" dirty="0"/>
-              <a:t>Recommandation 4 :</a:t>
+              <a:t>Recommandation 5 :</a:t>
             </a:r>
           </a:p>
         </p:txBody>
@@ -7337,7 +7238,7 @@
             <a:pPr algn="ctr"/>
             <a:r>
               <a:rPr lang="fr-FR" dirty="0"/>
-              <a:t>Recommandation 5 :</a:t>
+              <a:t>Recommandation 6 :</a:t>
             </a:r>
           </a:p>
         </p:txBody>

--- a/Ressources/Soutenance projet 04.pptx
+++ b/Ressources/Soutenance projet 04.pptx
@@ -3414,6 +3414,45 @@
           </a:prstGeom>
         </p:spPr>
       </p:pic>
+      <p:sp>
+        <p:nvSpPr>
+          <p:cNvPr id="3" name="ZoneTexte 2">
+            <a:extLst>
+              <a:ext uri="{FF2B5EF4-FFF2-40B4-BE49-F238E27FC236}">
+                <a16:creationId xmlns:a16="http://schemas.microsoft.com/office/drawing/2014/main" id="{E6426B8F-DD16-46B2-9CEA-81C5A78DFAEF}"/>
+              </a:ext>
+            </a:extLst>
+          </p:cNvPr>
+          <p:cNvSpPr txBox="1"/>
+          <p:nvPr/>
+        </p:nvSpPr>
+        <p:spPr>
+          <a:xfrm>
+            <a:off x="4303393" y="5917848"/>
+            <a:ext cx="3543086" cy="369332"/>
+          </a:xfrm>
+          <a:prstGeom prst="rect">
+            <a:avLst/>
+          </a:prstGeom>
+          <a:noFill/>
+        </p:spPr>
+        <p:txBody>
+          <a:bodyPr wrap="none" rtlCol="0">
+            <a:spAutoFit/>
+          </a:bodyPr>
+          <a:lstStyle/>
+          <a:p>
+            <a:r>
+              <a:rPr lang="fr-FR" dirty="0" err="1"/>
+              <a:t>Sannier</a:t>
+            </a:r>
+            <a:r>
+              <a:rPr lang="fr-FR" dirty="0"/>
+              <a:t> Renaud – Développeur web</a:t>
+            </a:r>
+          </a:p>
+        </p:txBody>
+      </p:sp>
     </p:spTree>
     <p:extLst>
       <p:ext uri="{BB962C8B-B14F-4D97-AF65-F5344CB8AC3E}">
